--- a/presentations/lab_meeting_03.21.2022.pptx
+++ b/presentations/lab_meeting_03.21.2022.pptx
@@ -20,6 +20,19 @@
     <p:sldId id="268" r:id="rId14"/>
     <p:sldId id="270" r:id="rId15"/>
     <p:sldId id="271" r:id="rId16"/>
+    <p:sldId id="272" r:id="rId17"/>
+    <p:sldId id="274" r:id="rId18"/>
+    <p:sldId id="273" r:id="rId19"/>
+    <p:sldId id="275" r:id="rId20"/>
+    <p:sldId id="276" r:id="rId21"/>
+    <p:sldId id="277" r:id="rId22"/>
+    <p:sldId id="278" r:id="rId23"/>
+    <p:sldId id="279" r:id="rId24"/>
+    <p:sldId id="280" r:id="rId25"/>
+    <p:sldId id="281" r:id="rId26"/>
+    <p:sldId id="282" r:id="rId27"/>
+    <p:sldId id="283" r:id="rId28"/>
+    <p:sldId id="284" r:id="rId29"/>
   </p:sldIdLst>
   <p:sldSz cx="12192000" cy="6858000"/>
   <p:notesSz cx="6858000" cy="9144000"/>
@@ -118,6 +131,11 @@
       </a:defRPr>
     </a:lvl9pPr>
   </p:defaultTextStyle>
+  <p:extLst>
+    <p:ext uri="{EFAFB233-063F-42B5-8137-9DF3F51BA10A}">
+      <p15:sldGuideLst xmlns:p15="http://schemas.microsoft.com/office/powerpoint/2012/main"/>
+    </p:ext>
+  </p:extLst>
 </p:presentation>
 </file>
 
@@ -6997,13 +7015,50 @@
               <a:t>δ13</a:t>
             </a:r>
             <a:r>
-              <a:rPr lang="en-US"/>
+              <a:rPr lang="en-US" dirty="0"/>
               <a:t>C</a:t>
             </a:r>
           </a:p>
           <a:p>
             <a:pPr lvl="1"/>
-            <a:endParaRPr lang="en-US"/>
+            <a:r>
+              <a:rPr lang="en-US" dirty="0"/>
+              <a:t>2118 individual leaves</a:t>
+            </a:r>
+          </a:p>
+          <a:p>
+            <a:pPr lvl="1"/>
+            <a:r>
+              <a:rPr lang="en-US" dirty="0"/>
+              <a:t>26 sites</a:t>
+            </a:r>
+          </a:p>
+          <a:p>
+            <a:pPr lvl="1"/>
+            <a:r>
+              <a:rPr lang="en-US" dirty="0"/>
+              <a:t>167 C4 individuals</a:t>
+            </a:r>
+          </a:p>
+          <a:p>
+            <a:pPr lvl="1"/>
+            <a:r>
+              <a:rPr lang="en-US" dirty="0"/>
+              <a:t>227 </a:t>
+            </a:r>
+            <a:r>
+              <a:rPr lang="en-US" dirty="0" err="1"/>
+              <a:t>Nfixers</a:t>
+            </a:r>
+            <a:endParaRPr lang="en-US" dirty="0"/>
+          </a:p>
+          <a:p>
+            <a:pPr lvl="1"/>
+            <a:endParaRPr lang="en-US" dirty="0"/>
+          </a:p>
+          <a:p>
+            <a:pPr lvl="1"/>
+            <a:endParaRPr lang="en-US" dirty="0"/>
           </a:p>
           <a:p>
             <a:endParaRPr lang="en-US" dirty="0"/>
@@ -7014,6 +7069,2229 @@
     <p:extLst>
       <p:ext uri="{BB962C8B-B14F-4D97-AF65-F5344CB8AC3E}">
         <p14:creationId xmlns:p14="http://schemas.microsoft.com/office/powerpoint/2010/main" val="2689367230"/>
+      </p:ext>
+    </p:extLst>
+  </p:cSld>
+  <p:clrMapOvr>
+    <a:masterClrMapping/>
+  </p:clrMapOvr>
+</p:sld>
+</file>
+
+<file path=ppt/slides/slide16.xml><?xml version="1.0" encoding="utf-8"?>
+<p:sld xmlns:a="http://schemas.openxmlformats.org/drawingml/2006/main" xmlns:r="http://schemas.openxmlformats.org/officeDocument/2006/relationships" xmlns:p="http://schemas.openxmlformats.org/presentationml/2006/main">
+  <p:cSld>
+    <p:spTree>
+      <p:nvGrpSpPr>
+        <p:cNvPr id="1" name=""/>
+        <p:cNvGrpSpPr/>
+        <p:nvPr/>
+      </p:nvGrpSpPr>
+      <p:grpSpPr>
+        <a:xfrm>
+          <a:off x="0" y="0"/>
+          <a:ext cx="0" cy="0"/>
+          <a:chOff x="0" y="0"/>
+          <a:chExt cx="0" cy="0"/>
+        </a:xfrm>
+      </p:grpSpPr>
+      <p:sp>
+        <p:nvSpPr>
+          <p:cNvPr id="5" name="TextBox 4">
+            <a:extLst>
+              <a:ext uri="{FF2B5EF4-FFF2-40B4-BE49-F238E27FC236}">
+                <a16:creationId xmlns:a16="http://schemas.microsoft.com/office/drawing/2014/main" id="{7767F052-2369-DA49-BE5F-708CF53589E2}"/>
+              </a:ext>
+            </a:extLst>
+          </p:cNvPr>
+          <p:cNvSpPr txBox="1"/>
+          <p:nvPr/>
+        </p:nvSpPr>
+        <p:spPr>
+          <a:xfrm>
+            <a:off x="915048" y="1854874"/>
+            <a:ext cx="2394630" cy="584775"/>
+          </a:xfrm>
+          <a:prstGeom prst="rect">
+            <a:avLst/>
+          </a:prstGeom>
+          <a:noFill/>
+          <a:ln w="76200">
+            <a:solidFill>
+              <a:schemeClr val="tx1"/>
+            </a:solidFill>
+          </a:ln>
+        </p:spPr>
+        <p:txBody>
+          <a:bodyPr wrap="none" rtlCol="0">
+            <a:spAutoFit/>
+          </a:bodyPr>
+          <a:lstStyle/>
+          <a:p>
+            <a:r>
+              <a:rPr lang="en-US" sz="3200" dirty="0"/>
+              <a:t>Soil nutrients</a:t>
+            </a:r>
+          </a:p>
+        </p:txBody>
+      </p:sp>
+      <p:sp>
+        <p:nvSpPr>
+          <p:cNvPr id="6" name="TextBox 5">
+            <a:extLst>
+              <a:ext uri="{FF2B5EF4-FFF2-40B4-BE49-F238E27FC236}">
+                <a16:creationId xmlns:a16="http://schemas.microsoft.com/office/drawing/2014/main" id="{29FB1117-2811-7D4B-B1DB-672949478F48}"/>
+              </a:ext>
+            </a:extLst>
+          </p:cNvPr>
+          <p:cNvSpPr txBox="1"/>
+          <p:nvPr/>
+        </p:nvSpPr>
+        <p:spPr>
+          <a:xfrm>
+            <a:off x="4391015" y="3136612"/>
+            <a:ext cx="402674" cy="584775"/>
+          </a:xfrm>
+          <a:prstGeom prst="rect">
+            <a:avLst/>
+          </a:prstGeom>
+          <a:noFill/>
+          <a:ln w="76200">
+            <a:solidFill>
+              <a:schemeClr val="tx1"/>
+            </a:solidFill>
+          </a:ln>
+        </p:spPr>
+        <p:txBody>
+          <a:bodyPr wrap="none" rtlCol="0">
+            <a:spAutoFit/>
+          </a:bodyPr>
+          <a:lstStyle/>
+          <a:p>
+            <a:r>
+              <a:rPr lang="el-GR" sz="3200" dirty="0"/>
+              <a:t>β</a:t>
+            </a:r>
+            <a:endParaRPr lang="en-US" sz="3200" dirty="0"/>
+          </a:p>
+        </p:txBody>
+      </p:sp>
+      <p:cxnSp>
+        <p:nvCxnSpPr>
+          <p:cNvPr id="7" name="Straight Arrow Connector 6">
+            <a:extLst>
+              <a:ext uri="{FF2B5EF4-FFF2-40B4-BE49-F238E27FC236}">
+                <a16:creationId xmlns:a16="http://schemas.microsoft.com/office/drawing/2014/main" id="{60646DC9-5732-6E48-B3D7-B172D8F129F5}"/>
+              </a:ext>
+            </a:extLst>
+          </p:cNvPr>
+          <p:cNvCxnSpPr>
+            <a:cxnSpLocks/>
+            <a:stCxn id="5" idx="2"/>
+            <a:endCxn id="6" idx="0"/>
+          </p:cNvCxnSpPr>
+          <p:nvPr/>
+        </p:nvCxnSpPr>
+        <p:spPr>
+          <a:xfrm>
+            <a:off x="2112363" y="2439649"/>
+            <a:ext cx="2479989" cy="696963"/>
+          </a:xfrm>
+          <a:prstGeom prst="straightConnector1">
+            <a:avLst/>
+          </a:prstGeom>
+          <a:ln w="76200">
+            <a:solidFill>
+              <a:srgbClr val="FF0000"/>
+            </a:solidFill>
+            <a:tailEnd type="triangle"/>
+          </a:ln>
+        </p:spPr>
+        <p:style>
+          <a:lnRef idx="1">
+            <a:schemeClr val="accent1"/>
+          </a:lnRef>
+          <a:fillRef idx="0">
+            <a:schemeClr val="accent1"/>
+          </a:fillRef>
+          <a:effectRef idx="0">
+            <a:schemeClr val="accent1"/>
+          </a:effectRef>
+          <a:fontRef idx="minor">
+            <a:schemeClr val="tx1"/>
+          </a:fontRef>
+        </p:style>
+      </p:cxnSp>
+      <p:sp>
+        <p:nvSpPr>
+          <p:cNvPr id="8" name="TextBox 7">
+            <a:extLst>
+              <a:ext uri="{FF2B5EF4-FFF2-40B4-BE49-F238E27FC236}">
+                <a16:creationId xmlns:a16="http://schemas.microsoft.com/office/drawing/2014/main" id="{92931276-47E7-954A-8A48-D2205F734C26}"/>
+              </a:ext>
+            </a:extLst>
+          </p:cNvPr>
+          <p:cNvSpPr txBox="1"/>
+          <p:nvPr/>
+        </p:nvSpPr>
+        <p:spPr>
+          <a:xfrm>
+            <a:off x="1459282" y="4418350"/>
+            <a:ext cx="1834156" cy="584775"/>
+          </a:xfrm>
+          <a:prstGeom prst="rect">
+            <a:avLst/>
+          </a:prstGeom>
+          <a:noFill/>
+          <a:ln w="76200">
+            <a:solidFill>
+              <a:schemeClr val="tx1"/>
+            </a:solidFill>
+          </a:ln>
+        </p:spPr>
+        <p:txBody>
+          <a:bodyPr wrap="none" rtlCol="0">
+            <a:spAutoFit/>
+          </a:bodyPr>
+          <a:lstStyle/>
+          <a:p>
+            <a:r>
+              <a:rPr lang="en-US" sz="3200" dirty="0"/>
+              <a:t>Soil water</a:t>
+            </a:r>
+          </a:p>
+        </p:txBody>
+      </p:sp>
+      <p:cxnSp>
+        <p:nvCxnSpPr>
+          <p:cNvPr id="9" name="Straight Arrow Connector 8">
+            <a:extLst>
+              <a:ext uri="{FF2B5EF4-FFF2-40B4-BE49-F238E27FC236}">
+                <a16:creationId xmlns:a16="http://schemas.microsoft.com/office/drawing/2014/main" id="{F71521E0-F786-B34E-B38C-F0EE6DE61821}"/>
+              </a:ext>
+            </a:extLst>
+          </p:cNvPr>
+          <p:cNvCxnSpPr>
+            <a:cxnSpLocks/>
+            <a:stCxn id="8" idx="0"/>
+            <a:endCxn id="6" idx="2"/>
+          </p:cNvCxnSpPr>
+          <p:nvPr/>
+        </p:nvCxnSpPr>
+        <p:spPr>
+          <a:xfrm flipV="1">
+            <a:off x="2376360" y="3721387"/>
+            <a:ext cx="2215992" cy="696963"/>
+          </a:xfrm>
+          <a:prstGeom prst="straightConnector1">
+            <a:avLst/>
+          </a:prstGeom>
+          <a:ln w="76200">
+            <a:solidFill>
+              <a:srgbClr val="0432FF"/>
+            </a:solidFill>
+            <a:tailEnd type="triangle"/>
+          </a:ln>
+        </p:spPr>
+        <p:style>
+          <a:lnRef idx="1">
+            <a:schemeClr val="accent1"/>
+          </a:lnRef>
+          <a:fillRef idx="0">
+            <a:schemeClr val="accent1"/>
+          </a:fillRef>
+          <a:effectRef idx="0">
+            <a:schemeClr val="accent1"/>
+          </a:effectRef>
+          <a:fontRef idx="minor">
+            <a:schemeClr val="tx1"/>
+          </a:fontRef>
+        </p:style>
+      </p:cxnSp>
+      <p:sp>
+        <p:nvSpPr>
+          <p:cNvPr id="10" name="TextBox 9">
+            <a:extLst>
+              <a:ext uri="{FF2B5EF4-FFF2-40B4-BE49-F238E27FC236}">
+                <a16:creationId xmlns:a16="http://schemas.microsoft.com/office/drawing/2014/main" id="{662A2AFD-5308-1644-BBA2-905B5E65CFFC}"/>
+              </a:ext>
+            </a:extLst>
+          </p:cNvPr>
+          <p:cNvSpPr txBox="1"/>
+          <p:nvPr/>
+        </p:nvSpPr>
+        <p:spPr>
+          <a:xfrm>
+            <a:off x="2929003" y="430452"/>
+            <a:ext cx="846707" cy="584775"/>
+          </a:xfrm>
+          <a:prstGeom prst="rect">
+            <a:avLst/>
+          </a:prstGeom>
+          <a:noFill/>
+          <a:ln w="76200">
+            <a:solidFill>
+              <a:schemeClr val="tx1"/>
+            </a:solidFill>
+          </a:ln>
+        </p:spPr>
+        <p:txBody>
+          <a:bodyPr wrap="none" rtlCol="0">
+            <a:spAutoFit/>
+          </a:bodyPr>
+          <a:lstStyle/>
+          <a:p>
+            <a:r>
+              <a:rPr lang="en-US" sz="3200" dirty="0" err="1"/>
+              <a:t>Nfix</a:t>
+            </a:r>
+            <a:endParaRPr lang="en-US" sz="3200" dirty="0"/>
+          </a:p>
+        </p:txBody>
+      </p:sp>
+      <p:sp>
+        <p:nvSpPr>
+          <p:cNvPr id="11" name="TextBox 10">
+            <a:extLst>
+              <a:ext uri="{FF2B5EF4-FFF2-40B4-BE49-F238E27FC236}">
+                <a16:creationId xmlns:a16="http://schemas.microsoft.com/office/drawing/2014/main" id="{A1AA803F-EB90-0340-A8E1-04446A3F87B7}"/>
+              </a:ext>
+            </a:extLst>
+          </p:cNvPr>
+          <p:cNvSpPr txBox="1"/>
+          <p:nvPr/>
+        </p:nvSpPr>
+        <p:spPr>
+          <a:xfrm>
+            <a:off x="4286018" y="411358"/>
+            <a:ext cx="612668" cy="584775"/>
+          </a:xfrm>
+          <a:prstGeom prst="rect">
+            <a:avLst/>
+          </a:prstGeom>
+          <a:noFill/>
+          <a:ln w="76200">
+            <a:solidFill>
+              <a:schemeClr val="tx1"/>
+            </a:solidFill>
+          </a:ln>
+        </p:spPr>
+        <p:txBody>
+          <a:bodyPr wrap="none" rtlCol="0">
+            <a:spAutoFit/>
+          </a:bodyPr>
+          <a:lstStyle/>
+          <a:p>
+            <a:r>
+              <a:rPr lang="en-US" sz="3200" dirty="0"/>
+              <a:t>C4</a:t>
+            </a:r>
+          </a:p>
+        </p:txBody>
+      </p:sp>
+      <p:cxnSp>
+        <p:nvCxnSpPr>
+          <p:cNvPr id="12" name="Straight Arrow Connector 11">
+            <a:extLst>
+              <a:ext uri="{FF2B5EF4-FFF2-40B4-BE49-F238E27FC236}">
+                <a16:creationId xmlns:a16="http://schemas.microsoft.com/office/drawing/2014/main" id="{C2AE2312-0E9C-5240-B467-932F200C9421}"/>
+              </a:ext>
+            </a:extLst>
+          </p:cNvPr>
+          <p:cNvCxnSpPr>
+            <a:cxnSpLocks/>
+            <a:stCxn id="10" idx="2"/>
+            <a:endCxn id="6" idx="0"/>
+          </p:cNvCxnSpPr>
+          <p:nvPr/>
+        </p:nvCxnSpPr>
+        <p:spPr>
+          <a:xfrm>
+            <a:off x="3352357" y="1015227"/>
+            <a:ext cx="1239995" cy="2121385"/>
+          </a:xfrm>
+          <a:prstGeom prst="straightConnector1">
+            <a:avLst/>
+          </a:prstGeom>
+          <a:ln w="76200">
+            <a:solidFill>
+              <a:srgbClr val="FF0000"/>
+            </a:solidFill>
+            <a:tailEnd type="triangle"/>
+          </a:ln>
+        </p:spPr>
+        <p:style>
+          <a:lnRef idx="1">
+            <a:schemeClr val="accent1"/>
+          </a:lnRef>
+          <a:fillRef idx="0">
+            <a:schemeClr val="accent1"/>
+          </a:fillRef>
+          <a:effectRef idx="0">
+            <a:schemeClr val="accent1"/>
+          </a:effectRef>
+          <a:fontRef idx="minor">
+            <a:schemeClr val="tx1"/>
+          </a:fontRef>
+        </p:style>
+      </p:cxnSp>
+      <p:cxnSp>
+        <p:nvCxnSpPr>
+          <p:cNvPr id="13" name="Straight Arrow Connector 12">
+            <a:extLst>
+              <a:ext uri="{FF2B5EF4-FFF2-40B4-BE49-F238E27FC236}">
+                <a16:creationId xmlns:a16="http://schemas.microsoft.com/office/drawing/2014/main" id="{2F4A8249-7BAA-F34A-8A9B-6E3D78FE1C39}"/>
+              </a:ext>
+            </a:extLst>
+          </p:cNvPr>
+          <p:cNvCxnSpPr>
+            <a:cxnSpLocks/>
+            <a:stCxn id="11" idx="2"/>
+            <a:endCxn id="6" idx="0"/>
+          </p:cNvCxnSpPr>
+          <p:nvPr/>
+        </p:nvCxnSpPr>
+        <p:spPr>
+          <a:xfrm>
+            <a:off x="4592352" y="996133"/>
+            <a:ext cx="0" cy="2140479"/>
+          </a:xfrm>
+          <a:prstGeom prst="straightConnector1">
+            <a:avLst/>
+          </a:prstGeom>
+          <a:ln w="76200">
+            <a:solidFill>
+              <a:srgbClr val="FF0000"/>
+            </a:solidFill>
+            <a:tailEnd type="triangle"/>
+          </a:ln>
+        </p:spPr>
+        <p:style>
+          <a:lnRef idx="1">
+            <a:schemeClr val="accent1"/>
+          </a:lnRef>
+          <a:fillRef idx="0">
+            <a:schemeClr val="accent1"/>
+          </a:fillRef>
+          <a:effectRef idx="0">
+            <a:schemeClr val="accent1"/>
+          </a:effectRef>
+          <a:fontRef idx="minor">
+            <a:schemeClr val="tx1"/>
+          </a:fontRef>
+        </p:style>
+      </p:cxnSp>
+      <p:sp>
+        <p:nvSpPr>
+          <p:cNvPr id="14" name="TextBox 13">
+            <a:extLst>
+              <a:ext uri="{FF2B5EF4-FFF2-40B4-BE49-F238E27FC236}">
+                <a16:creationId xmlns:a16="http://schemas.microsoft.com/office/drawing/2014/main" id="{E26FA297-1A19-FE43-890A-79FB96D913DA}"/>
+              </a:ext>
+            </a:extLst>
+          </p:cNvPr>
+          <p:cNvSpPr txBox="1"/>
+          <p:nvPr/>
+        </p:nvSpPr>
+        <p:spPr>
+          <a:xfrm>
+            <a:off x="6655633" y="1798820"/>
+            <a:ext cx="5171601" cy="1323439"/>
+          </a:xfrm>
+          <a:prstGeom prst="rect">
+            <a:avLst/>
+          </a:prstGeom>
+          <a:noFill/>
+        </p:spPr>
+        <p:txBody>
+          <a:bodyPr wrap="square" rtlCol="0">
+            <a:spAutoFit/>
+          </a:bodyPr>
+          <a:lstStyle/>
+          <a:p>
+            <a:r>
+              <a:rPr lang="en-US" sz="4000" dirty="0">
+                <a:solidFill>
+                  <a:srgbClr val="7030A0"/>
+                </a:solidFill>
+              </a:rPr>
+              <a:t>Question 1: what drives variation in </a:t>
+            </a:r>
+            <a:r>
+              <a:rPr lang="el-GR" sz="4000" dirty="0">
+                <a:solidFill>
+                  <a:srgbClr val="7030A0"/>
+                </a:solidFill>
+              </a:rPr>
+              <a:t>β</a:t>
+            </a:r>
+            <a:r>
+              <a:rPr lang="en-US" sz="4000" dirty="0">
+                <a:solidFill>
+                  <a:srgbClr val="7030A0"/>
+                </a:solidFill>
+              </a:rPr>
+              <a:t>?</a:t>
+            </a:r>
+          </a:p>
+        </p:txBody>
+      </p:sp>
+    </p:spTree>
+    <p:extLst>
+      <p:ext uri="{BB962C8B-B14F-4D97-AF65-F5344CB8AC3E}">
+        <p14:creationId xmlns:p14="http://schemas.microsoft.com/office/powerpoint/2010/main" val="1747110615"/>
+      </p:ext>
+    </p:extLst>
+  </p:cSld>
+  <p:clrMapOvr>
+    <a:masterClrMapping/>
+  </p:clrMapOvr>
+</p:sld>
+</file>
+
+<file path=ppt/slides/slide17.xml><?xml version="1.0" encoding="utf-8"?>
+<p:sld xmlns:a="http://schemas.openxmlformats.org/drawingml/2006/main" xmlns:r="http://schemas.openxmlformats.org/officeDocument/2006/relationships" xmlns:p="http://schemas.openxmlformats.org/presentationml/2006/main">
+  <p:cSld>
+    <p:spTree>
+      <p:nvGrpSpPr>
+        <p:cNvPr id="1" name=""/>
+        <p:cNvGrpSpPr/>
+        <p:nvPr/>
+      </p:nvGrpSpPr>
+      <p:grpSpPr>
+        <a:xfrm>
+          <a:off x="0" y="0"/>
+          <a:ext cx="0" cy="0"/>
+          <a:chOff x="0" y="0"/>
+          <a:chExt cx="0" cy="0"/>
+        </a:xfrm>
+      </p:grpSpPr>
+      <p:sp>
+        <p:nvSpPr>
+          <p:cNvPr id="5" name="TextBox 4">
+            <a:extLst>
+              <a:ext uri="{FF2B5EF4-FFF2-40B4-BE49-F238E27FC236}">
+                <a16:creationId xmlns:a16="http://schemas.microsoft.com/office/drawing/2014/main" id="{7767F052-2369-DA49-BE5F-708CF53589E2}"/>
+              </a:ext>
+            </a:extLst>
+          </p:cNvPr>
+          <p:cNvSpPr txBox="1"/>
+          <p:nvPr/>
+        </p:nvSpPr>
+        <p:spPr>
+          <a:xfrm>
+            <a:off x="915048" y="1854874"/>
+            <a:ext cx="2394630" cy="584775"/>
+          </a:xfrm>
+          <a:prstGeom prst="rect">
+            <a:avLst/>
+          </a:prstGeom>
+          <a:noFill/>
+          <a:ln w="76200">
+            <a:solidFill>
+              <a:schemeClr val="tx1"/>
+            </a:solidFill>
+          </a:ln>
+        </p:spPr>
+        <p:txBody>
+          <a:bodyPr wrap="none" rtlCol="0">
+            <a:spAutoFit/>
+          </a:bodyPr>
+          <a:lstStyle/>
+          <a:p>
+            <a:r>
+              <a:rPr lang="en-US" sz="3200" dirty="0"/>
+              <a:t>Soil nutrients</a:t>
+            </a:r>
+          </a:p>
+        </p:txBody>
+      </p:sp>
+      <p:sp>
+        <p:nvSpPr>
+          <p:cNvPr id="6" name="TextBox 5">
+            <a:extLst>
+              <a:ext uri="{FF2B5EF4-FFF2-40B4-BE49-F238E27FC236}">
+                <a16:creationId xmlns:a16="http://schemas.microsoft.com/office/drawing/2014/main" id="{29FB1117-2811-7D4B-B1DB-672949478F48}"/>
+              </a:ext>
+            </a:extLst>
+          </p:cNvPr>
+          <p:cNvSpPr txBox="1"/>
+          <p:nvPr/>
+        </p:nvSpPr>
+        <p:spPr>
+          <a:xfrm>
+            <a:off x="4391015" y="3136612"/>
+            <a:ext cx="402674" cy="584775"/>
+          </a:xfrm>
+          <a:prstGeom prst="rect">
+            <a:avLst/>
+          </a:prstGeom>
+          <a:noFill/>
+          <a:ln w="76200">
+            <a:solidFill>
+              <a:schemeClr val="tx1"/>
+            </a:solidFill>
+          </a:ln>
+        </p:spPr>
+        <p:txBody>
+          <a:bodyPr wrap="none" rtlCol="0">
+            <a:spAutoFit/>
+          </a:bodyPr>
+          <a:lstStyle/>
+          <a:p>
+            <a:r>
+              <a:rPr lang="el-GR" sz="3200" dirty="0"/>
+              <a:t>β</a:t>
+            </a:r>
+            <a:endParaRPr lang="en-US" sz="3200" dirty="0"/>
+          </a:p>
+        </p:txBody>
+      </p:sp>
+      <p:cxnSp>
+        <p:nvCxnSpPr>
+          <p:cNvPr id="7" name="Straight Arrow Connector 6">
+            <a:extLst>
+              <a:ext uri="{FF2B5EF4-FFF2-40B4-BE49-F238E27FC236}">
+                <a16:creationId xmlns:a16="http://schemas.microsoft.com/office/drawing/2014/main" id="{60646DC9-5732-6E48-B3D7-B172D8F129F5}"/>
+              </a:ext>
+            </a:extLst>
+          </p:cNvPr>
+          <p:cNvCxnSpPr>
+            <a:cxnSpLocks/>
+            <a:stCxn id="5" idx="2"/>
+            <a:endCxn id="6" idx="0"/>
+          </p:cNvCxnSpPr>
+          <p:nvPr/>
+        </p:nvCxnSpPr>
+        <p:spPr>
+          <a:xfrm>
+            <a:off x="2112363" y="2439649"/>
+            <a:ext cx="2479989" cy="696963"/>
+          </a:xfrm>
+          <a:prstGeom prst="straightConnector1">
+            <a:avLst/>
+          </a:prstGeom>
+          <a:ln w="76200">
+            <a:solidFill>
+              <a:srgbClr val="FF0000"/>
+            </a:solidFill>
+            <a:tailEnd type="triangle"/>
+          </a:ln>
+        </p:spPr>
+        <p:style>
+          <a:lnRef idx="1">
+            <a:schemeClr val="accent1"/>
+          </a:lnRef>
+          <a:fillRef idx="0">
+            <a:schemeClr val="accent1"/>
+          </a:fillRef>
+          <a:effectRef idx="0">
+            <a:schemeClr val="accent1"/>
+          </a:effectRef>
+          <a:fontRef idx="minor">
+            <a:schemeClr val="tx1"/>
+          </a:fontRef>
+        </p:style>
+      </p:cxnSp>
+      <p:sp>
+        <p:nvSpPr>
+          <p:cNvPr id="8" name="TextBox 7">
+            <a:extLst>
+              <a:ext uri="{FF2B5EF4-FFF2-40B4-BE49-F238E27FC236}">
+                <a16:creationId xmlns:a16="http://schemas.microsoft.com/office/drawing/2014/main" id="{92931276-47E7-954A-8A48-D2205F734C26}"/>
+              </a:ext>
+            </a:extLst>
+          </p:cNvPr>
+          <p:cNvSpPr txBox="1"/>
+          <p:nvPr/>
+        </p:nvSpPr>
+        <p:spPr>
+          <a:xfrm>
+            <a:off x="1459282" y="4418350"/>
+            <a:ext cx="1834156" cy="584775"/>
+          </a:xfrm>
+          <a:prstGeom prst="rect">
+            <a:avLst/>
+          </a:prstGeom>
+          <a:noFill/>
+          <a:ln w="76200">
+            <a:solidFill>
+              <a:schemeClr val="tx1"/>
+            </a:solidFill>
+          </a:ln>
+        </p:spPr>
+        <p:txBody>
+          <a:bodyPr wrap="none" rtlCol="0">
+            <a:spAutoFit/>
+          </a:bodyPr>
+          <a:lstStyle/>
+          <a:p>
+            <a:r>
+              <a:rPr lang="en-US" sz="3200" dirty="0"/>
+              <a:t>Soil water</a:t>
+            </a:r>
+          </a:p>
+        </p:txBody>
+      </p:sp>
+      <p:cxnSp>
+        <p:nvCxnSpPr>
+          <p:cNvPr id="9" name="Straight Arrow Connector 8">
+            <a:extLst>
+              <a:ext uri="{FF2B5EF4-FFF2-40B4-BE49-F238E27FC236}">
+                <a16:creationId xmlns:a16="http://schemas.microsoft.com/office/drawing/2014/main" id="{F71521E0-F786-B34E-B38C-F0EE6DE61821}"/>
+              </a:ext>
+            </a:extLst>
+          </p:cNvPr>
+          <p:cNvCxnSpPr>
+            <a:cxnSpLocks/>
+            <a:stCxn id="8" idx="0"/>
+            <a:endCxn id="6" idx="2"/>
+          </p:cNvCxnSpPr>
+          <p:nvPr/>
+        </p:nvCxnSpPr>
+        <p:spPr>
+          <a:xfrm flipV="1">
+            <a:off x="2376360" y="3721387"/>
+            <a:ext cx="2215992" cy="696963"/>
+          </a:xfrm>
+          <a:prstGeom prst="straightConnector1">
+            <a:avLst/>
+          </a:prstGeom>
+          <a:ln w="76200">
+            <a:solidFill>
+              <a:srgbClr val="0432FF"/>
+            </a:solidFill>
+            <a:tailEnd type="triangle"/>
+          </a:ln>
+        </p:spPr>
+        <p:style>
+          <a:lnRef idx="1">
+            <a:schemeClr val="accent1"/>
+          </a:lnRef>
+          <a:fillRef idx="0">
+            <a:schemeClr val="accent1"/>
+          </a:fillRef>
+          <a:effectRef idx="0">
+            <a:schemeClr val="accent1"/>
+          </a:effectRef>
+          <a:fontRef idx="minor">
+            <a:schemeClr val="tx1"/>
+          </a:fontRef>
+        </p:style>
+      </p:cxnSp>
+      <p:sp>
+        <p:nvSpPr>
+          <p:cNvPr id="10" name="TextBox 9">
+            <a:extLst>
+              <a:ext uri="{FF2B5EF4-FFF2-40B4-BE49-F238E27FC236}">
+                <a16:creationId xmlns:a16="http://schemas.microsoft.com/office/drawing/2014/main" id="{662A2AFD-5308-1644-BBA2-905B5E65CFFC}"/>
+              </a:ext>
+            </a:extLst>
+          </p:cNvPr>
+          <p:cNvSpPr txBox="1"/>
+          <p:nvPr/>
+        </p:nvSpPr>
+        <p:spPr>
+          <a:xfrm>
+            <a:off x="2929003" y="430452"/>
+            <a:ext cx="846707" cy="584775"/>
+          </a:xfrm>
+          <a:prstGeom prst="rect">
+            <a:avLst/>
+          </a:prstGeom>
+          <a:noFill/>
+          <a:ln w="76200">
+            <a:solidFill>
+              <a:schemeClr val="tx1"/>
+            </a:solidFill>
+          </a:ln>
+        </p:spPr>
+        <p:txBody>
+          <a:bodyPr wrap="none" rtlCol="0">
+            <a:spAutoFit/>
+          </a:bodyPr>
+          <a:lstStyle/>
+          <a:p>
+            <a:r>
+              <a:rPr lang="en-US" sz="3200" dirty="0" err="1"/>
+              <a:t>Nfix</a:t>
+            </a:r>
+            <a:endParaRPr lang="en-US" sz="3200" dirty="0"/>
+          </a:p>
+        </p:txBody>
+      </p:sp>
+      <p:sp>
+        <p:nvSpPr>
+          <p:cNvPr id="11" name="TextBox 10">
+            <a:extLst>
+              <a:ext uri="{FF2B5EF4-FFF2-40B4-BE49-F238E27FC236}">
+                <a16:creationId xmlns:a16="http://schemas.microsoft.com/office/drawing/2014/main" id="{A1AA803F-EB90-0340-A8E1-04446A3F87B7}"/>
+              </a:ext>
+            </a:extLst>
+          </p:cNvPr>
+          <p:cNvSpPr txBox="1"/>
+          <p:nvPr/>
+        </p:nvSpPr>
+        <p:spPr>
+          <a:xfrm>
+            <a:off x="4286018" y="411358"/>
+            <a:ext cx="612668" cy="584775"/>
+          </a:xfrm>
+          <a:prstGeom prst="rect">
+            <a:avLst/>
+          </a:prstGeom>
+          <a:noFill/>
+          <a:ln w="76200">
+            <a:solidFill>
+              <a:schemeClr val="tx1"/>
+            </a:solidFill>
+          </a:ln>
+        </p:spPr>
+        <p:txBody>
+          <a:bodyPr wrap="none" rtlCol="0">
+            <a:spAutoFit/>
+          </a:bodyPr>
+          <a:lstStyle/>
+          <a:p>
+            <a:r>
+              <a:rPr lang="en-US" sz="3200" dirty="0"/>
+              <a:t>C4</a:t>
+            </a:r>
+          </a:p>
+        </p:txBody>
+      </p:sp>
+      <p:cxnSp>
+        <p:nvCxnSpPr>
+          <p:cNvPr id="12" name="Straight Arrow Connector 11">
+            <a:extLst>
+              <a:ext uri="{FF2B5EF4-FFF2-40B4-BE49-F238E27FC236}">
+                <a16:creationId xmlns:a16="http://schemas.microsoft.com/office/drawing/2014/main" id="{C2AE2312-0E9C-5240-B467-932F200C9421}"/>
+              </a:ext>
+            </a:extLst>
+          </p:cNvPr>
+          <p:cNvCxnSpPr>
+            <a:cxnSpLocks/>
+            <a:stCxn id="10" idx="2"/>
+            <a:endCxn id="6" idx="0"/>
+          </p:cNvCxnSpPr>
+          <p:nvPr/>
+        </p:nvCxnSpPr>
+        <p:spPr>
+          <a:xfrm>
+            <a:off x="3352357" y="1015227"/>
+            <a:ext cx="1239995" cy="2121385"/>
+          </a:xfrm>
+          <a:prstGeom prst="straightConnector1">
+            <a:avLst/>
+          </a:prstGeom>
+          <a:ln w="76200">
+            <a:solidFill>
+              <a:srgbClr val="FF0000"/>
+            </a:solidFill>
+            <a:tailEnd type="triangle"/>
+          </a:ln>
+        </p:spPr>
+        <p:style>
+          <a:lnRef idx="1">
+            <a:schemeClr val="accent1"/>
+          </a:lnRef>
+          <a:fillRef idx="0">
+            <a:schemeClr val="accent1"/>
+          </a:fillRef>
+          <a:effectRef idx="0">
+            <a:schemeClr val="accent1"/>
+          </a:effectRef>
+          <a:fontRef idx="minor">
+            <a:schemeClr val="tx1"/>
+          </a:fontRef>
+        </p:style>
+      </p:cxnSp>
+      <p:cxnSp>
+        <p:nvCxnSpPr>
+          <p:cNvPr id="13" name="Straight Arrow Connector 12">
+            <a:extLst>
+              <a:ext uri="{FF2B5EF4-FFF2-40B4-BE49-F238E27FC236}">
+                <a16:creationId xmlns:a16="http://schemas.microsoft.com/office/drawing/2014/main" id="{2F4A8249-7BAA-F34A-8A9B-6E3D78FE1C39}"/>
+              </a:ext>
+            </a:extLst>
+          </p:cNvPr>
+          <p:cNvCxnSpPr>
+            <a:cxnSpLocks/>
+            <a:stCxn id="11" idx="2"/>
+            <a:endCxn id="6" idx="0"/>
+          </p:cNvCxnSpPr>
+          <p:nvPr/>
+        </p:nvCxnSpPr>
+        <p:spPr>
+          <a:xfrm>
+            <a:off x="4592352" y="996133"/>
+            <a:ext cx="0" cy="2140479"/>
+          </a:xfrm>
+          <a:prstGeom prst="straightConnector1">
+            <a:avLst/>
+          </a:prstGeom>
+          <a:ln w="76200">
+            <a:solidFill>
+              <a:srgbClr val="FF0000"/>
+            </a:solidFill>
+            <a:tailEnd type="triangle"/>
+          </a:ln>
+        </p:spPr>
+        <p:style>
+          <a:lnRef idx="1">
+            <a:schemeClr val="accent1"/>
+          </a:lnRef>
+          <a:fillRef idx="0">
+            <a:schemeClr val="accent1"/>
+          </a:fillRef>
+          <a:effectRef idx="0">
+            <a:schemeClr val="accent1"/>
+          </a:effectRef>
+          <a:fontRef idx="minor">
+            <a:schemeClr val="tx1"/>
+          </a:fontRef>
+        </p:style>
+      </p:cxnSp>
+      <p:sp>
+        <p:nvSpPr>
+          <p:cNvPr id="14" name="TextBox 13">
+            <a:extLst>
+              <a:ext uri="{FF2B5EF4-FFF2-40B4-BE49-F238E27FC236}">
+                <a16:creationId xmlns:a16="http://schemas.microsoft.com/office/drawing/2014/main" id="{E26FA297-1A19-FE43-890A-79FB96D913DA}"/>
+              </a:ext>
+            </a:extLst>
+          </p:cNvPr>
+          <p:cNvSpPr txBox="1"/>
+          <p:nvPr/>
+        </p:nvSpPr>
+        <p:spPr>
+          <a:xfrm>
+            <a:off x="6655633" y="1798820"/>
+            <a:ext cx="5171601" cy="2554545"/>
+          </a:xfrm>
+          <a:prstGeom prst="rect">
+            <a:avLst/>
+          </a:prstGeom>
+          <a:noFill/>
+        </p:spPr>
+        <p:txBody>
+          <a:bodyPr wrap="square" rtlCol="0">
+            <a:spAutoFit/>
+          </a:bodyPr>
+          <a:lstStyle/>
+          <a:p>
+            <a:r>
+              <a:rPr lang="el-GR" sz="4000" dirty="0">
+                <a:solidFill>
+                  <a:srgbClr val="7030A0"/>
+                </a:solidFill>
+              </a:rPr>
+              <a:t>β</a:t>
+            </a:r>
+            <a:r>
+              <a:rPr lang="en-US" sz="4000" dirty="0">
+                <a:solidFill>
+                  <a:srgbClr val="7030A0"/>
+                </a:solidFill>
+              </a:rPr>
+              <a:t> ~ N*P*K + moisture + </a:t>
+            </a:r>
+            <a:r>
+              <a:rPr lang="en-US" sz="4000" dirty="0" err="1">
+                <a:solidFill>
+                  <a:srgbClr val="7030A0"/>
+                </a:solidFill>
+              </a:rPr>
+              <a:t>Nfix</a:t>
+            </a:r>
+            <a:r>
+              <a:rPr lang="en-US" sz="4000" dirty="0">
+                <a:solidFill>
+                  <a:srgbClr val="7030A0"/>
+                </a:solidFill>
+              </a:rPr>
+              <a:t> + C4 +</a:t>
+            </a:r>
+          </a:p>
+          <a:p>
+            <a:r>
+              <a:rPr lang="en-US" sz="4000" dirty="0">
+                <a:solidFill>
+                  <a:srgbClr val="7030A0"/>
+                </a:solidFill>
+              </a:rPr>
+              <a:t>(1|species) + (1|site) + (1|block:site)</a:t>
+            </a:r>
+          </a:p>
+        </p:txBody>
+      </p:sp>
+    </p:spTree>
+    <p:extLst>
+      <p:ext uri="{BB962C8B-B14F-4D97-AF65-F5344CB8AC3E}">
+        <p14:creationId xmlns:p14="http://schemas.microsoft.com/office/powerpoint/2010/main" val="3558872515"/>
+      </p:ext>
+    </p:extLst>
+  </p:cSld>
+  <p:clrMapOvr>
+    <a:masterClrMapping/>
+  </p:clrMapOvr>
+</p:sld>
+</file>
+
+<file path=ppt/slides/slide18.xml><?xml version="1.0" encoding="utf-8"?>
+<p:sld xmlns:a="http://schemas.openxmlformats.org/drawingml/2006/main" xmlns:r="http://schemas.openxmlformats.org/officeDocument/2006/relationships" xmlns:p="http://schemas.openxmlformats.org/presentationml/2006/main">
+  <p:cSld>
+    <p:spTree>
+      <p:nvGrpSpPr>
+        <p:cNvPr id="1" name=""/>
+        <p:cNvGrpSpPr/>
+        <p:nvPr/>
+      </p:nvGrpSpPr>
+      <p:grpSpPr>
+        <a:xfrm>
+          <a:off x="0" y="0"/>
+          <a:ext cx="0" cy="0"/>
+          <a:chOff x="0" y="0"/>
+          <a:chExt cx="0" cy="0"/>
+        </a:xfrm>
+      </p:grpSpPr>
+      <p:sp>
+        <p:nvSpPr>
+          <p:cNvPr id="5" name="TextBox 4">
+            <a:extLst>
+              <a:ext uri="{FF2B5EF4-FFF2-40B4-BE49-F238E27FC236}">
+                <a16:creationId xmlns:a16="http://schemas.microsoft.com/office/drawing/2014/main" id="{7767F052-2369-DA49-BE5F-708CF53589E2}"/>
+              </a:ext>
+            </a:extLst>
+          </p:cNvPr>
+          <p:cNvSpPr txBox="1"/>
+          <p:nvPr/>
+        </p:nvSpPr>
+        <p:spPr>
+          <a:xfrm>
+            <a:off x="915048" y="1854874"/>
+            <a:ext cx="2394630" cy="584775"/>
+          </a:xfrm>
+          <a:prstGeom prst="rect">
+            <a:avLst/>
+          </a:prstGeom>
+          <a:noFill/>
+          <a:ln w="76200">
+            <a:solidFill>
+              <a:schemeClr val="tx1"/>
+            </a:solidFill>
+          </a:ln>
+        </p:spPr>
+        <p:txBody>
+          <a:bodyPr wrap="none" rtlCol="0">
+            <a:spAutoFit/>
+          </a:bodyPr>
+          <a:lstStyle/>
+          <a:p>
+            <a:r>
+              <a:rPr lang="en-US" sz="3200" dirty="0"/>
+              <a:t>Soil nutrients</a:t>
+            </a:r>
+          </a:p>
+        </p:txBody>
+      </p:sp>
+      <p:sp>
+        <p:nvSpPr>
+          <p:cNvPr id="6" name="TextBox 5">
+            <a:extLst>
+              <a:ext uri="{FF2B5EF4-FFF2-40B4-BE49-F238E27FC236}">
+                <a16:creationId xmlns:a16="http://schemas.microsoft.com/office/drawing/2014/main" id="{29FB1117-2811-7D4B-B1DB-672949478F48}"/>
+              </a:ext>
+            </a:extLst>
+          </p:cNvPr>
+          <p:cNvSpPr txBox="1"/>
+          <p:nvPr/>
+        </p:nvSpPr>
+        <p:spPr>
+          <a:xfrm>
+            <a:off x="4391015" y="3136612"/>
+            <a:ext cx="402674" cy="584775"/>
+          </a:xfrm>
+          <a:prstGeom prst="rect">
+            <a:avLst/>
+          </a:prstGeom>
+          <a:noFill/>
+          <a:ln w="76200">
+            <a:solidFill>
+              <a:schemeClr val="tx1"/>
+            </a:solidFill>
+          </a:ln>
+        </p:spPr>
+        <p:txBody>
+          <a:bodyPr wrap="none" rtlCol="0">
+            <a:spAutoFit/>
+          </a:bodyPr>
+          <a:lstStyle/>
+          <a:p>
+            <a:r>
+              <a:rPr lang="el-GR" sz="3200" dirty="0"/>
+              <a:t>β</a:t>
+            </a:r>
+            <a:endParaRPr lang="en-US" sz="3200" dirty="0"/>
+          </a:p>
+        </p:txBody>
+      </p:sp>
+      <p:cxnSp>
+        <p:nvCxnSpPr>
+          <p:cNvPr id="7" name="Straight Arrow Connector 6">
+            <a:extLst>
+              <a:ext uri="{FF2B5EF4-FFF2-40B4-BE49-F238E27FC236}">
+                <a16:creationId xmlns:a16="http://schemas.microsoft.com/office/drawing/2014/main" id="{60646DC9-5732-6E48-B3D7-B172D8F129F5}"/>
+              </a:ext>
+            </a:extLst>
+          </p:cNvPr>
+          <p:cNvCxnSpPr>
+            <a:cxnSpLocks/>
+            <a:stCxn id="5" idx="2"/>
+            <a:endCxn id="6" idx="0"/>
+          </p:cNvCxnSpPr>
+          <p:nvPr/>
+        </p:nvCxnSpPr>
+        <p:spPr>
+          <a:xfrm>
+            <a:off x="2112363" y="2439649"/>
+            <a:ext cx="2479989" cy="696963"/>
+          </a:xfrm>
+          <a:prstGeom prst="straightConnector1">
+            <a:avLst/>
+          </a:prstGeom>
+          <a:ln w="76200">
+            <a:solidFill>
+              <a:srgbClr val="FF0000"/>
+            </a:solidFill>
+            <a:tailEnd type="triangle"/>
+          </a:ln>
+        </p:spPr>
+        <p:style>
+          <a:lnRef idx="1">
+            <a:schemeClr val="accent1"/>
+          </a:lnRef>
+          <a:fillRef idx="0">
+            <a:schemeClr val="accent1"/>
+          </a:fillRef>
+          <a:effectRef idx="0">
+            <a:schemeClr val="accent1"/>
+          </a:effectRef>
+          <a:fontRef idx="minor">
+            <a:schemeClr val="tx1"/>
+          </a:fontRef>
+        </p:style>
+      </p:cxnSp>
+      <p:sp>
+        <p:nvSpPr>
+          <p:cNvPr id="8" name="TextBox 7">
+            <a:extLst>
+              <a:ext uri="{FF2B5EF4-FFF2-40B4-BE49-F238E27FC236}">
+                <a16:creationId xmlns:a16="http://schemas.microsoft.com/office/drawing/2014/main" id="{92931276-47E7-954A-8A48-D2205F734C26}"/>
+              </a:ext>
+            </a:extLst>
+          </p:cNvPr>
+          <p:cNvSpPr txBox="1"/>
+          <p:nvPr/>
+        </p:nvSpPr>
+        <p:spPr>
+          <a:xfrm>
+            <a:off x="1459282" y="4418350"/>
+            <a:ext cx="1834156" cy="584775"/>
+          </a:xfrm>
+          <a:prstGeom prst="rect">
+            <a:avLst/>
+          </a:prstGeom>
+          <a:noFill/>
+          <a:ln w="76200">
+            <a:solidFill>
+              <a:schemeClr val="tx1"/>
+            </a:solidFill>
+          </a:ln>
+        </p:spPr>
+        <p:txBody>
+          <a:bodyPr wrap="none" rtlCol="0">
+            <a:spAutoFit/>
+          </a:bodyPr>
+          <a:lstStyle/>
+          <a:p>
+            <a:r>
+              <a:rPr lang="en-US" sz="3200" dirty="0"/>
+              <a:t>Soil water</a:t>
+            </a:r>
+          </a:p>
+        </p:txBody>
+      </p:sp>
+      <p:cxnSp>
+        <p:nvCxnSpPr>
+          <p:cNvPr id="9" name="Straight Arrow Connector 8">
+            <a:extLst>
+              <a:ext uri="{FF2B5EF4-FFF2-40B4-BE49-F238E27FC236}">
+                <a16:creationId xmlns:a16="http://schemas.microsoft.com/office/drawing/2014/main" id="{F71521E0-F786-B34E-B38C-F0EE6DE61821}"/>
+              </a:ext>
+            </a:extLst>
+          </p:cNvPr>
+          <p:cNvCxnSpPr>
+            <a:cxnSpLocks/>
+            <a:stCxn id="8" idx="0"/>
+            <a:endCxn id="6" idx="2"/>
+          </p:cNvCxnSpPr>
+          <p:nvPr/>
+        </p:nvCxnSpPr>
+        <p:spPr>
+          <a:xfrm flipV="1">
+            <a:off x="2376360" y="3721387"/>
+            <a:ext cx="2215992" cy="696963"/>
+          </a:xfrm>
+          <a:prstGeom prst="straightConnector1">
+            <a:avLst/>
+          </a:prstGeom>
+          <a:ln w="76200">
+            <a:solidFill>
+              <a:srgbClr val="0432FF">
+                <a:alpha val="20000"/>
+              </a:srgbClr>
+            </a:solidFill>
+            <a:tailEnd type="triangle"/>
+          </a:ln>
+        </p:spPr>
+        <p:style>
+          <a:lnRef idx="1">
+            <a:schemeClr val="accent1"/>
+          </a:lnRef>
+          <a:fillRef idx="0">
+            <a:schemeClr val="accent1"/>
+          </a:fillRef>
+          <a:effectRef idx="0">
+            <a:schemeClr val="accent1"/>
+          </a:effectRef>
+          <a:fontRef idx="minor">
+            <a:schemeClr val="tx1"/>
+          </a:fontRef>
+        </p:style>
+      </p:cxnSp>
+      <p:sp>
+        <p:nvSpPr>
+          <p:cNvPr id="10" name="TextBox 9">
+            <a:extLst>
+              <a:ext uri="{FF2B5EF4-FFF2-40B4-BE49-F238E27FC236}">
+                <a16:creationId xmlns:a16="http://schemas.microsoft.com/office/drawing/2014/main" id="{662A2AFD-5308-1644-BBA2-905B5E65CFFC}"/>
+              </a:ext>
+            </a:extLst>
+          </p:cNvPr>
+          <p:cNvSpPr txBox="1"/>
+          <p:nvPr/>
+        </p:nvSpPr>
+        <p:spPr>
+          <a:xfrm>
+            <a:off x="2929003" y="430452"/>
+            <a:ext cx="846707" cy="584775"/>
+          </a:xfrm>
+          <a:prstGeom prst="rect">
+            <a:avLst/>
+          </a:prstGeom>
+          <a:noFill/>
+          <a:ln w="76200">
+            <a:solidFill>
+              <a:schemeClr val="tx1"/>
+            </a:solidFill>
+          </a:ln>
+        </p:spPr>
+        <p:txBody>
+          <a:bodyPr wrap="none" rtlCol="0">
+            <a:spAutoFit/>
+          </a:bodyPr>
+          <a:lstStyle/>
+          <a:p>
+            <a:r>
+              <a:rPr lang="en-US" sz="3200" dirty="0" err="1"/>
+              <a:t>Nfix</a:t>
+            </a:r>
+            <a:endParaRPr lang="en-US" sz="3200" dirty="0"/>
+          </a:p>
+        </p:txBody>
+      </p:sp>
+      <p:sp>
+        <p:nvSpPr>
+          <p:cNvPr id="11" name="TextBox 10">
+            <a:extLst>
+              <a:ext uri="{FF2B5EF4-FFF2-40B4-BE49-F238E27FC236}">
+                <a16:creationId xmlns:a16="http://schemas.microsoft.com/office/drawing/2014/main" id="{A1AA803F-EB90-0340-A8E1-04446A3F87B7}"/>
+              </a:ext>
+            </a:extLst>
+          </p:cNvPr>
+          <p:cNvSpPr txBox="1"/>
+          <p:nvPr/>
+        </p:nvSpPr>
+        <p:spPr>
+          <a:xfrm>
+            <a:off x="4286018" y="411358"/>
+            <a:ext cx="612668" cy="584775"/>
+          </a:xfrm>
+          <a:prstGeom prst="rect">
+            <a:avLst/>
+          </a:prstGeom>
+          <a:noFill/>
+          <a:ln w="76200">
+            <a:solidFill>
+              <a:schemeClr val="tx1"/>
+            </a:solidFill>
+          </a:ln>
+        </p:spPr>
+        <p:txBody>
+          <a:bodyPr wrap="none" rtlCol="0">
+            <a:spAutoFit/>
+          </a:bodyPr>
+          <a:lstStyle/>
+          <a:p>
+            <a:r>
+              <a:rPr lang="en-US" sz="3200" dirty="0"/>
+              <a:t>C4</a:t>
+            </a:r>
+          </a:p>
+        </p:txBody>
+      </p:sp>
+      <p:cxnSp>
+        <p:nvCxnSpPr>
+          <p:cNvPr id="12" name="Straight Arrow Connector 11">
+            <a:extLst>
+              <a:ext uri="{FF2B5EF4-FFF2-40B4-BE49-F238E27FC236}">
+                <a16:creationId xmlns:a16="http://schemas.microsoft.com/office/drawing/2014/main" id="{C2AE2312-0E9C-5240-B467-932F200C9421}"/>
+              </a:ext>
+            </a:extLst>
+          </p:cNvPr>
+          <p:cNvCxnSpPr>
+            <a:cxnSpLocks/>
+            <a:stCxn id="10" idx="2"/>
+            <a:endCxn id="6" idx="0"/>
+          </p:cNvCxnSpPr>
+          <p:nvPr/>
+        </p:nvCxnSpPr>
+        <p:spPr>
+          <a:xfrm>
+            <a:off x="3352357" y="1015227"/>
+            <a:ext cx="1239995" cy="2121385"/>
+          </a:xfrm>
+          <a:prstGeom prst="straightConnector1">
+            <a:avLst/>
+          </a:prstGeom>
+          <a:ln w="76200">
+            <a:solidFill>
+              <a:srgbClr val="FF0000">
+                <a:alpha val="20000"/>
+              </a:srgbClr>
+            </a:solidFill>
+            <a:tailEnd type="triangle"/>
+          </a:ln>
+        </p:spPr>
+        <p:style>
+          <a:lnRef idx="1">
+            <a:schemeClr val="accent1"/>
+          </a:lnRef>
+          <a:fillRef idx="0">
+            <a:schemeClr val="accent1"/>
+          </a:fillRef>
+          <a:effectRef idx="0">
+            <a:schemeClr val="accent1"/>
+          </a:effectRef>
+          <a:fontRef idx="minor">
+            <a:schemeClr val="tx1"/>
+          </a:fontRef>
+        </p:style>
+      </p:cxnSp>
+      <p:cxnSp>
+        <p:nvCxnSpPr>
+          <p:cNvPr id="13" name="Straight Arrow Connector 12">
+            <a:extLst>
+              <a:ext uri="{FF2B5EF4-FFF2-40B4-BE49-F238E27FC236}">
+                <a16:creationId xmlns:a16="http://schemas.microsoft.com/office/drawing/2014/main" id="{2F4A8249-7BAA-F34A-8A9B-6E3D78FE1C39}"/>
+              </a:ext>
+            </a:extLst>
+          </p:cNvPr>
+          <p:cNvCxnSpPr>
+            <a:cxnSpLocks/>
+            <a:stCxn id="11" idx="2"/>
+            <a:endCxn id="6" idx="0"/>
+          </p:cNvCxnSpPr>
+          <p:nvPr/>
+        </p:nvCxnSpPr>
+        <p:spPr>
+          <a:xfrm>
+            <a:off x="4592352" y="996133"/>
+            <a:ext cx="0" cy="2140479"/>
+          </a:xfrm>
+          <a:prstGeom prst="straightConnector1">
+            <a:avLst/>
+          </a:prstGeom>
+          <a:ln w="76200">
+            <a:solidFill>
+              <a:srgbClr val="FF0000"/>
+            </a:solidFill>
+            <a:tailEnd type="triangle"/>
+          </a:ln>
+        </p:spPr>
+        <p:style>
+          <a:lnRef idx="1">
+            <a:schemeClr val="accent1"/>
+          </a:lnRef>
+          <a:fillRef idx="0">
+            <a:schemeClr val="accent1"/>
+          </a:fillRef>
+          <a:effectRef idx="0">
+            <a:schemeClr val="accent1"/>
+          </a:effectRef>
+          <a:fontRef idx="minor">
+            <a:schemeClr val="tx1"/>
+          </a:fontRef>
+        </p:style>
+      </p:cxnSp>
+      <p:sp>
+        <p:nvSpPr>
+          <p:cNvPr id="14" name="TextBox 13">
+            <a:extLst>
+              <a:ext uri="{FF2B5EF4-FFF2-40B4-BE49-F238E27FC236}">
+                <a16:creationId xmlns:a16="http://schemas.microsoft.com/office/drawing/2014/main" id="{E26FA297-1A19-FE43-890A-79FB96D913DA}"/>
+              </a:ext>
+            </a:extLst>
+          </p:cNvPr>
+          <p:cNvSpPr txBox="1"/>
+          <p:nvPr/>
+        </p:nvSpPr>
+        <p:spPr>
+          <a:xfrm>
+            <a:off x="6655633" y="1798820"/>
+            <a:ext cx="5171601" cy="1938992"/>
+          </a:xfrm>
+          <a:prstGeom prst="rect">
+            <a:avLst/>
+          </a:prstGeom>
+          <a:noFill/>
+        </p:spPr>
+        <p:txBody>
+          <a:bodyPr wrap="square" rtlCol="0">
+            <a:spAutoFit/>
+          </a:bodyPr>
+          <a:lstStyle/>
+          <a:p>
+            <a:r>
+              <a:rPr lang="el-GR" sz="4000" dirty="0">
+                <a:solidFill>
+                  <a:srgbClr val="7030A0"/>
+                </a:solidFill>
+              </a:rPr>
+              <a:t>β</a:t>
+            </a:r>
+            <a:r>
+              <a:rPr lang="en-US" sz="4000" dirty="0">
+                <a:solidFill>
+                  <a:srgbClr val="7030A0"/>
+                </a:solidFill>
+              </a:rPr>
+              <a:t> ~ N*P*K + </a:t>
+            </a:r>
+            <a:r>
+              <a:rPr lang="en-US" sz="4000" dirty="0" err="1">
+                <a:solidFill>
+                  <a:srgbClr val="7030A0"/>
+                </a:solidFill>
+              </a:rPr>
+              <a:t>Nfix</a:t>
+            </a:r>
+            <a:r>
+              <a:rPr lang="en-US" sz="4000" dirty="0">
+                <a:solidFill>
+                  <a:srgbClr val="7030A0"/>
+                </a:solidFill>
+              </a:rPr>
+              <a:t> + C4 +</a:t>
+            </a:r>
+          </a:p>
+          <a:p>
+            <a:r>
+              <a:rPr lang="en-US" sz="4000" dirty="0">
+                <a:solidFill>
+                  <a:srgbClr val="7030A0"/>
+                </a:solidFill>
+              </a:rPr>
+              <a:t>(1|species) + (1|site) + (1|block:site)</a:t>
+            </a:r>
+          </a:p>
+        </p:txBody>
+      </p:sp>
+      <p:pic>
+        <p:nvPicPr>
+          <p:cNvPr id="2" name="Picture 1">
+            <a:extLst>
+              <a:ext uri="{FF2B5EF4-FFF2-40B4-BE49-F238E27FC236}">
+                <a16:creationId xmlns:a16="http://schemas.microsoft.com/office/drawing/2014/main" id="{10FAD068-6988-8640-AB4D-549BD24D6580}"/>
+              </a:ext>
+            </a:extLst>
+          </p:cNvPr>
+          <p:cNvPicPr>
+            <a:picLocks noChangeAspect="1"/>
+          </p:cNvPicPr>
+          <p:nvPr/>
+        </p:nvPicPr>
+        <p:blipFill>
+          <a:blip r:embed="rId2"/>
+          <a:stretch>
+            <a:fillRect/>
+          </a:stretch>
+        </p:blipFill>
+        <p:spPr>
+          <a:xfrm>
+            <a:off x="6033684" y="1263362"/>
+            <a:ext cx="5778500" cy="3746500"/>
+          </a:xfrm>
+          <a:prstGeom prst="rect">
+            <a:avLst/>
+          </a:prstGeom>
+        </p:spPr>
+      </p:pic>
+      <p:sp>
+        <p:nvSpPr>
+          <p:cNvPr id="3" name="TextBox 2">
+            <a:extLst>
+              <a:ext uri="{FF2B5EF4-FFF2-40B4-BE49-F238E27FC236}">
+                <a16:creationId xmlns:a16="http://schemas.microsoft.com/office/drawing/2014/main" id="{C13AB302-0503-6546-97AE-5C53F5633EFA}"/>
+              </a:ext>
+            </a:extLst>
+          </p:cNvPr>
+          <p:cNvSpPr txBox="1"/>
+          <p:nvPr/>
+        </p:nvSpPr>
+        <p:spPr>
+          <a:xfrm>
+            <a:off x="5651292" y="5545320"/>
+            <a:ext cx="4330096" cy="954107"/>
+          </a:xfrm>
+          <a:prstGeom prst="rect">
+            <a:avLst/>
+          </a:prstGeom>
+          <a:noFill/>
+        </p:spPr>
+        <p:txBody>
+          <a:bodyPr wrap="none" rtlCol="0">
+            <a:spAutoFit/>
+          </a:bodyPr>
+          <a:lstStyle/>
+          <a:p>
+            <a:r>
+              <a:rPr lang="en-US" sz="2800" dirty="0">
+                <a:solidFill>
+                  <a:srgbClr val="FF0000"/>
+                </a:solidFill>
+              </a:rPr>
+              <a:t>9.7% decrease with added N</a:t>
+            </a:r>
+          </a:p>
+          <a:p>
+            <a:r>
+              <a:rPr lang="en-US" sz="2800" dirty="0">
+                <a:solidFill>
+                  <a:srgbClr val="FF0000"/>
+                </a:solidFill>
+              </a:rPr>
+              <a:t>78.1% decrease in C4</a:t>
+            </a:r>
+          </a:p>
+        </p:txBody>
+      </p:sp>
+    </p:spTree>
+    <p:extLst>
+      <p:ext uri="{BB962C8B-B14F-4D97-AF65-F5344CB8AC3E}">
+        <p14:creationId xmlns:p14="http://schemas.microsoft.com/office/powerpoint/2010/main" val="1166367021"/>
+      </p:ext>
+    </p:extLst>
+  </p:cSld>
+  <p:clrMapOvr>
+    <a:masterClrMapping/>
+  </p:clrMapOvr>
+</p:sld>
+</file>
+
+<file path=ppt/slides/slide19.xml><?xml version="1.0" encoding="utf-8"?>
+<p:sld xmlns:a="http://schemas.openxmlformats.org/drawingml/2006/main" xmlns:r="http://schemas.openxmlformats.org/officeDocument/2006/relationships" xmlns:p="http://schemas.openxmlformats.org/presentationml/2006/main">
+  <p:cSld>
+    <p:spTree>
+      <p:nvGrpSpPr>
+        <p:cNvPr id="1" name=""/>
+        <p:cNvGrpSpPr/>
+        <p:nvPr/>
+      </p:nvGrpSpPr>
+      <p:grpSpPr>
+        <a:xfrm>
+          <a:off x="0" y="0"/>
+          <a:ext cx="0" cy="0"/>
+          <a:chOff x="0" y="0"/>
+          <a:chExt cx="0" cy="0"/>
+        </a:xfrm>
+      </p:grpSpPr>
+      <p:sp>
+        <p:nvSpPr>
+          <p:cNvPr id="14" name="TextBox 13">
+            <a:extLst>
+              <a:ext uri="{FF2B5EF4-FFF2-40B4-BE49-F238E27FC236}">
+                <a16:creationId xmlns:a16="http://schemas.microsoft.com/office/drawing/2014/main" id="{E26FA297-1A19-FE43-890A-79FB96D913DA}"/>
+              </a:ext>
+            </a:extLst>
+          </p:cNvPr>
+          <p:cNvSpPr txBox="1"/>
+          <p:nvPr/>
+        </p:nvSpPr>
+        <p:spPr>
+          <a:xfrm>
+            <a:off x="6655633" y="1798820"/>
+            <a:ext cx="5171601" cy="1938992"/>
+          </a:xfrm>
+          <a:prstGeom prst="rect">
+            <a:avLst/>
+          </a:prstGeom>
+          <a:noFill/>
+        </p:spPr>
+        <p:txBody>
+          <a:bodyPr wrap="square" rtlCol="0">
+            <a:spAutoFit/>
+          </a:bodyPr>
+          <a:lstStyle/>
+          <a:p>
+            <a:r>
+              <a:rPr lang="en-US" sz="4000" dirty="0">
+                <a:solidFill>
+                  <a:srgbClr val="7030A0"/>
+                </a:solidFill>
+              </a:rPr>
+              <a:t>Question 2: does biomass influence </a:t>
+            </a:r>
+            <a:r>
+              <a:rPr lang="el-GR" sz="4000" dirty="0">
+                <a:solidFill>
+                  <a:srgbClr val="7030A0"/>
+                </a:solidFill>
+              </a:rPr>
+              <a:t>β</a:t>
+            </a:r>
+            <a:r>
+              <a:rPr lang="en-US" sz="4000" dirty="0">
+                <a:solidFill>
+                  <a:srgbClr val="7030A0"/>
+                </a:solidFill>
+              </a:rPr>
+              <a:t> response?</a:t>
+            </a:r>
+          </a:p>
+        </p:txBody>
+      </p:sp>
+      <p:sp>
+        <p:nvSpPr>
+          <p:cNvPr id="15" name="TextBox 14">
+            <a:extLst>
+              <a:ext uri="{FF2B5EF4-FFF2-40B4-BE49-F238E27FC236}">
+                <a16:creationId xmlns:a16="http://schemas.microsoft.com/office/drawing/2014/main" id="{B521E345-4CA2-B94F-B2EC-004CDFDBBDF3}"/>
+              </a:ext>
+            </a:extLst>
+          </p:cNvPr>
+          <p:cNvSpPr txBox="1"/>
+          <p:nvPr/>
+        </p:nvSpPr>
+        <p:spPr>
+          <a:xfrm>
+            <a:off x="915048" y="1854874"/>
+            <a:ext cx="2394630" cy="584775"/>
+          </a:xfrm>
+          <a:prstGeom prst="rect">
+            <a:avLst/>
+          </a:prstGeom>
+          <a:noFill/>
+          <a:ln w="76200">
+            <a:solidFill>
+              <a:schemeClr val="tx1"/>
+            </a:solidFill>
+          </a:ln>
+        </p:spPr>
+        <p:txBody>
+          <a:bodyPr wrap="none" rtlCol="0">
+            <a:spAutoFit/>
+          </a:bodyPr>
+          <a:lstStyle/>
+          <a:p>
+            <a:r>
+              <a:rPr lang="en-US" sz="3200" dirty="0"/>
+              <a:t>Soil nutrients</a:t>
+            </a:r>
+          </a:p>
+        </p:txBody>
+      </p:sp>
+      <p:sp>
+        <p:nvSpPr>
+          <p:cNvPr id="16" name="TextBox 15">
+            <a:extLst>
+              <a:ext uri="{FF2B5EF4-FFF2-40B4-BE49-F238E27FC236}">
+                <a16:creationId xmlns:a16="http://schemas.microsoft.com/office/drawing/2014/main" id="{4304E7ED-339B-8948-B185-EE22916951D5}"/>
+              </a:ext>
+            </a:extLst>
+          </p:cNvPr>
+          <p:cNvSpPr txBox="1"/>
+          <p:nvPr/>
+        </p:nvSpPr>
+        <p:spPr>
+          <a:xfrm>
+            <a:off x="4391015" y="3136612"/>
+            <a:ext cx="402674" cy="584775"/>
+          </a:xfrm>
+          <a:prstGeom prst="rect">
+            <a:avLst/>
+          </a:prstGeom>
+          <a:noFill/>
+          <a:ln w="76200">
+            <a:solidFill>
+              <a:schemeClr val="tx1"/>
+            </a:solidFill>
+          </a:ln>
+        </p:spPr>
+        <p:txBody>
+          <a:bodyPr wrap="none" rtlCol="0">
+            <a:spAutoFit/>
+          </a:bodyPr>
+          <a:lstStyle/>
+          <a:p>
+            <a:r>
+              <a:rPr lang="el-GR" sz="3200" dirty="0"/>
+              <a:t>β</a:t>
+            </a:r>
+            <a:endParaRPr lang="en-US" sz="3200" dirty="0"/>
+          </a:p>
+        </p:txBody>
+      </p:sp>
+      <p:cxnSp>
+        <p:nvCxnSpPr>
+          <p:cNvPr id="17" name="Straight Arrow Connector 16">
+            <a:extLst>
+              <a:ext uri="{FF2B5EF4-FFF2-40B4-BE49-F238E27FC236}">
+                <a16:creationId xmlns:a16="http://schemas.microsoft.com/office/drawing/2014/main" id="{8A3B32FA-5233-BA4A-855B-4868B15324E6}"/>
+              </a:ext>
+            </a:extLst>
+          </p:cNvPr>
+          <p:cNvCxnSpPr>
+            <a:cxnSpLocks/>
+            <a:stCxn id="15" idx="2"/>
+            <a:endCxn id="16" idx="0"/>
+          </p:cNvCxnSpPr>
+          <p:nvPr/>
+        </p:nvCxnSpPr>
+        <p:spPr>
+          <a:xfrm>
+            <a:off x="2112363" y="2439649"/>
+            <a:ext cx="2479989" cy="696963"/>
+          </a:xfrm>
+          <a:prstGeom prst="straightConnector1">
+            <a:avLst/>
+          </a:prstGeom>
+          <a:ln w="76200">
+            <a:solidFill>
+              <a:srgbClr val="FF0000"/>
+            </a:solidFill>
+            <a:tailEnd type="triangle"/>
+          </a:ln>
+        </p:spPr>
+        <p:style>
+          <a:lnRef idx="1">
+            <a:schemeClr val="accent1"/>
+          </a:lnRef>
+          <a:fillRef idx="0">
+            <a:schemeClr val="accent1"/>
+          </a:fillRef>
+          <a:effectRef idx="0">
+            <a:schemeClr val="accent1"/>
+          </a:effectRef>
+          <a:fontRef idx="minor">
+            <a:schemeClr val="tx1"/>
+          </a:fontRef>
+        </p:style>
+      </p:cxnSp>
+      <p:sp>
+        <p:nvSpPr>
+          <p:cNvPr id="18" name="TextBox 17">
+            <a:extLst>
+              <a:ext uri="{FF2B5EF4-FFF2-40B4-BE49-F238E27FC236}">
+                <a16:creationId xmlns:a16="http://schemas.microsoft.com/office/drawing/2014/main" id="{BBF09DD8-A491-9748-B901-CB29D5FFC9AD}"/>
+              </a:ext>
+            </a:extLst>
+          </p:cNvPr>
+          <p:cNvSpPr txBox="1"/>
+          <p:nvPr/>
+        </p:nvSpPr>
+        <p:spPr>
+          <a:xfrm>
+            <a:off x="1459282" y="4418350"/>
+            <a:ext cx="1834156" cy="584775"/>
+          </a:xfrm>
+          <a:prstGeom prst="rect">
+            <a:avLst/>
+          </a:prstGeom>
+          <a:noFill/>
+          <a:ln w="76200">
+            <a:solidFill>
+              <a:schemeClr val="tx1"/>
+            </a:solidFill>
+          </a:ln>
+        </p:spPr>
+        <p:txBody>
+          <a:bodyPr wrap="none" rtlCol="0">
+            <a:spAutoFit/>
+          </a:bodyPr>
+          <a:lstStyle/>
+          <a:p>
+            <a:r>
+              <a:rPr lang="en-US" sz="3200" dirty="0"/>
+              <a:t>Soil water</a:t>
+            </a:r>
+          </a:p>
+        </p:txBody>
+      </p:sp>
+      <p:cxnSp>
+        <p:nvCxnSpPr>
+          <p:cNvPr id="19" name="Straight Arrow Connector 18">
+            <a:extLst>
+              <a:ext uri="{FF2B5EF4-FFF2-40B4-BE49-F238E27FC236}">
+                <a16:creationId xmlns:a16="http://schemas.microsoft.com/office/drawing/2014/main" id="{731513D9-A92D-1346-B48E-B24E89029C0A}"/>
+              </a:ext>
+            </a:extLst>
+          </p:cNvPr>
+          <p:cNvCxnSpPr>
+            <a:cxnSpLocks/>
+            <a:stCxn id="18" idx="0"/>
+            <a:endCxn id="16" idx="2"/>
+          </p:cNvCxnSpPr>
+          <p:nvPr/>
+        </p:nvCxnSpPr>
+        <p:spPr>
+          <a:xfrm flipV="1">
+            <a:off x="2376360" y="3721387"/>
+            <a:ext cx="2215992" cy="696963"/>
+          </a:xfrm>
+          <a:prstGeom prst="straightConnector1">
+            <a:avLst/>
+          </a:prstGeom>
+          <a:ln w="76200">
+            <a:solidFill>
+              <a:srgbClr val="0432FF"/>
+            </a:solidFill>
+            <a:tailEnd type="triangle"/>
+          </a:ln>
+        </p:spPr>
+        <p:style>
+          <a:lnRef idx="1">
+            <a:schemeClr val="accent1"/>
+          </a:lnRef>
+          <a:fillRef idx="0">
+            <a:schemeClr val="accent1"/>
+          </a:fillRef>
+          <a:effectRef idx="0">
+            <a:schemeClr val="accent1"/>
+          </a:effectRef>
+          <a:fontRef idx="minor">
+            <a:schemeClr val="tx1"/>
+          </a:fontRef>
+        </p:style>
+      </p:cxnSp>
+      <p:sp>
+        <p:nvSpPr>
+          <p:cNvPr id="20" name="TextBox 19">
+            <a:extLst>
+              <a:ext uri="{FF2B5EF4-FFF2-40B4-BE49-F238E27FC236}">
+                <a16:creationId xmlns:a16="http://schemas.microsoft.com/office/drawing/2014/main" id="{A1966ECC-5CA2-0346-B37C-49B979FB7229}"/>
+              </a:ext>
+            </a:extLst>
+          </p:cNvPr>
+          <p:cNvSpPr txBox="1"/>
+          <p:nvPr/>
+        </p:nvSpPr>
+        <p:spPr>
+          <a:xfrm>
+            <a:off x="2929003" y="430452"/>
+            <a:ext cx="846707" cy="584775"/>
+          </a:xfrm>
+          <a:prstGeom prst="rect">
+            <a:avLst/>
+          </a:prstGeom>
+          <a:noFill/>
+          <a:ln w="76200">
+            <a:solidFill>
+              <a:schemeClr val="tx1"/>
+            </a:solidFill>
+          </a:ln>
+        </p:spPr>
+        <p:txBody>
+          <a:bodyPr wrap="none" rtlCol="0">
+            <a:spAutoFit/>
+          </a:bodyPr>
+          <a:lstStyle/>
+          <a:p>
+            <a:r>
+              <a:rPr lang="en-US" sz="3200" dirty="0" err="1"/>
+              <a:t>Nfix</a:t>
+            </a:r>
+            <a:endParaRPr lang="en-US" sz="3200" dirty="0"/>
+          </a:p>
+        </p:txBody>
+      </p:sp>
+      <p:sp>
+        <p:nvSpPr>
+          <p:cNvPr id="21" name="TextBox 20">
+            <a:extLst>
+              <a:ext uri="{FF2B5EF4-FFF2-40B4-BE49-F238E27FC236}">
+                <a16:creationId xmlns:a16="http://schemas.microsoft.com/office/drawing/2014/main" id="{9C1CF4E1-5763-BD42-AE1A-D0174A8EDAC4}"/>
+              </a:ext>
+            </a:extLst>
+          </p:cNvPr>
+          <p:cNvSpPr txBox="1"/>
+          <p:nvPr/>
+        </p:nvSpPr>
+        <p:spPr>
+          <a:xfrm>
+            <a:off x="4286018" y="411358"/>
+            <a:ext cx="612668" cy="584775"/>
+          </a:xfrm>
+          <a:prstGeom prst="rect">
+            <a:avLst/>
+          </a:prstGeom>
+          <a:noFill/>
+          <a:ln w="76200">
+            <a:solidFill>
+              <a:schemeClr val="tx1"/>
+            </a:solidFill>
+          </a:ln>
+        </p:spPr>
+        <p:txBody>
+          <a:bodyPr wrap="none" rtlCol="0">
+            <a:spAutoFit/>
+          </a:bodyPr>
+          <a:lstStyle/>
+          <a:p>
+            <a:r>
+              <a:rPr lang="en-US" sz="3200" dirty="0"/>
+              <a:t>C4</a:t>
+            </a:r>
+          </a:p>
+        </p:txBody>
+      </p:sp>
+      <p:cxnSp>
+        <p:nvCxnSpPr>
+          <p:cNvPr id="22" name="Straight Arrow Connector 21">
+            <a:extLst>
+              <a:ext uri="{FF2B5EF4-FFF2-40B4-BE49-F238E27FC236}">
+                <a16:creationId xmlns:a16="http://schemas.microsoft.com/office/drawing/2014/main" id="{A5BA27B9-47BD-504B-81B9-37A5B6FB703C}"/>
+              </a:ext>
+            </a:extLst>
+          </p:cNvPr>
+          <p:cNvCxnSpPr>
+            <a:cxnSpLocks/>
+            <a:stCxn id="20" idx="2"/>
+            <a:endCxn id="16" idx="0"/>
+          </p:cNvCxnSpPr>
+          <p:nvPr/>
+        </p:nvCxnSpPr>
+        <p:spPr>
+          <a:xfrm>
+            <a:off x="3352357" y="1015227"/>
+            <a:ext cx="1239995" cy="2121385"/>
+          </a:xfrm>
+          <a:prstGeom prst="straightConnector1">
+            <a:avLst/>
+          </a:prstGeom>
+          <a:ln w="76200">
+            <a:solidFill>
+              <a:srgbClr val="FF0000"/>
+            </a:solidFill>
+            <a:tailEnd type="triangle"/>
+          </a:ln>
+        </p:spPr>
+        <p:style>
+          <a:lnRef idx="1">
+            <a:schemeClr val="accent1"/>
+          </a:lnRef>
+          <a:fillRef idx="0">
+            <a:schemeClr val="accent1"/>
+          </a:fillRef>
+          <a:effectRef idx="0">
+            <a:schemeClr val="accent1"/>
+          </a:effectRef>
+          <a:fontRef idx="minor">
+            <a:schemeClr val="tx1"/>
+          </a:fontRef>
+        </p:style>
+      </p:cxnSp>
+      <p:cxnSp>
+        <p:nvCxnSpPr>
+          <p:cNvPr id="23" name="Straight Arrow Connector 22">
+            <a:extLst>
+              <a:ext uri="{FF2B5EF4-FFF2-40B4-BE49-F238E27FC236}">
+                <a16:creationId xmlns:a16="http://schemas.microsoft.com/office/drawing/2014/main" id="{44D13CDA-A954-E44C-B731-FFFAC67800A1}"/>
+              </a:ext>
+            </a:extLst>
+          </p:cNvPr>
+          <p:cNvCxnSpPr>
+            <a:cxnSpLocks/>
+            <a:stCxn id="21" idx="2"/>
+            <a:endCxn id="16" idx="0"/>
+          </p:cNvCxnSpPr>
+          <p:nvPr/>
+        </p:nvCxnSpPr>
+        <p:spPr>
+          <a:xfrm>
+            <a:off x="4592352" y="996133"/>
+            <a:ext cx="0" cy="2140479"/>
+          </a:xfrm>
+          <a:prstGeom prst="straightConnector1">
+            <a:avLst/>
+          </a:prstGeom>
+          <a:ln w="76200">
+            <a:solidFill>
+              <a:srgbClr val="FF0000"/>
+            </a:solidFill>
+            <a:tailEnd type="triangle"/>
+          </a:ln>
+        </p:spPr>
+        <p:style>
+          <a:lnRef idx="1">
+            <a:schemeClr val="accent1"/>
+          </a:lnRef>
+          <a:fillRef idx="0">
+            <a:schemeClr val="accent1"/>
+          </a:fillRef>
+          <a:effectRef idx="0">
+            <a:schemeClr val="accent1"/>
+          </a:effectRef>
+          <a:fontRef idx="minor">
+            <a:schemeClr val="tx1"/>
+          </a:fontRef>
+        </p:style>
+      </p:cxnSp>
+      <p:sp>
+        <p:nvSpPr>
+          <p:cNvPr id="24" name="TextBox 23">
+            <a:extLst>
+              <a:ext uri="{FF2B5EF4-FFF2-40B4-BE49-F238E27FC236}">
+                <a16:creationId xmlns:a16="http://schemas.microsoft.com/office/drawing/2014/main" id="{B14140ED-5E74-5F47-962B-2CF46F37EDF3}"/>
+              </a:ext>
+            </a:extLst>
+          </p:cNvPr>
+          <p:cNvSpPr txBox="1"/>
+          <p:nvPr/>
+        </p:nvSpPr>
+        <p:spPr>
+          <a:xfrm>
+            <a:off x="1744826" y="3132863"/>
+            <a:ext cx="1564852" cy="584775"/>
+          </a:xfrm>
+          <a:prstGeom prst="rect">
+            <a:avLst/>
+          </a:prstGeom>
+          <a:noFill/>
+          <a:ln w="76200">
+            <a:solidFill>
+              <a:schemeClr val="tx1"/>
+            </a:solidFill>
+          </a:ln>
+        </p:spPr>
+        <p:txBody>
+          <a:bodyPr wrap="none" rtlCol="0">
+            <a:spAutoFit/>
+          </a:bodyPr>
+          <a:lstStyle/>
+          <a:p>
+            <a:r>
+              <a:rPr lang="en-US" sz="3200" dirty="0"/>
+              <a:t>Biomass</a:t>
+            </a:r>
+          </a:p>
+        </p:txBody>
+      </p:sp>
+      <p:cxnSp>
+        <p:nvCxnSpPr>
+          <p:cNvPr id="25" name="Straight Arrow Connector 24">
+            <a:extLst>
+              <a:ext uri="{FF2B5EF4-FFF2-40B4-BE49-F238E27FC236}">
+                <a16:creationId xmlns:a16="http://schemas.microsoft.com/office/drawing/2014/main" id="{5B7B7040-98D2-444B-833D-F65337E736C2}"/>
+              </a:ext>
+            </a:extLst>
+          </p:cNvPr>
+          <p:cNvCxnSpPr>
+            <a:cxnSpLocks/>
+            <a:stCxn id="24" idx="0"/>
+            <a:endCxn id="15" idx="2"/>
+          </p:cNvCxnSpPr>
+          <p:nvPr/>
+        </p:nvCxnSpPr>
+        <p:spPr>
+          <a:xfrm flipH="1" flipV="1">
+            <a:off x="2112363" y="2439649"/>
+            <a:ext cx="414889" cy="693214"/>
+          </a:xfrm>
+          <a:prstGeom prst="straightConnector1">
+            <a:avLst/>
+          </a:prstGeom>
+          <a:ln w="76200">
+            <a:solidFill>
+              <a:srgbClr val="FF0000"/>
+            </a:solidFill>
+            <a:tailEnd type="triangle"/>
+          </a:ln>
+        </p:spPr>
+        <p:style>
+          <a:lnRef idx="1">
+            <a:schemeClr val="accent1"/>
+          </a:lnRef>
+          <a:fillRef idx="0">
+            <a:schemeClr val="accent1"/>
+          </a:fillRef>
+          <a:effectRef idx="0">
+            <a:schemeClr val="accent1"/>
+          </a:effectRef>
+          <a:fontRef idx="minor">
+            <a:schemeClr val="tx1"/>
+          </a:fontRef>
+        </p:style>
+      </p:cxnSp>
+      <p:cxnSp>
+        <p:nvCxnSpPr>
+          <p:cNvPr id="26" name="Straight Arrow Connector 25">
+            <a:extLst>
+              <a:ext uri="{FF2B5EF4-FFF2-40B4-BE49-F238E27FC236}">
+                <a16:creationId xmlns:a16="http://schemas.microsoft.com/office/drawing/2014/main" id="{F967DB3D-B4C9-9B4B-B79B-4A7C4A7C6C87}"/>
+              </a:ext>
+            </a:extLst>
+          </p:cNvPr>
+          <p:cNvCxnSpPr>
+            <a:cxnSpLocks/>
+            <a:stCxn id="24" idx="2"/>
+            <a:endCxn id="18" idx="0"/>
+          </p:cNvCxnSpPr>
+          <p:nvPr/>
+        </p:nvCxnSpPr>
+        <p:spPr>
+          <a:xfrm flipH="1">
+            <a:off x="2376360" y="3717638"/>
+            <a:ext cx="150892" cy="700712"/>
+          </a:xfrm>
+          <a:prstGeom prst="straightConnector1">
+            <a:avLst/>
+          </a:prstGeom>
+          <a:ln w="76200">
+            <a:solidFill>
+              <a:srgbClr val="FF0000"/>
+            </a:solidFill>
+            <a:tailEnd type="triangle"/>
+          </a:ln>
+        </p:spPr>
+        <p:style>
+          <a:lnRef idx="1">
+            <a:schemeClr val="accent1"/>
+          </a:lnRef>
+          <a:fillRef idx="0">
+            <a:schemeClr val="accent1"/>
+          </a:fillRef>
+          <a:effectRef idx="0">
+            <a:schemeClr val="accent1"/>
+          </a:effectRef>
+          <a:fontRef idx="minor">
+            <a:schemeClr val="tx1"/>
+          </a:fontRef>
+        </p:style>
+      </p:cxnSp>
+      <p:cxnSp>
+        <p:nvCxnSpPr>
+          <p:cNvPr id="27" name="Straight Arrow Connector 26">
+            <a:extLst>
+              <a:ext uri="{FF2B5EF4-FFF2-40B4-BE49-F238E27FC236}">
+                <a16:creationId xmlns:a16="http://schemas.microsoft.com/office/drawing/2014/main" id="{C0A12EAC-96AC-6544-879E-C059D151BF39}"/>
+              </a:ext>
+            </a:extLst>
+          </p:cNvPr>
+          <p:cNvCxnSpPr>
+            <a:cxnSpLocks/>
+          </p:cNvCxnSpPr>
+          <p:nvPr/>
+        </p:nvCxnSpPr>
+        <p:spPr>
+          <a:xfrm flipV="1">
+            <a:off x="1459282" y="3721387"/>
+            <a:ext cx="285544" cy="696963"/>
+          </a:xfrm>
+          <a:prstGeom prst="straightConnector1">
+            <a:avLst/>
+          </a:prstGeom>
+          <a:ln w="76200">
+            <a:solidFill>
+              <a:srgbClr val="0432FF"/>
+            </a:solidFill>
+            <a:tailEnd type="triangle"/>
+          </a:ln>
+        </p:spPr>
+        <p:style>
+          <a:lnRef idx="1">
+            <a:schemeClr val="accent1"/>
+          </a:lnRef>
+          <a:fillRef idx="0">
+            <a:schemeClr val="accent1"/>
+          </a:fillRef>
+          <a:effectRef idx="0">
+            <a:schemeClr val="accent1"/>
+          </a:effectRef>
+          <a:fontRef idx="minor">
+            <a:schemeClr val="tx1"/>
+          </a:fontRef>
+        </p:style>
+      </p:cxnSp>
+      <p:cxnSp>
+        <p:nvCxnSpPr>
+          <p:cNvPr id="28" name="Straight Arrow Connector 27">
+            <a:extLst>
+              <a:ext uri="{FF2B5EF4-FFF2-40B4-BE49-F238E27FC236}">
+                <a16:creationId xmlns:a16="http://schemas.microsoft.com/office/drawing/2014/main" id="{310A4F68-43E6-AD4A-AB0C-A24E7CDABED8}"/>
+              </a:ext>
+            </a:extLst>
+          </p:cNvPr>
+          <p:cNvCxnSpPr>
+            <a:cxnSpLocks/>
+          </p:cNvCxnSpPr>
+          <p:nvPr/>
+        </p:nvCxnSpPr>
+        <p:spPr>
+          <a:xfrm>
+            <a:off x="915048" y="2439648"/>
+            <a:ext cx="829778" cy="689466"/>
+          </a:xfrm>
+          <a:prstGeom prst="straightConnector1">
+            <a:avLst/>
+          </a:prstGeom>
+          <a:ln w="76200">
+            <a:solidFill>
+              <a:srgbClr val="0432FF"/>
+            </a:solidFill>
+            <a:tailEnd type="triangle"/>
+          </a:ln>
+        </p:spPr>
+        <p:style>
+          <a:lnRef idx="1">
+            <a:schemeClr val="accent1"/>
+          </a:lnRef>
+          <a:fillRef idx="0">
+            <a:schemeClr val="accent1"/>
+          </a:fillRef>
+          <a:effectRef idx="0">
+            <a:schemeClr val="accent1"/>
+          </a:effectRef>
+          <a:fontRef idx="minor">
+            <a:schemeClr val="tx1"/>
+          </a:fontRef>
+        </p:style>
+      </p:cxnSp>
+    </p:spTree>
+    <p:extLst>
+      <p:ext uri="{BB962C8B-B14F-4D97-AF65-F5344CB8AC3E}">
+        <p14:creationId xmlns:p14="http://schemas.microsoft.com/office/powerpoint/2010/main" val="3038984583"/>
       </p:ext>
     </p:extLst>
   </p:cSld>
@@ -7193,6 +9471,6216 @@
     <p:extLst>
       <p:ext uri="{BB962C8B-B14F-4D97-AF65-F5344CB8AC3E}">
         <p14:creationId xmlns:p14="http://schemas.microsoft.com/office/powerpoint/2010/main" val="3559230318"/>
+      </p:ext>
+    </p:extLst>
+  </p:cSld>
+  <p:clrMapOvr>
+    <a:masterClrMapping/>
+  </p:clrMapOvr>
+</p:sld>
+</file>
+
+<file path=ppt/slides/slide20.xml><?xml version="1.0" encoding="utf-8"?>
+<p:sld xmlns:a="http://schemas.openxmlformats.org/drawingml/2006/main" xmlns:r="http://schemas.openxmlformats.org/officeDocument/2006/relationships" xmlns:p="http://schemas.openxmlformats.org/presentationml/2006/main">
+  <p:cSld>
+    <p:spTree>
+      <p:nvGrpSpPr>
+        <p:cNvPr id="1" name=""/>
+        <p:cNvGrpSpPr/>
+        <p:nvPr/>
+      </p:nvGrpSpPr>
+      <p:grpSpPr>
+        <a:xfrm>
+          <a:off x="0" y="0"/>
+          <a:ext cx="0" cy="0"/>
+          <a:chOff x="0" y="0"/>
+          <a:chExt cx="0" cy="0"/>
+        </a:xfrm>
+      </p:grpSpPr>
+      <p:sp>
+        <p:nvSpPr>
+          <p:cNvPr id="14" name="TextBox 13">
+            <a:extLst>
+              <a:ext uri="{FF2B5EF4-FFF2-40B4-BE49-F238E27FC236}">
+                <a16:creationId xmlns:a16="http://schemas.microsoft.com/office/drawing/2014/main" id="{E26FA297-1A19-FE43-890A-79FB96D913DA}"/>
+              </a:ext>
+            </a:extLst>
+          </p:cNvPr>
+          <p:cNvSpPr txBox="1"/>
+          <p:nvPr/>
+        </p:nvSpPr>
+        <p:spPr>
+          <a:xfrm>
+            <a:off x="6655633" y="1798820"/>
+            <a:ext cx="5171601" cy="3170099"/>
+          </a:xfrm>
+          <a:prstGeom prst="rect">
+            <a:avLst/>
+          </a:prstGeom>
+          <a:noFill/>
+        </p:spPr>
+        <p:txBody>
+          <a:bodyPr wrap="square" rtlCol="0">
+            <a:spAutoFit/>
+          </a:bodyPr>
+          <a:lstStyle/>
+          <a:p>
+            <a:r>
+              <a:rPr lang="el-GR" sz="4000" dirty="0">
+                <a:solidFill>
+                  <a:srgbClr val="7030A0"/>
+                </a:solidFill>
+              </a:rPr>
+              <a:t>β</a:t>
+            </a:r>
+            <a:r>
+              <a:rPr lang="en-US" sz="4000" dirty="0">
+                <a:solidFill>
+                  <a:srgbClr val="7030A0"/>
+                </a:solidFill>
+              </a:rPr>
+              <a:t> ~ N*P*K*AGB + moisture*AGB + </a:t>
+            </a:r>
+          </a:p>
+          <a:p>
+            <a:r>
+              <a:rPr lang="en-US" sz="4000" dirty="0" err="1">
+                <a:solidFill>
+                  <a:srgbClr val="7030A0"/>
+                </a:solidFill>
+              </a:rPr>
+              <a:t>Nfix</a:t>
+            </a:r>
+            <a:r>
+              <a:rPr lang="en-US" sz="4000" dirty="0">
+                <a:solidFill>
+                  <a:srgbClr val="7030A0"/>
+                </a:solidFill>
+              </a:rPr>
+              <a:t> + C4 +</a:t>
+            </a:r>
+          </a:p>
+          <a:p>
+            <a:r>
+              <a:rPr lang="en-US" sz="4000" dirty="0">
+                <a:solidFill>
+                  <a:srgbClr val="7030A0"/>
+                </a:solidFill>
+              </a:rPr>
+              <a:t>(1|species) + (1|site) + (1|block:site)</a:t>
+            </a:r>
+          </a:p>
+        </p:txBody>
+      </p:sp>
+      <p:sp>
+        <p:nvSpPr>
+          <p:cNvPr id="15" name="TextBox 14">
+            <a:extLst>
+              <a:ext uri="{FF2B5EF4-FFF2-40B4-BE49-F238E27FC236}">
+                <a16:creationId xmlns:a16="http://schemas.microsoft.com/office/drawing/2014/main" id="{1C6BADC9-FF64-374C-990B-5D8239780B14}"/>
+              </a:ext>
+            </a:extLst>
+          </p:cNvPr>
+          <p:cNvSpPr txBox="1"/>
+          <p:nvPr/>
+        </p:nvSpPr>
+        <p:spPr>
+          <a:xfrm>
+            <a:off x="915048" y="1854874"/>
+            <a:ext cx="2394630" cy="584775"/>
+          </a:xfrm>
+          <a:prstGeom prst="rect">
+            <a:avLst/>
+          </a:prstGeom>
+          <a:noFill/>
+          <a:ln w="76200">
+            <a:solidFill>
+              <a:schemeClr val="tx1"/>
+            </a:solidFill>
+          </a:ln>
+        </p:spPr>
+        <p:txBody>
+          <a:bodyPr wrap="none" rtlCol="0">
+            <a:spAutoFit/>
+          </a:bodyPr>
+          <a:lstStyle/>
+          <a:p>
+            <a:r>
+              <a:rPr lang="en-US" sz="3200" dirty="0"/>
+              <a:t>Soil nutrients</a:t>
+            </a:r>
+          </a:p>
+        </p:txBody>
+      </p:sp>
+      <p:sp>
+        <p:nvSpPr>
+          <p:cNvPr id="16" name="TextBox 15">
+            <a:extLst>
+              <a:ext uri="{FF2B5EF4-FFF2-40B4-BE49-F238E27FC236}">
+                <a16:creationId xmlns:a16="http://schemas.microsoft.com/office/drawing/2014/main" id="{EFE0BECD-F9D2-2642-B3E4-73C2D8135AF1}"/>
+              </a:ext>
+            </a:extLst>
+          </p:cNvPr>
+          <p:cNvSpPr txBox="1"/>
+          <p:nvPr/>
+        </p:nvSpPr>
+        <p:spPr>
+          <a:xfrm>
+            <a:off x="4391015" y="3136612"/>
+            <a:ext cx="402674" cy="584775"/>
+          </a:xfrm>
+          <a:prstGeom prst="rect">
+            <a:avLst/>
+          </a:prstGeom>
+          <a:noFill/>
+          <a:ln w="76200">
+            <a:solidFill>
+              <a:schemeClr val="tx1"/>
+            </a:solidFill>
+          </a:ln>
+        </p:spPr>
+        <p:txBody>
+          <a:bodyPr wrap="none" rtlCol="0">
+            <a:spAutoFit/>
+          </a:bodyPr>
+          <a:lstStyle/>
+          <a:p>
+            <a:r>
+              <a:rPr lang="el-GR" sz="3200" dirty="0"/>
+              <a:t>β</a:t>
+            </a:r>
+            <a:endParaRPr lang="en-US" sz="3200" dirty="0"/>
+          </a:p>
+        </p:txBody>
+      </p:sp>
+      <p:cxnSp>
+        <p:nvCxnSpPr>
+          <p:cNvPr id="17" name="Straight Arrow Connector 16">
+            <a:extLst>
+              <a:ext uri="{FF2B5EF4-FFF2-40B4-BE49-F238E27FC236}">
+                <a16:creationId xmlns:a16="http://schemas.microsoft.com/office/drawing/2014/main" id="{1D368699-5C51-9540-BEE9-937E329F0938}"/>
+              </a:ext>
+            </a:extLst>
+          </p:cNvPr>
+          <p:cNvCxnSpPr>
+            <a:cxnSpLocks/>
+            <a:stCxn id="15" idx="2"/>
+            <a:endCxn id="16" idx="0"/>
+          </p:cNvCxnSpPr>
+          <p:nvPr/>
+        </p:nvCxnSpPr>
+        <p:spPr>
+          <a:xfrm>
+            <a:off x="2112363" y="2439649"/>
+            <a:ext cx="2479989" cy="696963"/>
+          </a:xfrm>
+          <a:prstGeom prst="straightConnector1">
+            <a:avLst/>
+          </a:prstGeom>
+          <a:ln w="76200">
+            <a:solidFill>
+              <a:srgbClr val="FF0000"/>
+            </a:solidFill>
+            <a:tailEnd type="triangle"/>
+          </a:ln>
+        </p:spPr>
+        <p:style>
+          <a:lnRef idx="1">
+            <a:schemeClr val="accent1"/>
+          </a:lnRef>
+          <a:fillRef idx="0">
+            <a:schemeClr val="accent1"/>
+          </a:fillRef>
+          <a:effectRef idx="0">
+            <a:schemeClr val="accent1"/>
+          </a:effectRef>
+          <a:fontRef idx="minor">
+            <a:schemeClr val="tx1"/>
+          </a:fontRef>
+        </p:style>
+      </p:cxnSp>
+      <p:sp>
+        <p:nvSpPr>
+          <p:cNvPr id="18" name="TextBox 17">
+            <a:extLst>
+              <a:ext uri="{FF2B5EF4-FFF2-40B4-BE49-F238E27FC236}">
+                <a16:creationId xmlns:a16="http://schemas.microsoft.com/office/drawing/2014/main" id="{AEBEF064-8716-6742-BD50-4A64DAE20723}"/>
+              </a:ext>
+            </a:extLst>
+          </p:cNvPr>
+          <p:cNvSpPr txBox="1"/>
+          <p:nvPr/>
+        </p:nvSpPr>
+        <p:spPr>
+          <a:xfrm>
+            <a:off x="1459282" y="4418350"/>
+            <a:ext cx="1834156" cy="584775"/>
+          </a:xfrm>
+          <a:prstGeom prst="rect">
+            <a:avLst/>
+          </a:prstGeom>
+          <a:noFill/>
+          <a:ln w="76200">
+            <a:solidFill>
+              <a:schemeClr val="tx1"/>
+            </a:solidFill>
+          </a:ln>
+        </p:spPr>
+        <p:txBody>
+          <a:bodyPr wrap="none" rtlCol="0">
+            <a:spAutoFit/>
+          </a:bodyPr>
+          <a:lstStyle/>
+          <a:p>
+            <a:r>
+              <a:rPr lang="en-US" sz="3200" dirty="0"/>
+              <a:t>Soil water</a:t>
+            </a:r>
+          </a:p>
+        </p:txBody>
+      </p:sp>
+      <p:cxnSp>
+        <p:nvCxnSpPr>
+          <p:cNvPr id="19" name="Straight Arrow Connector 18">
+            <a:extLst>
+              <a:ext uri="{FF2B5EF4-FFF2-40B4-BE49-F238E27FC236}">
+                <a16:creationId xmlns:a16="http://schemas.microsoft.com/office/drawing/2014/main" id="{8EBEA6F2-ECE8-FD44-BD35-E056F36A15E0}"/>
+              </a:ext>
+            </a:extLst>
+          </p:cNvPr>
+          <p:cNvCxnSpPr>
+            <a:cxnSpLocks/>
+            <a:stCxn id="18" idx="0"/>
+            <a:endCxn id="16" idx="2"/>
+          </p:cNvCxnSpPr>
+          <p:nvPr/>
+        </p:nvCxnSpPr>
+        <p:spPr>
+          <a:xfrm flipV="1">
+            <a:off x="2376360" y="3721387"/>
+            <a:ext cx="2215992" cy="696963"/>
+          </a:xfrm>
+          <a:prstGeom prst="straightConnector1">
+            <a:avLst/>
+          </a:prstGeom>
+          <a:ln w="76200">
+            <a:solidFill>
+              <a:srgbClr val="0432FF"/>
+            </a:solidFill>
+            <a:tailEnd type="triangle"/>
+          </a:ln>
+        </p:spPr>
+        <p:style>
+          <a:lnRef idx="1">
+            <a:schemeClr val="accent1"/>
+          </a:lnRef>
+          <a:fillRef idx="0">
+            <a:schemeClr val="accent1"/>
+          </a:fillRef>
+          <a:effectRef idx="0">
+            <a:schemeClr val="accent1"/>
+          </a:effectRef>
+          <a:fontRef idx="minor">
+            <a:schemeClr val="tx1"/>
+          </a:fontRef>
+        </p:style>
+      </p:cxnSp>
+      <p:sp>
+        <p:nvSpPr>
+          <p:cNvPr id="20" name="TextBox 19">
+            <a:extLst>
+              <a:ext uri="{FF2B5EF4-FFF2-40B4-BE49-F238E27FC236}">
+                <a16:creationId xmlns:a16="http://schemas.microsoft.com/office/drawing/2014/main" id="{189F9542-B668-0A43-BBC1-BBB6DE1F592A}"/>
+              </a:ext>
+            </a:extLst>
+          </p:cNvPr>
+          <p:cNvSpPr txBox="1"/>
+          <p:nvPr/>
+        </p:nvSpPr>
+        <p:spPr>
+          <a:xfrm>
+            <a:off x="2929003" y="430452"/>
+            <a:ext cx="846707" cy="584775"/>
+          </a:xfrm>
+          <a:prstGeom prst="rect">
+            <a:avLst/>
+          </a:prstGeom>
+          <a:noFill/>
+          <a:ln w="76200">
+            <a:solidFill>
+              <a:schemeClr val="tx1"/>
+            </a:solidFill>
+          </a:ln>
+        </p:spPr>
+        <p:txBody>
+          <a:bodyPr wrap="none" rtlCol="0">
+            <a:spAutoFit/>
+          </a:bodyPr>
+          <a:lstStyle/>
+          <a:p>
+            <a:r>
+              <a:rPr lang="en-US" sz="3200" dirty="0" err="1"/>
+              <a:t>Nfix</a:t>
+            </a:r>
+            <a:endParaRPr lang="en-US" sz="3200" dirty="0"/>
+          </a:p>
+        </p:txBody>
+      </p:sp>
+      <p:sp>
+        <p:nvSpPr>
+          <p:cNvPr id="21" name="TextBox 20">
+            <a:extLst>
+              <a:ext uri="{FF2B5EF4-FFF2-40B4-BE49-F238E27FC236}">
+                <a16:creationId xmlns:a16="http://schemas.microsoft.com/office/drawing/2014/main" id="{6598B6CD-315D-9745-9DFF-8B4220B37969}"/>
+              </a:ext>
+            </a:extLst>
+          </p:cNvPr>
+          <p:cNvSpPr txBox="1"/>
+          <p:nvPr/>
+        </p:nvSpPr>
+        <p:spPr>
+          <a:xfrm>
+            <a:off x="4286018" y="411358"/>
+            <a:ext cx="612668" cy="584775"/>
+          </a:xfrm>
+          <a:prstGeom prst="rect">
+            <a:avLst/>
+          </a:prstGeom>
+          <a:noFill/>
+          <a:ln w="76200">
+            <a:solidFill>
+              <a:schemeClr val="tx1"/>
+            </a:solidFill>
+          </a:ln>
+        </p:spPr>
+        <p:txBody>
+          <a:bodyPr wrap="none" rtlCol="0">
+            <a:spAutoFit/>
+          </a:bodyPr>
+          <a:lstStyle/>
+          <a:p>
+            <a:r>
+              <a:rPr lang="en-US" sz="3200" dirty="0"/>
+              <a:t>C4</a:t>
+            </a:r>
+          </a:p>
+        </p:txBody>
+      </p:sp>
+      <p:cxnSp>
+        <p:nvCxnSpPr>
+          <p:cNvPr id="22" name="Straight Arrow Connector 21">
+            <a:extLst>
+              <a:ext uri="{FF2B5EF4-FFF2-40B4-BE49-F238E27FC236}">
+                <a16:creationId xmlns:a16="http://schemas.microsoft.com/office/drawing/2014/main" id="{820875A0-B894-9943-8E24-E982CDDB43E1}"/>
+              </a:ext>
+            </a:extLst>
+          </p:cNvPr>
+          <p:cNvCxnSpPr>
+            <a:cxnSpLocks/>
+            <a:stCxn id="20" idx="2"/>
+            <a:endCxn id="16" idx="0"/>
+          </p:cNvCxnSpPr>
+          <p:nvPr/>
+        </p:nvCxnSpPr>
+        <p:spPr>
+          <a:xfrm>
+            <a:off x="3352357" y="1015227"/>
+            <a:ext cx="1239995" cy="2121385"/>
+          </a:xfrm>
+          <a:prstGeom prst="straightConnector1">
+            <a:avLst/>
+          </a:prstGeom>
+          <a:ln w="76200">
+            <a:solidFill>
+              <a:srgbClr val="FF0000"/>
+            </a:solidFill>
+            <a:tailEnd type="triangle"/>
+          </a:ln>
+        </p:spPr>
+        <p:style>
+          <a:lnRef idx="1">
+            <a:schemeClr val="accent1"/>
+          </a:lnRef>
+          <a:fillRef idx="0">
+            <a:schemeClr val="accent1"/>
+          </a:fillRef>
+          <a:effectRef idx="0">
+            <a:schemeClr val="accent1"/>
+          </a:effectRef>
+          <a:fontRef idx="minor">
+            <a:schemeClr val="tx1"/>
+          </a:fontRef>
+        </p:style>
+      </p:cxnSp>
+      <p:cxnSp>
+        <p:nvCxnSpPr>
+          <p:cNvPr id="23" name="Straight Arrow Connector 22">
+            <a:extLst>
+              <a:ext uri="{FF2B5EF4-FFF2-40B4-BE49-F238E27FC236}">
+                <a16:creationId xmlns:a16="http://schemas.microsoft.com/office/drawing/2014/main" id="{F1886A8D-69E3-084A-89E3-0675ABF4AE26}"/>
+              </a:ext>
+            </a:extLst>
+          </p:cNvPr>
+          <p:cNvCxnSpPr>
+            <a:cxnSpLocks/>
+            <a:stCxn id="21" idx="2"/>
+            <a:endCxn id="16" idx="0"/>
+          </p:cNvCxnSpPr>
+          <p:nvPr/>
+        </p:nvCxnSpPr>
+        <p:spPr>
+          <a:xfrm>
+            <a:off x="4592352" y="996133"/>
+            <a:ext cx="0" cy="2140479"/>
+          </a:xfrm>
+          <a:prstGeom prst="straightConnector1">
+            <a:avLst/>
+          </a:prstGeom>
+          <a:ln w="76200">
+            <a:solidFill>
+              <a:srgbClr val="FF0000"/>
+            </a:solidFill>
+            <a:tailEnd type="triangle"/>
+          </a:ln>
+        </p:spPr>
+        <p:style>
+          <a:lnRef idx="1">
+            <a:schemeClr val="accent1"/>
+          </a:lnRef>
+          <a:fillRef idx="0">
+            <a:schemeClr val="accent1"/>
+          </a:fillRef>
+          <a:effectRef idx="0">
+            <a:schemeClr val="accent1"/>
+          </a:effectRef>
+          <a:fontRef idx="minor">
+            <a:schemeClr val="tx1"/>
+          </a:fontRef>
+        </p:style>
+      </p:cxnSp>
+      <p:sp>
+        <p:nvSpPr>
+          <p:cNvPr id="24" name="TextBox 23">
+            <a:extLst>
+              <a:ext uri="{FF2B5EF4-FFF2-40B4-BE49-F238E27FC236}">
+                <a16:creationId xmlns:a16="http://schemas.microsoft.com/office/drawing/2014/main" id="{E85B1D1F-FDF7-6B4C-BE43-B47D70328EA0}"/>
+              </a:ext>
+            </a:extLst>
+          </p:cNvPr>
+          <p:cNvSpPr txBox="1"/>
+          <p:nvPr/>
+        </p:nvSpPr>
+        <p:spPr>
+          <a:xfrm>
+            <a:off x="1744826" y="3132863"/>
+            <a:ext cx="1564852" cy="584775"/>
+          </a:xfrm>
+          <a:prstGeom prst="rect">
+            <a:avLst/>
+          </a:prstGeom>
+          <a:noFill/>
+          <a:ln w="76200">
+            <a:solidFill>
+              <a:schemeClr val="tx1"/>
+            </a:solidFill>
+          </a:ln>
+        </p:spPr>
+        <p:txBody>
+          <a:bodyPr wrap="none" rtlCol="0">
+            <a:spAutoFit/>
+          </a:bodyPr>
+          <a:lstStyle/>
+          <a:p>
+            <a:r>
+              <a:rPr lang="en-US" sz="3200" dirty="0"/>
+              <a:t>Biomass</a:t>
+            </a:r>
+          </a:p>
+        </p:txBody>
+      </p:sp>
+      <p:cxnSp>
+        <p:nvCxnSpPr>
+          <p:cNvPr id="25" name="Straight Arrow Connector 24">
+            <a:extLst>
+              <a:ext uri="{FF2B5EF4-FFF2-40B4-BE49-F238E27FC236}">
+                <a16:creationId xmlns:a16="http://schemas.microsoft.com/office/drawing/2014/main" id="{59B0B79E-1790-AC41-9969-A8D016C47A82}"/>
+              </a:ext>
+            </a:extLst>
+          </p:cNvPr>
+          <p:cNvCxnSpPr>
+            <a:cxnSpLocks/>
+            <a:stCxn id="24" idx="0"/>
+            <a:endCxn id="15" idx="2"/>
+          </p:cNvCxnSpPr>
+          <p:nvPr/>
+        </p:nvCxnSpPr>
+        <p:spPr>
+          <a:xfrm flipH="1" flipV="1">
+            <a:off x="2112363" y="2439649"/>
+            <a:ext cx="414889" cy="693214"/>
+          </a:xfrm>
+          <a:prstGeom prst="straightConnector1">
+            <a:avLst/>
+          </a:prstGeom>
+          <a:ln w="76200">
+            <a:solidFill>
+              <a:srgbClr val="FF0000"/>
+            </a:solidFill>
+            <a:tailEnd type="triangle"/>
+          </a:ln>
+        </p:spPr>
+        <p:style>
+          <a:lnRef idx="1">
+            <a:schemeClr val="accent1"/>
+          </a:lnRef>
+          <a:fillRef idx="0">
+            <a:schemeClr val="accent1"/>
+          </a:fillRef>
+          <a:effectRef idx="0">
+            <a:schemeClr val="accent1"/>
+          </a:effectRef>
+          <a:fontRef idx="minor">
+            <a:schemeClr val="tx1"/>
+          </a:fontRef>
+        </p:style>
+      </p:cxnSp>
+      <p:cxnSp>
+        <p:nvCxnSpPr>
+          <p:cNvPr id="26" name="Straight Arrow Connector 25">
+            <a:extLst>
+              <a:ext uri="{FF2B5EF4-FFF2-40B4-BE49-F238E27FC236}">
+                <a16:creationId xmlns:a16="http://schemas.microsoft.com/office/drawing/2014/main" id="{A27A5D90-B361-9541-8E61-7673F14BB563}"/>
+              </a:ext>
+            </a:extLst>
+          </p:cNvPr>
+          <p:cNvCxnSpPr>
+            <a:cxnSpLocks/>
+            <a:stCxn id="24" idx="2"/>
+            <a:endCxn id="18" idx="0"/>
+          </p:cNvCxnSpPr>
+          <p:nvPr/>
+        </p:nvCxnSpPr>
+        <p:spPr>
+          <a:xfrm flipH="1">
+            <a:off x="2376360" y="3717638"/>
+            <a:ext cx="150892" cy="700712"/>
+          </a:xfrm>
+          <a:prstGeom prst="straightConnector1">
+            <a:avLst/>
+          </a:prstGeom>
+          <a:ln w="76200">
+            <a:solidFill>
+              <a:srgbClr val="FF0000"/>
+            </a:solidFill>
+            <a:tailEnd type="triangle"/>
+          </a:ln>
+        </p:spPr>
+        <p:style>
+          <a:lnRef idx="1">
+            <a:schemeClr val="accent1"/>
+          </a:lnRef>
+          <a:fillRef idx="0">
+            <a:schemeClr val="accent1"/>
+          </a:fillRef>
+          <a:effectRef idx="0">
+            <a:schemeClr val="accent1"/>
+          </a:effectRef>
+          <a:fontRef idx="minor">
+            <a:schemeClr val="tx1"/>
+          </a:fontRef>
+        </p:style>
+      </p:cxnSp>
+      <p:cxnSp>
+        <p:nvCxnSpPr>
+          <p:cNvPr id="27" name="Straight Arrow Connector 26">
+            <a:extLst>
+              <a:ext uri="{FF2B5EF4-FFF2-40B4-BE49-F238E27FC236}">
+                <a16:creationId xmlns:a16="http://schemas.microsoft.com/office/drawing/2014/main" id="{A406A4D3-0281-AB44-BB1E-DBADA5A1580E}"/>
+              </a:ext>
+            </a:extLst>
+          </p:cNvPr>
+          <p:cNvCxnSpPr>
+            <a:cxnSpLocks/>
+          </p:cNvCxnSpPr>
+          <p:nvPr/>
+        </p:nvCxnSpPr>
+        <p:spPr>
+          <a:xfrm flipV="1">
+            <a:off x="1459282" y="3721387"/>
+            <a:ext cx="285544" cy="696963"/>
+          </a:xfrm>
+          <a:prstGeom prst="straightConnector1">
+            <a:avLst/>
+          </a:prstGeom>
+          <a:ln w="76200">
+            <a:solidFill>
+              <a:srgbClr val="0432FF"/>
+            </a:solidFill>
+            <a:tailEnd type="triangle"/>
+          </a:ln>
+        </p:spPr>
+        <p:style>
+          <a:lnRef idx="1">
+            <a:schemeClr val="accent1"/>
+          </a:lnRef>
+          <a:fillRef idx="0">
+            <a:schemeClr val="accent1"/>
+          </a:fillRef>
+          <a:effectRef idx="0">
+            <a:schemeClr val="accent1"/>
+          </a:effectRef>
+          <a:fontRef idx="minor">
+            <a:schemeClr val="tx1"/>
+          </a:fontRef>
+        </p:style>
+      </p:cxnSp>
+      <p:cxnSp>
+        <p:nvCxnSpPr>
+          <p:cNvPr id="28" name="Straight Arrow Connector 27">
+            <a:extLst>
+              <a:ext uri="{FF2B5EF4-FFF2-40B4-BE49-F238E27FC236}">
+                <a16:creationId xmlns:a16="http://schemas.microsoft.com/office/drawing/2014/main" id="{60E0B598-881A-EA4D-9601-D15277FB3792}"/>
+              </a:ext>
+            </a:extLst>
+          </p:cNvPr>
+          <p:cNvCxnSpPr>
+            <a:cxnSpLocks/>
+          </p:cNvCxnSpPr>
+          <p:nvPr/>
+        </p:nvCxnSpPr>
+        <p:spPr>
+          <a:xfrm>
+            <a:off x="915048" y="2439648"/>
+            <a:ext cx="829778" cy="689466"/>
+          </a:xfrm>
+          <a:prstGeom prst="straightConnector1">
+            <a:avLst/>
+          </a:prstGeom>
+          <a:ln w="76200">
+            <a:solidFill>
+              <a:srgbClr val="0432FF"/>
+            </a:solidFill>
+            <a:tailEnd type="triangle"/>
+          </a:ln>
+        </p:spPr>
+        <p:style>
+          <a:lnRef idx="1">
+            <a:schemeClr val="accent1"/>
+          </a:lnRef>
+          <a:fillRef idx="0">
+            <a:schemeClr val="accent1"/>
+          </a:fillRef>
+          <a:effectRef idx="0">
+            <a:schemeClr val="accent1"/>
+          </a:effectRef>
+          <a:fontRef idx="minor">
+            <a:schemeClr val="tx1"/>
+          </a:fontRef>
+        </p:style>
+      </p:cxnSp>
+    </p:spTree>
+    <p:extLst>
+      <p:ext uri="{BB962C8B-B14F-4D97-AF65-F5344CB8AC3E}">
+        <p14:creationId xmlns:p14="http://schemas.microsoft.com/office/powerpoint/2010/main" val="3013575143"/>
+      </p:ext>
+    </p:extLst>
+  </p:cSld>
+  <p:clrMapOvr>
+    <a:masterClrMapping/>
+  </p:clrMapOvr>
+</p:sld>
+</file>
+
+<file path=ppt/slides/slide21.xml><?xml version="1.0" encoding="utf-8"?>
+<p:sld xmlns:a="http://schemas.openxmlformats.org/drawingml/2006/main" xmlns:r="http://schemas.openxmlformats.org/officeDocument/2006/relationships" xmlns:p="http://schemas.openxmlformats.org/presentationml/2006/main">
+  <p:cSld>
+    <p:spTree>
+      <p:nvGrpSpPr>
+        <p:cNvPr id="1" name=""/>
+        <p:cNvGrpSpPr/>
+        <p:nvPr/>
+      </p:nvGrpSpPr>
+      <p:grpSpPr>
+        <a:xfrm>
+          <a:off x="0" y="0"/>
+          <a:ext cx="0" cy="0"/>
+          <a:chOff x="0" y="0"/>
+          <a:chExt cx="0" cy="0"/>
+        </a:xfrm>
+      </p:grpSpPr>
+      <p:sp>
+        <p:nvSpPr>
+          <p:cNvPr id="14" name="TextBox 13">
+            <a:extLst>
+              <a:ext uri="{FF2B5EF4-FFF2-40B4-BE49-F238E27FC236}">
+                <a16:creationId xmlns:a16="http://schemas.microsoft.com/office/drawing/2014/main" id="{E26FA297-1A19-FE43-890A-79FB96D913DA}"/>
+              </a:ext>
+            </a:extLst>
+          </p:cNvPr>
+          <p:cNvSpPr txBox="1"/>
+          <p:nvPr/>
+        </p:nvSpPr>
+        <p:spPr>
+          <a:xfrm>
+            <a:off x="6655633" y="1798820"/>
+            <a:ext cx="5171601" cy="3170099"/>
+          </a:xfrm>
+          <a:prstGeom prst="rect">
+            <a:avLst/>
+          </a:prstGeom>
+          <a:noFill/>
+        </p:spPr>
+        <p:txBody>
+          <a:bodyPr wrap="square" rtlCol="0">
+            <a:spAutoFit/>
+          </a:bodyPr>
+          <a:lstStyle/>
+          <a:p>
+            <a:r>
+              <a:rPr lang="el-GR" sz="4000" dirty="0">
+                <a:solidFill>
+                  <a:srgbClr val="7030A0"/>
+                </a:solidFill>
+              </a:rPr>
+              <a:t>β</a:t>
+            </a:r>
+            <a:r>
+              <a:rPr lang="en-US" sz="4000" dirty="0">
+                <a:solidFill>
+                  <a:srgbClr val="7030A0"/>
+                </a:solidFill>
+              </a:rPr>
+              <a:t> ~ N*P*K*AGB + moisture*AGB + </a:t>
+            </a:r>
+          </a:p>
+          <a:p>
+            <a:r>
+              <a:rPr lang="en-US" sz="4000" dirty="0" err="1">
+                <a:solidFill>
+                  <a:srgbClr val="7030A0"/>
+                </a:solidFill>
+              </a:rPr>
+              <a:t>Nfix</a:t>
+            </a:r>
+            <a:r>
+              <a:rPr lang="en-US" sz="4000" dirty="0">
+                <a:solidFill>
+                  <a:srgbClr val="7030A0"/>
+                </a:solidFill>
+              </a:rPr>
+              <a:t> + C4 +</a:t>
+            </a:r>
+          </a:p>
+          <a:p>
+            <a:r>
+              <a:rPr lang="en-US" sz="4000" dirty="0">
+                <a:solidFill>
+                  <a:srgbClr val="7030A0"/>
+                </a:solidFill>
+              </a:rPr>
+              <a:t>(1|species) + (1|site) + (1|block:site)</a:t>
+            </a:r>
+          </a:p>
+        </p:txBody>
+      </p:sp>
+      <p:sp>
+        <p:nvSpPr>
+          <p:cNvPr id="15" name="TextBox 14">
+            <a:extLst>
+              <a:ext uri="{FF2B5EF4-FFF2-40B4-BE49-F238E27FC236}">
+                <a16:creationId xmlns:a16="http://schemas.microsoft.com/office/drawing/2014/main" id="{1C6BADC9-FF64-374C-990B-5D8239780B14}"/>
+              </a:ext>
+            </a:extLst>
+          </p:cNvPr>
+          <p:cNvSpPr txBox="1"/>
+          <p:nvPr/>
+        </p:nvSpPr>
+        <p:spPr>
+          <a:xfrm>
+            <a:off x="915048" y="1854874"/>
+            <a:ext cx="2394630" cy="584775"/>
+          </a:xfrm>
+          <a:prstGeom prst="rect">
+            <a:avLst/>
+          </a:prstGeom>
+          <a:noFill/>
+          <a:ln w="76200">
+            <a:solidFill>
+              <a:schemeClr val="tx1"/>
+            </a:solidFill>
+          </a:ln>
+        </p:spPr>
+        <p:txBody>
+          <a:bodyPr wrap="none" rtlCol="0">
+            <a:spAutoFit/>
+          </a:bodyPr>
+          <a:lstStyle/>
+          <a:p>
+            <a:r>
+              <a:rPr lang="en-US" sz="3200" dirty="0"/>
+              <a:t>Soil nutrients</a:t>
+            </a:r>
+          </a:p>
+        </p:txBody>
+      </p:sp>
+      <p:sp>
+        <p:nvSpPr>
+          <p:cNvPr id="16" name="TextBox 15">
+            <a:extLst>
+              <a:ext uri="{FF2B5EF4-FFF2-40B4-BE49-F238E27FC236}">
+                <a16:creationId xmlns:a16="http://schemas.microsoft.com/office/drawing/2014/main" id="{EFE0BECD-F9D2-2642-B3E4-73C2D8135AF1}"/>
+              </a:ext>
+            </a:extLst>
+          </p:cNvPr>
+          <p:cNvSpPr txBox="1"/>
+          <p:nvPr/>
+        </p:nvSpPr>
+        <p:spPr>
+          <a:xfrm>
+            <a:off x="4391015" y="3136612"/>
+            <a:ext cx="402674" cy="584775"/>
+          </a:xfrm>
+          <a:prstGeom prst="rect">
+            <a:avLst/>
+          </a:prstGeom>
+          <a:noFill/>
+          <a:ln w="76200">
+            <a:solidFill>
+              <a:schemeClr val="tx1"/>
+            </a:solidFill>
+          </a:ln>
+        </p:spPr>
+        <p:txBody>
+          <a:bodyPr wrap="none" rtlCol="0">
+            <a:spAutoFit/>
+          </a:bodyPr>
+          <a:lstStyle/>
+          <a:p>
+            <a:r>
+              <a:rPr lang="el-GR" sz="3200" dirty="0"/>
+              <a:t>β</a:t>
+            </a:r>
+            <a:endParaRPr lang="en-US" sz="3200" dirty="0"/>
+          </a:p>
+        </p:txBody>
+      </p:sp>
+      <p:cxnSp>
+        <p:nvCxnSpPr>
+          <p:cNvPr id="17" name="Straight Arrow Connector 16">
+            <a:extLst>
+              <a:ext uri="{FF2B5EF4-FFF2-40B4-BE49-F238E27FC236}">
+                <a16:creationId xmlns:a16="http://schemas.microsoft.com/office/drawing/2014/main" id="{1D368699-5C51-9540-BEE9-937E329F0938}"/>
+              </a:ext>
+            </a:extLst>
+          </p:cNvPr>
+          <p:cNvCxnSpPr>
+            <a:cxnSpLocks/>
+            <a:stCxn id="15" idx="2"/>
+            <a:endCxn id="16" idx="0"/>
+          </p:cNvCxnSpPr>
+          <p:nvPr/>
+        </p:nvCxnSpPr>
+        <p:spPr>
+          <a:xfrm>
+            <a:off x="2112363" y="2439649"/>
+            <a:ext cx="2479989" cy="696963"/>
+          </a:xfrm>
+          <a:prstGeom prst="straightConnector1">
+            <a:avLst/>
+          </a:prstGeom>
+          <a:ln w="76200">
+            <a:solidFill>
+              <a:srgbClr val="FF0000"/>
+            </a:solidFill>
+            <a:tailEnd type="triangle"/>
+          </a:ln>
+        </p:spPr>
+        <p:style>
+          <a:lnRef idx="1">
+            <a:schemeClr val="accent1"/>
+          </a:lnRef>
+          <a:fillRef idx="0">
+            <a:schemeClr val="accent1"/>
+          </a:fillRef>
+          <a:effectRef idx="0">
+            <a:schemeClr val="accent1"/>
+          </a:effectRef>
+          <a:fontRef idx="minor">
+            <a:schemeClr val="tx1"/>
+          </a:fontRef>
+        </p:style>
+      </p:cxnSp>
+      <p:sp>
+        <p:nvSpPr>
+          <p:cNvPr id="18" name="TextBox 17">
+            <a:extLst>
+              <a:ext uri="{FF2B5EF4-FFF2-40B4-BE49-F238E27FC236}">
+                <a16:creationId xmlns:a16="http://schemas.microsoft.com/office/drawing/2014/main" id="{AEBEF064-8716-6742-BD50-4A64DAE20723}"/>
+              </a:ext>
+            </a:extLst>
+          </p:cNvPr>
+          <p:cNvSpPr txBox="1"/>
+          <p:nvPr/>
+        </p:nvSpPr>
+        <p:spPr>
+          <a:xfrm>
+            <a:off x="1459282" y="4418350"/>
+            <a:ext cx="1834156" cy="584775"/>
+          </a:xfrm>
+          <a:prstGeom prst="rect">
+            <a:avLst/>
+          </a:prstGeom>
+          <a:noFill/>
+          <a:ln w="76200">
+            <a:solidFill>
+              <a:schemeClr val="tx1"/>
+            </a:solidFill>
+          </a:ln>
+        </p:spPr>
+        <p:txBody>
+          <a:bodyPr wrap="none" rtlCol="0">
+            <a:spAutoFit/>
+          </a:bodyPr>
+          <a:lstStyle/>
+          <a:p>
+            <a:r>
+              <a:rPr lang="en-US" sz="3200" dirty="0"/>
+              <a:t>Soil water</a:t>
+            </a:r>
+          </a:p>
+        </p:txBody>
+      </p:sp>
+      <p:cxnSp>
+        <p:nvCxnSpPr>
+          <p:cNvPr id="19" name="Straight Arrow Connector 18">
+            <a:extLst>
+              <a:ext uri="{FF2B5EF4-FFF2-40B4-BE49-F238E27FC236}">
+                <a16:creationId xmlns:a16="http://schemas.microsoft.com/office/drawing/2014/main" id="{8EBEA6F2-ECE8-FD44-BD35-E056F36A15E0}"/>
+              </a:ext>
+            </a:extLst>
+          </p:cNvPr>
+          <p:cNvCxnSpPr>
+            <a:cxnSpLocks/>
+            <a:stCxn id="18" idx="0"/>
+            <a:endCxn id="16" idx="2"/>
+          </p:cNvCxnSpPr>
+          <p:nvPr/>
+        </p:nvCxnSpPr>
+        <p:spPr>
+          <a:xfrm flipV="1">
+            <a:off x="2376360" y="3721387"/>
+            <a:ext cx="2215992" cy="696963"/>
+          </a:xfrm>
+          <a:prstGeom prst="straightConnector1">
+            <a:avLst/>
+          </a:prstGeom>
+          <a:ln w="76200">
+            <a:solidFill>
+              <a:srgbClr val="0432FF">
+                <a:alpha val="20000"/>
+              </a:srgbClr>
+            </a:solidFill>
+            <a:tailEnd type="triangle"/>
+          </a:ln>
+        </p:spPr>
+        <p:style>
+          <a:lnRef idx="1">
+            <a:schemeClr val="accent1"/>
+          </a:lnRef>
+          <a:fillRef idx="0">
+            <a:schemeClr val="accent1"/>
+          </a:fillRef>
+          <a:effectRef idx="0">
+            <a:schemeClr val="accent1"/>
+          </a:effectRef>
+          <a:fontRef idx="minor">
+            <a:schemeClr val="tx1"/>
+          </a:fontRef>
+        </p:style>
+      </p:cxnSp>
+      <p:sp>
+        <p:nvSpPr>
+          <p:cNvPr id="20" name="TextBox 19">
+            <a:extLst>
+              <a:ext uri="{FF2B5EF4-FFF2-40B4-BE49-F238E27FC236}">
+                <a16:creationId xmlns:a16="http://schemas.microsoft.com/office/drawing/2014/main" id="{189F9542-B668-0A43-BBC1-BBB6DE1F592A}"/>
+              </a:ext>
+            </a:extLst>
+          </p:cNvPr>
+          <p:cNvSpPr txBox="1"/>
+          <p:nvPr/>
+        </p:nvSpPr>
+        <p:spPr>
+          <a:xfrm>
+            <a:off x="2929003" y="430452"/>
+            <a:ext cx="846707" cy="584775"/>
+          </a:xfrm>
+          <a:prstGeom prst="rect">
+            <a:avLst/>
+          </a:prstGeom>
+          <a:noFill/>
+          <a:ln w="76200">
+            <a:solidFill>
+              <a:schemeClr val="tx1"/>
+            </a:solidFill>
+          </a:ln>
+        </p:spPr>
+        <p:txBody>
+          <a:bodyPr wrap="none" rtlCol="0">
+            <a:spAutoFit/>
+          </a:bodyPr>
+          <a:lstStyle/>
+          <a:p>
+            <a:r>
+              <a:rPr lang="en-US" sz="3200" dirty="0" err="1"/>
+              <a:t>Nfix</a:t>
+            </a:r>
+            <a:endParaRPr lang="en-US" sz="3200" dirty="0"/>
+          </a:p>
+        </p:txBody>
+      </p:sp>
+      <p:sp>
+        <p:nvSpPr>
+          <p:cNvPr id="21" name="TextBox 20">
+            <a:extLst>
+              <a:ext uri="{FF2B5EF4-FFF2-40B4-BE49-F238E27FC236}">
+                <a16:creationId xmlns:a16="http://schemas.microsoft.com/office/drawing/2014/main" id="{6598B6CD-315D-9745-9DFF-8B4220B37969}"/>
+              </a:ext>
+            </a:extLst>
+          </p:cNvPr>
+          <p:cNvSpPr txBox="1"/>
+          <p:nvPr/>
+        </p:nvSpPr>
+        <p:spPr>
+          <a:xfrm>
+            <a:off x="4286018" y="411358"/>
+            <a:ext cx="612668" cy="584775"/>
+          </a:xfrm>
+          <a:prstGeom prst="rect">
+            <a:avLst/>
+          </a:prstGeom>
+          <a:noFill/>
+          <a:ln w="76200">
+            <a:solidFill>
+              <a:schemeClr val="tx1"/>
+            </a:solidFill>
+          </a:ln>
+        </p:spPr>
+        <p:txBody>
+          <a:bodyPr wrap="none" rtlCol="0">
+            <a:spAutoFit/>
+          </a:bodyPr>
+          <a:lstStyle/>
+          <a:p>
+            <a:r>
+              <a:rPr lang="en-US" sz="3200" dirty="0"/>
+              <a:t>C4</a:t>
+            </a:r>
+          </a:p>
+        </p:txBody>
+      </p:sp>
+      <p:cxnSp>
+        <p:nvCxnSpPr>
+          <p:cNvPr id="22" name="Straight Arrow Connector 21">
+            <a:extLst>
+              <a:ext uri="{FF2B5EF4-FFF2-40B4-BE49-F238E27FC236}">
+                <a16:creationId xmlns:a16="http://schemas.microsoft.com/office/drawing/2014/main" id="{820875A0-B894-9943-8E24-E982CDDB43E1}"/>
+              </a:ext>
+            </a:extLst>
+          </p:cNvPr>
+          <p:cNvCxnSpPr>
+            <a:cxnSpLocks/>
+            <a:stCxn id="20" idx="2"/>
+            <a:endCxn id="16" idx="0"/>
+          </p:cNvCxnSpPr>
+          <p:nvPr/>
+        </p:nvCxnSpPr>
+        <p:spPr>
+          <a:xfrm>
+            <a:off x="3352357" y="1015227"/>
+            <a:ext cx="1239995" cy="2121385"/>
+          </a:xfrm>
+          <a:prstGeom prst="straightConnector1">
+            <a:avLst/>
+          </a:prstGeom>
+          <a:ln w="76200">
+            <a:solidFill>
+              <a:srgbClr val="FF0000">
+                <a:alpha val="20000"/>
+              </a:srgbClr>
+            </a:solidFill>
+            <a:tailEnd type="triangle"/>
+          </a:ln>
+        </p:spPr>
+        <p:style>
+          <a:lnRef idx="1">
+            <a:schemeClr val="accent1"/>
+          </a:lnRef>
+          <a:fillRef idx="0">
+            <a:schemeClr val="accent1"/>
+          </a:fillRef>
+          <a:effectRef idx="0">
+            <a:schemeClr val="accent1"/>
+          </a:effectRef>
+          <a:fontRef idx="minor">
+            <a:schemeClr val="tx1"/>
+          </a:fontRef>
+        </p:style>
+      </p:cxnSp>
+      <p:cxnSp>
+        <p:nvCxnSpPr>
+          <p:cNvPr id="23" name="Straight Arrow Connector 22">
+            <a:extLst>
+              <a:ext uri="{FF2B5EF4-FFF2-40B4-BE49-F238E27FC236}">
+                <a16:creationId xmlns:a16="http://schemas.microsoft.com/office/drawing/2014/main" id="{F1886A8D-69E3-084A-89E3-0675ABF4AE26}"/>
+              </a:ext>
+            </a:extLst>
+          </p:cNvPr>
+          <p:cNvCxnSpPr>
+            <a:cxnSpLocks/>
+            <a:stCxn id="21" idx="2"/>
+            <a:endCxn id="16" idx="0"/>
+          </p:cNvCxnSpPr>
+          <p:nvPr/>
+        </p:nvCxnSpPr>
+        <p:spPr>
+          <a:xfrm>
+            <a:off x="4592352" y="996133"/>
+            <a:ext cx="0" cy="2140479"/>
+          </a:xfrm>
+          <a:prstGeom prst="straightConnector1">
+            <a:avLst/>
+          </a:prstGeom>
+          <a:ln w="76200">
+            <a:solidFill>
+              <a:srgbClr val="FF0000"/>
+            </a:solidFill>
+            <a:tailEnd type="triangle"/>
+          </a:ln>
+        </p:spPr>
+        <p:style>
+          <a:lnRef idx="1">
+            <a:schemeClr val="accent1"/>
+          </a:lnRef>
+          <a:fillRef idx="0">
+            <a:schemeClr val="accent1"/>
+          </a:fillRef>
+          <a:effectRef idx="0">
+            <a:schemeClr val="accent1"/>
+          </a:effectRef>
+          <a:fontRef idx="minor">
+            <a:schemeClr val="tx1"/>
+          </a:fontRef>
+        </p:style>
+      </p:cxnSp>
+      <p:sp>
+        <p:nvSpPr>
+          <p:cNvPr id="24" name="TextBox 23">
+            <a:extLst>
+              <a:ext uri="{FF2B5EF4-FFF2-40B4-BE49-F238E27FC236}">
+                <a16:creationId xmlns:a16="http://schemas.microsoft.com/office/drawing/2014/main" id="{E85B1D1F-FDF7-6B4C-BE43-B47D70328EA0}"/>
+              </a:ext>
+            </a:extLst>
+          </p:cNvPr>
+          <p:cNvSpPr txBox="1"/>
+          <p:nvPr/>
+        </p:nvSpPr>
+        <p:spPr>
+          <a:xfrm>
+            <a:off x="1744826" y="3132863"/>
+            <a:ext cx="1564852" cy="584775"/>
+          </a:xfrm>
+          <a:prstGeom prst="rect">
+            <a:avLst/>
+          </a:prstGeom>
+          <a:noFill/>
+          <a:ln w="76200">
+            <a:solidFill>
+              <a:schemeClr val="tx1"/>
+            </a:solidFill>
+          </a:ln>
+        </p:spPr>
+        <p:txBody>
+          <a:bodyPr wrap="none" rtlCol="0">
+            <a:spAutoFit/>
+          </a:bodyPr>
+          <a:lstStyle/>
+          <a:p>
+            <a:r>
+              <a:rPr lang="en-US" sz="3200" dirty="0"/>
+              <a:t>Biomass</a:t>
+            </a:r>
+          </a:p>
+        </p:txBody>
+      </p:sp>
+      <p:cxnSp>
+        <p:nvCxnSpPr>
+          <p:cNvPr id="25" name="Straight Arrow Connector 24">
+            <a:extLst>
+              <a:ext uri="{FF2B5EF4-FFF2-40B4-BE49-F238E27FC236}">
+                <a16:creationId xmlns:a16="http://schemas.microsoft.com/office/drawing/2014/main" id="{59B0B79E-1790-AC41-9969-A8D016C47A82}"/>
+              </a:ext>
+            </a:extLst>
+          </p:cNvPr>
+          <p:cNvCxnSpPr>
+            <a:cxnSpLocks/>
+            <a:stCxn id="24" idx="0"/>
+            <a:endCxn id="15" idx="2"/>
+          </p:cNvCxnSpPr>
+          <p:nvPr/>
+        </p:nvCxnSpPr>
+        <p:spPr>
+          <a:xfrm flipH="1" flipV="1">
+            <a:off x="2112363" y="2439649"/>
+            <a:ext cx="414889" cy="693214"/>
+          </a:xfrm>
+          <a:prstGeom prst="straightConnector1">
+            <a:avLst/>
+          </a:prstGeom>
+          <a:ln w="76200">
+            <a:solidFill>
+              <a:srgbClr val="FF0000">
+                <a:alpha val="20000"/>
+              </a:srgbClr>
+            </a:solidFill>
+            <a:tailEnd type="triangle"/>
+          </a:ln>
+        </p:spPr>
+        <p:style>
+          <a:lnRef idx="1">
+            <a:schemeClr val="accent1"/>
+          </a:lnRef>
+          <a:fillRef idx="0">
+            <a:schemeClr val="accent1"/>
+          </a:fillRef>
+          <a:effectRef idx="0">
+            <a:schemeClr val="accent1"/>
+          </a:effectRef>
+          <a:fontRef idx="minor">
+            <a:schemeClr val="tx1"/>
+          </a:fontRef>
+        </p:style>
+      </p:cxnSp>
+      <p:cxnSp>
+        <p:nvCxnSpPr>
+          <p:cNvPr id="26" name="Straight Arrow Connector 25">
+            <a:extLst>
+              <a:ext uri="{FF2B5EF4-FFF2-40B4-BE49-F238E27FC236}">
+                <a16:creationId xmlns:a16="http://schemas.microsoft.com/office/drawing/2014/main" id="{A27A5D90-B361-9541-8E61-7673F14BB563}"/>
+              </a:ext>
+            </a:extLst>
+          </p:cNvPr>
+          <p:cNvCxnSpPr>
+            <a:cxnSpLocks/>
+            <a:stCxn id="24" idx="2"/>
+            <a:endCxn id="18" idx="0"/>
+          </p:cNvCxnSpPr>
+          <p:nvPr/>
+        </p:nvCxnSpPr>
+        <p:spPr>
+          <a:xfrm flipH="1">
+            <a:off x="2376360" y="3717638"/>
+            <a:ext cx="150892" cy="700712"/>
+          </a:xfrm>
+          <a:prstGeom prst="straightConnector1">
+            <a:avLst/>
+          </a:prstGeom>
+          <a:ln w="76200">
+            <a:solidFill>
+              <a:srgbClr val="FF0000">
+                <a:alpha val="20000"/>
+              </a:srgbClr>
+            </a:solidFill>
+            <a:tailEnd type="triangle"/>
+          </a:ln>
+        </p:spPr>
+        <p:style>
+          <a:lnRef idx="1">
+            <a:schemeClr val="accent1"/>
+          </a:lnRef>
+          <a:fillRef idx="0">
+            <a:schemeClr val="accent1"/>
+          </a:fillRef>
+          <a:effectRef idx="0">
+            <a:schemeClr val="accent1"/>
+          </a:effectRef>
+          <a:fontRef idx="minor">
+            <a:schemeClr val="tx1"/>
+          </a:fontRef>
+        </p:style>
+      </p:cxnSp>
+      <p:cxnSp>
+        <p:nvCxnSpPr>
+          <p:cNvPr id="27" name="Straight Arrow Connector 26">
+            <a:extLst>
+              <a:ext uri="{FF2B5EF4-FFF2-40B4-BE49-F238E27FC236}">
+                <a16:creationId xmlns:a16="http://schemas.microsoft.com/office/drawing/2014/main" id="{A406A4D3-0281-AB44-BB1E-DBADA5A1580E}"/>
+              </a:ext>
+            </a:extLst>
+          </p:cNvPr>
+          <p:cNvCxnSpPr>
+            <a:cxnSpLocks/>
+          </p:cNvCxnSpPr>
+          <p:nvPr/>
+        </p:nvCxnSpPr>
+        <p:spPr>
+          <a:xfrm flipV="1">
+            <a:off x="1459282" y="3721387"/>
+            <a:ext cx="285544" cy="696963"/>
+          </a:xfrm>
+          <a:prstGeom prst="straightConnector1">
+            <a:avLst/>
+          </a:prstGeom>
+          <a:ln w="76200">
+            <a:solidFill>
+              <a:srgbClr val="0432FF">
+                <a:alpha val="20000"/>
+              </a:srgbClr>
+            </a:solidFill>
+            <a:tailEnd type="triangle"/>
+          </a:ln>
+        </p:spPr>
+        <p:style>
+          <a:lnRef idx="1">
+            <a:schemeClr val="accent1"/>
+          </a:lnRef>
+          <a:fillRef idx="0">
+            <a:schemeClr val="accent1"/>
+          </a:fillRef>
+          <a:effectRef idx="0">
+            <a:schemeClr val="accent1"/>
+          </a:effectRef>
+          <a:fontRef idx="minor">
+            <a:schemeClr val="tx1"/>
+          </a:fontRef>
+        </p:style>
+      </p:cxnSp>
+      <p:cxnSp>
+        <p:nvCxnSpPr>
+          <p:cNvPr id="28" name="Straight Arrow Connector 27">
+            <a:extLst>
+              <a:ext uri="{FF2B5EF4-FFF2-40B4-BE49-F238E27FC236}">
+                <a16:creationId xmlns:a16="http://schemas.microsoft.com/office/drawing/2014/main" id="{60E0B598-881A-EA4D-9601-D15277FB3792}"/>
+              </a:ext>
+            </a:extLst>
+          </p:cNvPr>
+          <p:cNvCxnSpPr>
+            <a:cxnSpLocks/>
+          </p:cNvCxnSpPr>
+          <p:nvPr/>
+        </p:nvCxnSpPr>
+        <p:spPr>
+          <a:xfrm>
+            <a:off x="915048" y="2439648"/>
+            <a:ext cx="829778" cy="689466"/>
+          </a:xfrm>
+          <a:prstGeom prst="straightConnector1">
+            <a:avLst/>
+          </a:prstGeom>
+          <a:ln w="76200">
+            <a:solidFill>
+              <a:srgbClr val="0432FF">
+                <a:alpha val="20000"/>
+              </a:srgbClr>
+            </a:solidFill>
+            <a:tailEnd type="triangle"/>
+          </a:ln>
+        </p:spPr>
+        <p:style>
+          <a:lnRef idx="1">
+            <a:schemeClr val="accent1"/>
+          </a:lnRef>
+          <a:fillRef idx="0">
+            <a:schemeClr val="accent1"/>
+          </a:fillRef>
+          <a:effectRef idx="0">
+            <a:schemeClr val="accent1"/>
+          </a:effectRef>
+          <a:fontRef idx="minor">
+            <a:schemeClr val="tx1"/>
+          </a:fontRef>
+        </p:style>
+      </p:cxnSp>
+      <p:pic>
+        <p:nvPicPr>
+          <p:cNvPr id="2" name="Picture 1">
+            <a:extLst>
+              <a:ext uri="{FF2B5EF4-FFF2-40B4-BE49-F238E27FC236}">
+                <a16:creationId xmlns:a16="http://schemas.microsoft.com/office/drawing/2014/main" id="{9263D0C1-BB9A-4344-BC8B-DDD15EEF1769}"/>
+              </a:ext>
+            </a:extLst>
+          </p:cNvPr>
+          <p:cNvPicPr>
+            <a:picLocks noChangeAspect="1"/>
+          </p:cNvPicPr>
+          <p:nvPr/>
+        </p:nvPicPr>
+        <p:blipFill>
+          <a:blip r:embed="rId2"/>
+          <a:stretch>
+            <a:fillRect/>
+          </a:stretch>
+        </p:blipFill>
+        <p:spPr>
+          <a:xfrm>
+            <a:off x="5715328" y="722839"/>
+            <a:ext cx="6134100" cy="5702300"/>
+          </a:xfrm>
+          <a:prstGeom prst="rect">
+            <a:avLst/>
+          </a:prstGeom>
+        </p:spPr>
+      </p:pic>
+      <p:sp>
+        <p:nvSpPr>
+          <p:cNvPr id="3" name="TextBox 2">
+            <a:extLst>
+              <a:ext uri="{FF2B5EF4-FFF2-40B4-BE49-F238E27FC236}">
+                <a16:creationId xmlns:a16="http://schemas.microsoft.com/office/drawing/2014/main" id="{E2165A74-8812-DE4C-99B3-13183FD7324A}"/>
+              </a:ext>
+            </a:extLst>
+          </p:cNvPr>
+          <p:cNvSpPr txBox="1"/>
+          <p:nvPr/>
+        </p:nvSpPr>
+        <p:spPr>
+          <a:xfrm>
+            <a:off x="1244184" y="5996066"/>
+            <a:ext cx="4391780" cy="584775"/>
+          </a:xfrm>
+          <a:prstGeom prst="rect">
+            <a:avLst/>
+          </a:prstGeom>
+          <a:noFill/>
+        </p:spPr>
+        <p:txBody>
+          <a:bodyPr wrap="none" rtlCol="0">
+            <a:spAutoFit/>
+          </a:bodyPr>
+          <a:lstStyle/>
+          <a:p>
+            <a:r>
+              <a:rPr lang="en-US" sz="3200" dirty="0">
+                <a:solidFill>
+                  <a:srgbClr val="7030A0"/>
+                </a:solidFill>
+              </a:rPr>
+              <a:t>*Nothing really changes*</a:t>
+            </a:r>
+          </a:p>
+        </p:txBody>
+      </p:sp>
+    </p:spTree>
+    <p:extLst>
+      <p:ext uri="{BB962C8B-B14F-4D97-AF65-F5344CB8AC3E}">
+        <p14:creationId xmlns:p14="http://schemas.microsoft.com/office/powerpoint/2010/main" val="1126257745"/>
+      </p:ext>
+    </p:extLst>
+  </p:cSld>
+  <p:clrMapOvr>
+    <a:masterClrMapping/>
+  </p:clrMapOvr>
+</p:sld>
+</file>
+
+<file path=ppt/slides/slide22.xml><?xml version="1.0" encoding="utf-8"?>
+<p:sld xmlns:a="http://schemas.openxmlformats.org/drawingml/2006/main" xmlns:r="http://schemas.openxmlformats.org/officeDocument/2006/relationships" xmlns:p="http://schemas.openxmlformats.org/presentationml/2006/main">
+  <p:cSld>
+    <p:spTree>
+      <p:nvGrpSpPr>
+        <p:cNvPr id="1" name=""/>
+        <p:cNvGrpSpPr/>
+        <p:nvPr/>
+      </p:nvGrpSpPr>
+      <p:grpSpPr>
+        <a:xfrm>
+          <a:off x="0" y="0"/>
+          <a:ext cx="0" cy="0"/>
+          <a:chOff x="0" y="0"/>
+          <a:chExt cx="0" cy="0"/>
+        </a:xfrm>
+      </p:grpSpPr>
+      <p:sp>
+        <p:nvSpPr>
+          <p:cNvPr id="14" name="TextBox 13">
+            <a:extLst>
+              <a:ext uri="{FF2B5EF4-FFF2-40B4-BE49-F238E27FC236}">
+                <a16:creationId xmlns:a16="http://schemas.microsoft.com/office/drawing/2014/main" id="{E26FA297-1A19-FE43-890A-79FB96D913DA}"/>
+              </a:ext>
+            </a:extLst>
+          </p:cNvPr>
+          <p:cNvSpPr txBox="1"/>
+          <p:nvPr/>
+        </p:nvSpPr>
+        <p:spPr>
+          <a:xfrm>
+            <a:off x="7704948" y="1798820"/>
+            <a:ext cx="4122286" cy="2554545"/>
+          </a:xfrm>
+          <a:prstGeom prst="rect">
+            <a:avLst/>
+          </a:prstGeom>
+          <a:noFill/>
+        </p:spPr>
+        <p:txBody>
+          <a:bodyPr wrap="square" rtlCol="0">
+            <a:spAutoFit/>
+          </a:bodyPr>
+          <a:lstStyle/>
+          <a:p>
+            <a:r>
+              <a:rPr lang="en-US" sz="4000" dirty="0">
+                <a:solidFill>
+                  <a:srgbClr val="7030A0"/>
+                </a:solidFill>
+              </a:rPr>
+              <a:t>Question 3: can we take what we’ve learned to predict </a:t>
+            </a:r>
+            <a:r>
+              <a:rPr lang="el-GR" sz="4000" dirty="0">
+                <a:solidFill>
+                  <a:srgbClr val="7030A0"/>
+                </a:solidFill>
+              </a:rPr>
+              <a:t>χ</a:t>
+            </a:r>
+            <a:r>
+              <a:rPr lang="en-US" sz="4000" dirty="0">
+                <a:solidFill>
+                  <a:srgbClr val="7030A0"/>
+                </a:solidFill>
+              </a:rPr>
+              <a:t>?</a:t>
+            </a:r>
+          </a:p>
+        </p:txBody>
+      </p:sp>
+      <p:sp>
+        <p:nvSpPr>
+          <p:cNvPr id="29" name="TextBox 28">
+            <a:extLst>
+              <a:ext uri="{FF2B5EF4-FFF2-40B4-BE49-F238E27FC236}">
+                <a16:creationId xmlns:a16="http://schemas.microsoft.com/office/drawing/2014/main" id="{641C7200-90D6-3241-B2BA-7A8C39270AC9}"/>
+              </a:ext>
+            </a:extLst>
+          </p:cNvPr>
+          <p:cNvSpPr txBox="1"/>
+          <p:nvPr/>
+        </p:nvSpPr>
+        <p:spPr>
+          <a:xfrm>
+            <a:off x="915048" y="1854874"/>
+            <a:ext cx="2394630" cy="584775"/>
+          </a:xfrm>
+          <a:prstGeom prst="rect">
+            <a:avLst/>
+          </a:prstGeom>
+          <a:noFill/>
+          <a:ln w="76200">
+            <a:solidFill>
+              <a:schemeClr val="tx1"/>
+            </a:solidFill>
+          </a:ln>
+        </p:spPr>
+        <p:txBody>
+          <a:bodyPr wrap="none" rtlCol="0">
+            <a:spAutoFit/>
+          </a:bodyPr>
+          <a:lstStyle/>
+          <a:p>
+            <a:r>
+              <a:rPr lang="en-US" sz="3200" dirty="0"/>
+              <a:t>Soil nutrients</a:t>
+            </a:r>
+          </a:p>
+        </p:txBody>
+      </p:sp>
+      <p:sp>
+        <p:nvSpPr>
+          <p:cNvPr id="30" name="TextBox 29">
+            <a:extLst>
+              <a:ext uri="{FF2B5EF4-FFF2-40B4-BE49-F238E27FC236}">
+                <a16:creationId xmlns:a16="http://schemas.microsoft.com/office/drawing/2014/main" id="{C268E1A7-2C22-A840-9A5C-20B1A61E12F6}"/>
+              </a:ext>
+            </a:extLst>
+          </p:cNvPr>
+          <p:cNvSpPr txBox="1"/>
+          <p:nvPr/>
+        </p:nvSpPr>
+        <p:spPr>
+          <a:xfrm>
+            <a:off x="4391015" y="3136612"/>
+            <a:ext cx="402674" cy="584775"/>
+          </a:xfrm>
+          <a:prstGeom prst="rect">
+            <a:avLst/>
+          </a:prstGeom>
+          <a:noFill/>
+          <a:ln w="76200">
+            <a:solidFill>
+              <a:schemeClr val="tx1"/>
+            </a:solidFill>
+          </a:ln>
+        </p:spPr>
+        <p:txBody>
+          <a:bodyPr wrap="none" rtlCol="0">
+            <a:spAutoFit/>
+          </a:bodyPr>
+          <a:lstStyle/>
+          <a:p>
+            <a:r>
+              <a:rPr lang="el-GR" sz="3200" dirty="0"/>
+              <a:t>β</a:t>
+            </a:r>
+            <a:endParaRPr lang="en-US" sz="3200" dirty="0"/>
+          </a:p>
+        </p:txBody>
+      </p:sp>
+      <p:cxnSp>
+        <p:nvCxnSpPr>
+          <p:cNvPr id="31" name="Straight Arrow Connector 30">
+            <a:extLst>
+              <a:ext uri="{FF2B5EF4-FFF2-40B4-BE49-F238E27FC236}">
+                <a16:creationId xmlns:a16="http://schemas.microsoft.com/office/drawing/2014/main" id="{B4BD1DF6-0A2B-CA49-90C3-0E4E52696E8E}"/>
+              </a:ext>
+            </a:extLst>
+          </p:cNvPr>
+          <p:cNvCxnSpPr>
+            <a:cxnSpLocks/>
+            <a:stCxn id="29" idx="2"/>
+            <a:endCxn id="30" idx="0"/>
+          </p:cNvCxnSpPr>
+          <p:nvPr/>
+        </p:nvCxnSpPr>
+        <p:spPr>
+          <a:xfrm>
+            <a:off x="2112363" y="2439649"/>
+            <a:ext cx="2479989" cy="696963"/>
+          </a:xfrm>
+          <a:prstGeom prst="straightConnector1">
+            <a:avLst/>
+          </a:prstGeom>
+          <a:ln w="76200">
+            <a:solidFill>
+              <a:srgbClr val="FF0000"/>
+            </a:solidFill>
+            <a:tailEnd type="triangle"/>
+          </a:ln>
+        </p:spPr>
+        <p:style>
+          <a:lnRef idx="1">
+            <a:schemeClr val="accent1"/>
+          </a:lnRef>
+          <a:fillRef idx="0">
+            <a:schemeClr val="accent1"/>
+          </a:fillRef>
+          <a:effectRef idx="0">
+            <a:schemeClr val="accent1"/>
+          </a:effectRef>
+          <a:fontRef idx="minor">
+            <a:schemeClr val="tx1"/>
+          </a:fontRef>
+        </p:style>
+      </p:cxnSp>
+      <p:sp>
+        <p:nvSpPr>
+          <p:cNvPr id="32" name="TextBox 31">
+            <a:extLst>
+              <a:ext uri="{FF2B5EF4-FFF2-40B4-BE49-F238E27FC236}">
+                <a16:creationId xmlns:a16="http://schemas.microsoft.com/office/drawing/2014/main" id="{669DC5C3-E471-5548-9395-AB8CD1C789C5}"/>
+              </a:ext>
+            </a:extLst>
+          </p:cNvPr>
+          <p:cNvSpPr txBox="1"/>
+          <p:nvPr/>
+        </p:nvSpPr>
+        <p:spPr>
+          <a:xfrm>
+            <a:off x="1459282" y="4418350"/>
+            <a:ext cx="1834156" cy="584775"/>
+          </a:xfrm>
+          <a:prstGeom prst="rect">
+            <a:avLst/>
+          </a:prstGeom>
+          <a:noFill/>
+          <a:ln w="76200">
+            <a:solidFill>
+              <a:schemeClr val="tx1"/>
+            </a:solidFill>
+          </a:ln>
+        </p:spPr>
+        <p:txBody>
+          <a:bodyPr wrap="none" rtlCol="0">
+            <a:spAutoFit/>
+          </a:bodyPr>
+          <a:lstStyle/>
+          <a:p>
+            <a:r>
+              <a:rPr lang="en-US" sz="3200" dirty="0"/>
+              <a:t>Soil water</a:t>
+            </a:r>
+          </a:p>
+        </p:txBody>
+      </p:sp>
+      <p:cxnSp>
+        <p:nvCxnSpPr>
+          <p:cNvPr id="33" name="Straight Arrow Connector 32">
+            <a:extLst>
+              <a:ext uri="{FF2B5EF4-FFF2-40B4-BE49-F238E27FC236}">
+                <a16:creationId xmlns:a16="http://schemas.microsoft.com/office/drawing/2014/main" id="{DE8A326C-7047-CF41-8ED7-03DD8FD74A92}"/>
+              </a:ext>
+            </a:extLst>
+          </p:cNvPr>
+          <p:cNvCxnSpPr>
+            <a:cxnSpLocks/>
+            <a:stCxn id="32" idx="0"/>
+            <a:endCxn id="30" idx="2"/>
+          </p:cNvCxnSpPr>
+          <p:nvPr/>
+        </p:nvCxnSpPr>
+        <p:spPr>
+          <a:xfrm flipV="1">
+            <a:off x="2376360" y="3721387"/>
+            <a:ext cx="2215992" cy="696963"/>
+          </a:xfrm>
+          <a:prstGeom prst="straightConnector1">
+            <a:avLst/>
+          </a:prstGeom>
+          <a:ln w="76200">
+            <a:solidFill>
+              <a:srgbClr val="0432FF">
+                <a:alpha val="20000"/>
+              </a:srgbClr>
+            </a:solidFill>
+            <a:tailEnd type="triangle"/>
+          </a:ln>
+        </p:spPr>
+        <p:style>
+          <a:lnRef idx="1">
+            <a:schemeClr val="accent1"/>
+          </a:lnRef>
+          <a:fillRef idx="0">
+            <a:schemeClr val="accent1"/>
+          </a:fillRef>
+          <a:effectRef idx="0">
+            <a:schemeClr val="accent1"/>
+          </a:effectRef>
+          <a:fontRef idx="minor">
+            <a:schemeClr val="tx1"/>
+          </a:fontRef>
+        </p:style>
+      </p:cxnSp>
+      <p:sp>
+        <p:nvSpPr>
+          <p:cNvPr id="34" name="TextBox 33">
+            <a:extLst>
+              <a:ext uri="{FF2B5EF4-FFF2-40B4-BE49-F238E27FC236}">
+                <a16:creationId xmlns:a16="http://schemas.microsoft.com/office/drawing/2014/main" id="{51782479-F603-614F-B028-4F10A50C9C57}"/>
+              </a:ext>
+            </a:extLst>
+          </p:cNvPr>
+          <p:cNvSpPr txBox="1"/>
+          <p:nvPr/>
+        </p:nvSpPr>
+        <p:spPr>
+          <a:xfrm>
+            <a:off x="5789667" y="3132864"/>
+            <a:ext cx="359394" cy="584775"/>
+          </a:xfrm>
+          <a:prstGeom prst="rect">
+            <a:avLst/>
+          </a:prstGeom>
+          <a:noFill/>
+          <a:ln w="76200">
+            <a:solidFill>
+              <a:schemeClr val="tx1"/>
+            </a:solidFill>
+          </a:ln>
+        </p:spPr>
+        <p:txBody>
+          <a:bodyPr wrap="none" rtlCol="0">
+            <a:spAutoFit/>
+          </a:bodyPr>
+          <a:lstStyle/>
+          <a:p>
+            <a:r>
+              <a:rPr lang="el-GR" sz="3200" dirty="0"/>
+              <a:t>χ</a:t>
+            </a:r>
+            <a:endParaRPr lang="en-US" sz="3200" dirty="0"/>
+          </a:p>
+        </p:txBody>
+      </p:sp>
+      <p:cxnSp>
+        <p:nvCxnSpPr>
+          <p:cNvPr id="35" name="Straight Arrow Connector 34">
+            <a:extLst>
+              <a:ext uri="{FF2B5EF4-FFF2-40B4-BE49-F238E27FC236}">
+                <a16:creationId xmlns:a16="http://schemas.microsoft.com/office/drawing/2014/main" id="{44FC82DA-58C4-D448-BC46-C8AC8CFE550F}"/>
+              </a:ext>
+            </a:extLst>
+          </p:cNvPr>
+          <p:cNvCxnSpPr>
+            <a:cxnSpLocks/>
+            <a:stCxn id="30" idx="3"/>
+            <a:endCxn id="34" idx="1"/>
+          </p:cNvCxnSpPr>
+          <p:nvPr/>
+        </p:nvCxnSpPr>
+        <p:spPr>
+          <a:xfrm flipV="1">
+            <a:off x="4793689" y="3425252"/>
+            <a:ext cx="995978" cy="3748"/>
+          </a:xfrm>
+          <a:prstGeom prst="straightConnector1">
+            <a:avLst/>
+          </a:prstGeom>
+          <a:ln w="76200">
+            <a:solidFill>
+              <a:srgbClr val="0432FF"/>
+            </a:solidFill>
+            <a:tailEnd type="triangle"/>
+          </a:ln>
+        </p:spPr>
+        <p:style>
+          <a:lnRef idx="1">
+            <a:schemeClr val="accent1"/>
+          </a:lnRef>
+          <a:fillRef idx="0">
+            <a:schemeClr val="accent1"/>
+          </a:fillRef>
+          <a:effectRef idx="0">
+            <a:schemeClr val="accent1"/>
+          </a:effectRef>
+          <a:fontRef idx="minor">
+            <a:schemeClr val="tx1"/>
+          </a:fontRef>
+        </p:style>
+      </p:cxnSp>
+      <p:sp>
+        <p:nvSpPr>
+          <p:cNvPr id="36" name="TextBox 35">
+            <a:extLst>
+              <a:ext uri="{FF2B5EF4-FFF2-40B4-BE49-F238E27FC236}">
+                <a16:creationId xmlns:a16="http://schemas.microsoft.com/office/drawing/2014/main" id="{CD1CA418-18EA-064D-B873-DD0C7CA1856D}"/>
+              </a:ext>
+            </a:extLst>
+          </p:cNvPr>
+          <p:cNvSpPr txBox="1"/>
+          <p:nvPr/>
+        </p:nvSpPr>
+        <p:spPr>
+          <a:xfrm>
+            <a:off x="5011312" y="1854873"/>
+            <a:ext cx="881973" cy="584775"/>
+          </a:xfrm>
+          <a:prstGeom prst="rect">
+            <a:avLst/>
+          </a:prstGeom>
+          <a:noFill/>
+          <a:ln w="76200">
+            <a:solidFill>
+              <a:schemeClr val="tx1"/>
+            </a:solidFill>
+          </a:ln>
+        </p:spPr>
+        <p:txBody>
+          <a:bodyPr wrap="none" rtlCol="0">
+            <a:spAutoFit/>
+          </a:bodyPr>
+          <a:lstStyle/>
+          <a:p>
+            <a:r>
+              <a:rPr lang="en-US" sz="3200" dirty="0"/>
+              <a:t>VPD</a:t>
+            </a:r>
+          </a:p>
+        </p:txBody>
+      </p:sp>
+      <p:sp>
+        <p:nvSpPr>
+          <p:cNvPr id="37" name="TextBox 36">
+            <a:extLst>
+              <a:ext uri="{FF2B5EF4-FFF2-40B4-BE49-F238E27FC236}">
+                <a16:creationId xmlns:a16="http://schemas.microsoft.com/office/drawing/2014/main" id="{B2F0C056-683A-A44F-814D-035AAE3D5CF3}"/>
+              </a:ext>
+            </a:extLst>
+          </p:cNvPr>
+          <p:cNvSpPr txBox="1"/>
+          <p:nvPr/>
+        </p:nvSpPr>
+        <p:spPr>
+          <a:xfrm>
+            <a:off x="6485667" y="1854873"/>
+            <a:ext cx="385042" cy="584775"/>
+          </a:xfrm>
+          <a:prstGeom prst="rect">
+            <a:avLst/>
+          </a:prstGeom>
+          <a:noFill/>
+          <a:ln w="76200">
+            <a:solidFill>
+              <a:schemeClr val="tx1"/>
+            </a:solidFill>
+          </a:ln>
+        </p:spPr>
+        <p:txBody>
+          <a:bodyPr wrap="none" rtlCol="0">
+            <a:spAutoFit/>
+          </a:bodyPr>
+          <a:lstStyle/>
+          <a:p>
+            <a:r>
+              <a:rPr lang="en-US" sz="3200" dirty="0"/>
+              <a:t>T</a:t>
+            </a:r>
+          </a:p>
+        </p:txBody>
+      </p:sp>
+      <p:cxnSp>
+        <p:nvCxnSpPr>
+          <p:cNvPr id="38" name="Straight Arrow Connector 37">
+            <a:extLst>
+              <a:ext uri="{FF2B5EF4-FFF2-40B4-BE49-F238E27FC236}">
+                <a16:creationId xmlns:a16="http://schemas.microsoft.com/office/drawing/2014/main" id="{EEFF5A83-36CA-8D42-9854-090BFD0AC297}"/>
+              </a:ext>
+            </a:extLst>
+          </p:cNvPr>
+          <p:cNvCxnSpPr>
+            <a:cxnSpLocks/>
+            <a:stCxn id="36" idx="2"/>
+            <a:endCxn id="34" idx="0"/>
+          </p:cNvCxnSpPr>
+          <p:nvPr/>
+        </p:nvCxnSpPr>
+        <p:spPr>
+          <a:xfrm>
+            <a:off x="5452299" y="2439648"/>
+            <a:ext cx="517065" cy="693216"/>
+          </a:xfrm>
+          <a:prstGeom prst="straightConnector1">
+            <a:avLst/>
+          </a:prstGeom>
+          <a:ln w="76200">
+            <a:solidFill>
+              <a:srgbClr val="FF0000"/>
+            </a:solidFill>
+            <a:tailEnd type="triangle"/>
+          </a:ln>
+        </p:spPr>
+        <p:style>
+          <a:lnRef idx="1">
+            <a:schemeClr val="accent1"/>
+          </a:lnRef>
+          <a:fillRef idx="0">
+            <a:schemeClr val="accent1"/>
+          </a:fillRef>
+          <a:effectRef idx="0">
+            <a:schemeClr val="accent1"/>
+          </a:effectRef>
+          <a:fontRef idx="minor">
+            <a:schemeClr val="tx1"/>
+          </a:fontRef>
+        </p:style>
+      </p:cxnSp>
+      <p:cxnSp>
+        <p:nvCxnSpPr>
+          <p:cNvPr id="39" name="Straight Arrow Connector 38">
+            <a:extLst>
+              <a:ext uri="{FF2B5EF4-FFF2-40B4-BE49-F238E27FC236}">
+                <a16:creationId xmlns:a16="http://schemas.microsoft.com/office/drawing/2014/main" id="{9DAD6FE4-818C-EB46-98ED-7A886FBA3A2E}"/>
+              </a:ext>
+            </a:extLst>
+          </p:cNvPr>
+          <p:cNvCxnSpPr>
+            <a:cxnSpLocks/>
+            <a:stCxn id="37" idx="2"/>
+            <a:endCxn id="34" idx="0"/>
+          </p:cNvCxnSpPr>
+          <p:nvPr/>
+        </p:nvCxnSpPr>
+        <p:spPr>
+          <a:xfrm flipH="1">
+            <a:off x="5969364" y="2439648"/>
+            <a:ext cx="708824" cy="693216"/>
+          </a:xfrm>
+          <a:prstGeom prst="straightConnector1">
+            <a:avLst/>
+          </a:prstGeom>
+          <a:ln w="76200">
+            <a:solidFill>
+              <a:srgbClr val="0432FF"/>
+            </a:solidFill>
+            <a:tailEnd type="triangle"/>
+          </a:ln>
+        </p:spPr>
+        <p:style>
+          <a:lnRef idx="1">
+            <a:schemeClr val="accent1"/>
+          </a:lnRef>
+          <a:fillRef idx="0">
+            <a:schemeClr val="accent1"/>
+          </a:fillRef>
+          <a:effectRef idx="0">
+            <a:schemeClr val="accent1"/>
+          </a:effectRef>
+          <a:fontRef idx="minor">
+            <a:schemeClr val="tx1"/>
+          </a:fontRef>
+        </p:style>
+      </p:cxnSp>
+      <p:sp>
+        <p:nvSpPr>
+          <p:cNvPr id="40" name="TextBox 39">
+            <a:extLst>
+              <a:ext uri="{FF2B5EF4-FFF2-40B4-BE49-F238E27FC236}">
+                <a16:creationId xmlns:a16="http://schemas.microsoft.com/office/drawing/2014/main" id="{00A98B91-1CBA-1145-B40D-11CC62F343FC}"/>
+              </a:ext>
+            </a:extLst>
+          </p:cNvPr>
+          <p:cNvSpPr txBox="1"/>
+          <p:nvPr/>
+        </p:nvSpPr>
+        <p:spPr>
+          <a:xfrm>
+            <a:off x="2929003" y="430452"/>
+            <a:ext cx="846707" cy="584775"/>
+          </a:xfrm>
+          <a:prstGeom prst="rect">
+            <a:avLst/>
+          </a:prstGeom>
+          <a:noFill/>
+          <a:ln w="76200">
+            <a:solidFill>
+              <a:schemeClr val="tx1"/>
+            </a:solidFill>
+          </a:ln>
+        </p:spPr>
+        <p:txBody>
+          <a:bodyPr wrap="none" rtlCol="0">
+            <a:spAutoFit/>
+          </a:bodyPr>
+          <a:lstStyle/>
+          <a:p>
+            <a:r>
+              <a:rPr lang="en-US" sz="3200" dirty="0" err="1"/>
+              <a:t>Nfix</a:t>
+            </a:r>
+            <a:endParaRPr lang="en-US" sz="3200" dirty="0"/>
+          </a:p>
+        </p:txBody>
+      </p:sp>
+      <p:sp>
+        <p:nvSpPr>
+          <p:cNvPr id="41" name="TextBox 40">
+            <a:extLst>
+              <a:ext uri="{FF2B5EF4-FFF2-40B4-BE49-F238E27FC236}">
+                <a16:creationId xmlns:a16="http://schemas.microsoft.com/office/drawing/2014/main" id="{11BBFF44-054C-9445-B560-39693C86642B}"/>
+              </a:ext>
+            </a:extLst>
+          </p:cNvPr>
+          <p:cNvSpPr txBox="1"/>
+          <p:nvPr/>
+        </p:nvSpPr>
+        <p:spPr>
+          <a:xfrm>
+            <a:off x="4286018" y="411358"/>
+            <a:ext cx="612668" cy="584775"/>
+          </a:xfrm>
+          <a:prstGeom prst="rect">
+            <a:avLst/>
+          </a:prstGeom>
+          <a:noFill/>
+          <a:ln w="76200">
+            <a:solidFill>
+              <a:schemeClr val="tx1"/>
+            </a:solidFill>
+          </a:ln>
+        </p:spPr>
+        <p:txBody>
+          <a:bodyPr wrap="none" rtlCol="0">
+            <a:spAutoFit/>
+          </a:bodyPr>
+          <a:lstStyle/>
+          <a:p>
+            <a:r>
+              <a:rPr lang="en-US" sz="3200" dirty="0"/>
+              <a:t>C4</a:t>
+            </a:r>
+          </a:p>
+        </p:txBody>
+      </p:sp>
+      <p:cxnSp>
+        <p:nvCxnSpPr>
+          <p:cNvPr id="42" name="Straight Arrow Connector 41">
+            <a:extLst>
+              <a:ext uri="{FF2B5EF4-FFF2-40B4-BE49-F238E27FC236}">
+                <a16:creationId xmlns:a16="http://schemas.microsoft.com/office/drawing/2014/main" id="{FB8B9073-CA10-4347-9C0A-8F94B60B4AFE}"/>
+              </a:ext>
+            </a:extLst>
+          </p:cNvPr>
+          <p:cNvCxnSpPr>
+            <a:cxnSpLocks/>
+            <a:stCxn id="40" idx="2"/>
+            <a:endCxn id="30" idx="0"/>
+          </p:cNvCxnSpPr>
+          <p:nvPr/>
+        </p:nvCxnSpPr>
+        <p:spPr>
+          <a:xfrm>
+            <a:off x="3352357" y="1015227"/>
+            <a:ext cx="1239995" cy="2121385"/>
+          </a:xfrm>
+          <a:prstGeom prst="straightConnector1">
+            <a:avLst/>
+          </a:prstGeom>
+          <a:ln w="76200">
+            <a:solidFill>
+              <a:srgbClr val="FF0000">
+                <a:alpha val="20000"/>
+              </a:srgbClr>
+            </a:solidFill>
+            <a:tailEnd type="triangle"/>
+          </a:ln>
+        </p:spPr>
+        <p:style>
+          <a:lnRef idx="1">
+            <a:schemeClr val="accent1"/>
+          </a:lnRef>
+          <a:fillRef idx="0">
+            <a:schemeClr val="accent1"/>
+          </a:fillRef>
+          <a:effectRef idx="0">
+            <a:schemeClr val="accent1"/>
+          </a:effectRef>
+          <a:fontRef idx="minor">
+            <a:schemeClr val="tx1"/>
+          </a:fontRef>
+        </p:style>
+      </p:cxnSp>
+      <p:cxnSp>
+        <p:nvCxnSpPr>
+          <p:cNvPr id="43" name="Straight Arrow Connector 42">
+            <a:extLst>
+              <a:ext uri="{FF2B5EF4-FFF2-40B4-BE49-F238E27FC236}">
+                <a16:creationId xmlns:a16="http://schemas.microsoft.com/office/drawing/2014/main" id="{600F3363-5F7A-4248-8A73-AA4339C47763}"/>
+              </a:ext>
+            </a:extLst>
+          </p:cNvPr>
+          <p:cNvCxnSpPr>
+            <a:cxnSpLocks/>
+            <a:stCxn id="41" idx="2"/>
+            <a:endCxn id="30" idx="0"/>
+          </p:cNvCxnSpPr>
+          <p:nvPr/>
+        </p:nvCxnSpPr>
+        <p:spPr>
+          <a:xfrm>
+            <a:off x="4592352" y="996133"/>
+            <a:ext cx="0" cy="2140479"/>
+          </a:xfrm>
+          <a:prstGeom prst="straightConnector1">
+            <a:avLst/>
+          </a:prstGeom>
+          <a:ln w="76200">
+            <a:solidFill>
+              <a:srgbClr val="FF0000"/>
+            </a:solidFill>
+            <a:tailEnd type="triangle"/>
+          </a:ln>
+        </p:spPr>
+        <p:style>
+          <a:lnRef idx="1">
+            <a:schemeClr val="accent1"/>
+          </a:lnRef>
+          <a:fillRef idx="0">
+            <a:schemeClr val="accent1"/>
+          </a:fillRef>
+          <a:effectRef idx="0">
+            <a:schemeClr val="accent1"/>
+          </a:effectRef>
+          <a:fontRef idx="minor">
+            <a:schemeClr val="tx1"/>
+          </a:fontRef>
+        </p:style>
+      </p:cxnSp>
+      <p:sp>
+        <p:nvSpPr>
+          <p:cNvPr id="44" name="TextBox 43">
+            <a:extLst>
+              <a:ext uri="{FF2B5EF4-FFF2-40B4-BE49-F238E27FC236}">
+                <a16:creationId xmlns:a16="http://schemas.microsoft.com/office/drawing/2014/main" id="{8B0B7A92-C73B-E044-8D33-85ABE8C541C9}"/>
+              </a:ext>
+            </a:extLst>
+          </p:cNvPr>
+          <p:cNvSpPr txBox="1"/>
+          <p:nvPr/>
+        </p:nvSpPr>
+        <p:spPr>
+          <a:xfrm>
+            <a:off x="1744826" y="3132863"/>
+            <a:ext cx="1564852" cy="584775"/>
+          </a:xfrm>
+          <a:prstGeom prst="rect">
+            <a:avLst/>
+          </a:prstGeom>
+          <a:noFill/>
+          <a:ln w="76200">
+            <a:solidFill>
+              <a:schemeClr val="tx1"/>
+            </a:solidFill>
+          </a:ln>
+        </p:spPr>
+        <p:txBody>
+          <a:bodyPr wrap="none" rtlCol="0">
+            <a:spAutoFit/>
+          </a:bodyPr>
+          <a:lstStyle/>
+          <a:p>
+            <a:r>
+              <a:rPr lang="en-US" sz="3200" dirty="0"/>
+              <a:t>Biomass</a:t>
+            </a:r>
+          </a:p>
+        </p:txBody>
+      </p:sp>
+      <p:cxnSp>
+        <p:nvCxnSpPr>
+          <p:cNvPr id="45" name="Straight Arrow Connector 44">
+            <a:extLst>
+              <a:ext uri="{FF2B5EF4-FFF2-40B4-BE49-F238E27FC236}">
+                <a16:creationId xmlns:a16="http://schemas.microsoft.com/office/drawing/2014/main" id="{B46A53BE-FBE2-B248-BBF7-EDE926CB2F0D}"/>
+              </a:ext>
+            </a:extLst>
+          </p:cNvPr>
+          <p:cNvCxnSpPr>
+            <a:cxnSpLocks/>
+            <a:stCxn id="44" idx="0"/>
+            <a:endCxn id="29" idx="2"/>
+          </p:cNvCxnSpPr>
+          <p:nvPr/>
+        </p:nvCxnSpPr>
+        <p:spPr>
+          <a:xfrm flipH="1" flipV="1">
+            <a:off x="2112363" y="2439649"/>
+            <a:ext cx="414889" cy="693214"/>
+          </a:xfrm>
+          <a:prstGeom prst="straightConnector1">
+            <a:avLst/>
+          </a:prstGeom>
+          <a:ln w="76200">
+            <a:solidFill>
+              <a:srgbClr val="FF0000">
+                <a:alpha val="20000"/>
+              </a:srgbClr>
+            </a:solidFill>
+            <a:tailEnd type="triangle"/>
+          </a:ln>
+        </p:spPr>
+        <p:style>
+          <a:lnRef idx="1">
+            <a:schemeClr val="accent1"/>
+          </a:lnRef>
+          <a:fillRef idx="0">
+            <a:schemeClr val="accent1"/>
+          </a:fillRef>
+          <a:effectRef idx="0">
+            <a:schemeClr val="accent1"/>
+          </a:effectRef>
+          <a:fontRef idx="minor">
+            <a:schemeClr val="tx1"/>
+          </a:fontRef>
+        </p:style>
+      </p:cxnSp>
+      <p:cxnSp>
+        <p:nvCxnSpPr>
+          <p:cNvPr id="46" name="Straight Arrow Connector 45">
+            <a:extLst>
+              <a:ext uri="{FF2B5EF4-FFF2-40B4-BE49-F238E27FC236}">
+                <a16:creationId xmlns:a16="http://schemas.microsoft.com/office/drawing/2014/main" id="{F162F47B-D0EB-534D-9B61-96B055087D6B}"/>
+              </a:ext>
+            </a:extLst>
+          </p:cNvPr>
+          <p:cNvCxnSpPr>
+            <a:cxnSpLocks/>
+            <a:stCxn id="44" idx="2"/>
+            <a:endCxn id="32" idx="0"/>
+          </p:cNvCxnSpPr>
+          <p:nvPr/>
+        </p:nvCxnSpPr>
+        <p:spPr>
+          <a:xfrm flipH="1">
+            <a:off x="2376360" y="3717638"/>
+            <a:ext cx="150892" cy="700712"/>
+          </a:xfrm>
+          <a:prstGeom prst="straightConnector1">
+            <a:avLst/>
+          </a:prstGeom>
+          <a:ln w="76200">
+            <a:solidFill>
+              <a:srgbClr val="FF0000">
+                <a:alpha val="20000"/>
+              </a:srgbClr>
+            </a:solidFill>
+            <a:tailEnd type="triangle"/>
+          </a:ln>
+        </p:spPr>
+        <p:style>
+          <a:lnRef idx="1">
+            <a:schemeClr val="accent1"/>
+          </a:lnRef>
+          <a:fillRef idx="0">
+            <a:schemeClr val="accent1"/>
+          </a:fillRef>
+          <a:effectRef idx="0">
+            <a:schemeClr val="accent1"/>
+          </a:effectRef>
+          <a:fontRef idx="minor">
+            <a:schemeClr val="tx1"/>
+          </a:fontRef>
+        </p:style>
+      </p:cxnSp>
+      <p:cxnSp>
+        <p:nvCxnSpPr>
+          <p:cNvPr id="47" name="Straight Arrow Connector 46">
+            <a:extLst>
+              <a:ext uri="{FF2B5EF4-FFF2-40B4-BE49-F238E27FC236}">
+                <a16:creationId xmlns:a16="http://schemas.microsoft.com/office/drawing/2014/main" id="{04DB9520-C184-D347-A659-EC6868EA3132}"/>
+              </a:ext>
+            </a:extLst>
+          </p:cNvPr>
+          <p:cNvCxnSpPr>
+            <a:cxnSpLocks/>
+          </p:cNvCxnSpPr>
+          <p:nvPr/>
+        </p:nvCxnSpPr>
+        <p:spPr>
+          <a:xfrm flipV="1">
+            <a:off x="1459282" y="3721387"/>
+            <a:ext cx="285544" cy="696963"/>
+          </a:xfrm>
+          <a:prstGeom prst="straightConnector1">
+            <a:avLst/>
+          </a:prstGeom>
+          <a:ln w="76200">
+            <a:solidFill>
+              <a:srgbClr val="0432FF">
+                <a:alpha val="20000"/>
+              </a:srgbClr>
+            </a:solidFill>
+            <a:tailEnd type="triangle"/>
+          </a:ln>
+        </p:spPr>
+        <p:style>
+          <a:lnRef idx="1">
+            <a:schemeClr val="accent1"/>
+          </a:lnRef>
+          <a:fillRef idx="0">
+            <a:schemeClr val="accent1"/>
+          </a:fillRef>
+          <a:effectRef idx="0">
+            <a:schemeClr val="accent1"/>
+          </a:effectRef>
+          <a:fontRef idx="minor">
+            <a:schemeClr val="tx1"/>
+          </a:fontRef>
+        </p:style>
+      </p:cxnSp>
+      <p:cxnSp>
+        <p:nvCxnSpPr>
+          <p:cNvPr id="48" name="Straight Arrow Connector 47">
+            <a:extLst>
+              <a:ext uri="{FF2B5EF4-FFF2-40B4-BE49-F238E27FC236}">
+                <a16:creationId xmlns:a16="http://schemas.microsoft.com/office/drawing/2014/main" id="{52BAF1D4-8771-9E43-8BA6-2E32BF77FE1C}"/>
+              </a:ext>
+            </a:extLst>
+          </p:cNvPr>
+          <p:cNvCxnSpPr>
+            <a:cxnSpLocks/>
+          </p:cNvCxnSpPr>
+          <p:nvPr/>
+        </p:nvCxnSpPr>
+        <p:spPr>
+          <a:xfrm>
+            <a:off x="915048" y="2439648"/>
+            <a:ext cx="829778" cy="689466"/>
+          </a:xfrm>
+          <a:prstGeom prst="straightConnector1">
+            <a:avLst/>
+          </a:prstGeom>
+          <a:ln w="76200">
+            <a:solidFill>
+              <a:srgbClr val="0432FF">
+                <a:alpha val="20000"/>
+              </a:srgbClr>
+            </a:solidFill>
+            <a:tailEnd type="triangle"/>
+          </a:ln>
+        </p:spPr>
+        <p:style>
+          <a:lnRef idx="1">
+            <a:schemeClr val="accent1"/>
+          </a:lnRef>
+          <a:fillRef idx="0">
+            <a:schemeClr val="accent1"/>
+          </a:fillRef>
+          <a:effectRef idx="0">
+            <a:schemeClr val="accent1"/>
+          </a:effectRef>
+          <a:fontRef idx="minor">
+            <a:schemeClr val="tx1"/>
+          </a:fontRef>
+        </p:style>
+      </p:cxnSp>
+    </p:spTree>
+    <p:extLst>
+      <p:ext uri="{BB962C8B-B14F-4D97-AF65-F5344CB8AC3E}">
+        <p14:creationId xmlns:p14="http://schemas.microsoft.com/office/powerpoint/2010/main" val="89954389"/>
+      </p:ext>
+    </p:extLst>
+  </p:cSld>
+  <p:clrMapOvr>
+    <a:masterClrMapping/>
+  </p:clrMapOvr>
+</p:sld>
+</file>
+
+<file path=ppt/slides/slide23.xml><?xml version="1.0" encoding="utf-8"?>
+<p:sld xmlns:a="http://schemas.openxmlformats.org/drawingml/2006/main" xmlns:r="http://schemas.openxmlformats.org/officeDocument/2006/relationships" xmlns:p="http://schemas.openxmlformats.org/presentationml/2006/main">
+  <p:cSld>
+    <p:spTree>
+      <p:nvGrpSpPr>
+        <p:cNvPr id="1" name=""/>
+        <p:cNvGrpSpPr/>
+        <p:nvPr/>
+      </p:nvGrpSpPr>
+      <p:grpSpPr>
+        <a:xfrm>
+          <a:off x="0" y="0"/>
+          <a:ext cx="0" cy="0"/>
+          <a:chOff x="0" y="0"/>
+          <a:chExt cx="0" cy="0"/>
+        </a:xfrm>
+      </p:grpSpPr>
+      <p:sp>
+        <p:nvSpPr>
+          <p:cNvPr id="14" name="TextBox 13">
+            <a:extLst>
+              <a:ext uri="{FF2B5EF4-FFF2-40B4-BE49-F238E27FC236}">
+                <a16:creationId xmlns:a16="http://schemas.microsoft.com/office/drawing/2014/main" id="{E26FA297-1A19-FE43-890A-79FB96D913DA}"/>
+              </a:ext>
+            </a:extLst>
+          </p:cNvPr>
+          <p:cNvSpPr txBox="1"/>
+          <p:nvPr/>
+        </p:nvSpPr>
+        <p:spPr>
+          <a:xfrm>
+            <a:off x="7704948" y="1798820"/>
+            <a:ext cx="4122286" cy="3785652"/>
+          </a:xfrm>
+          <a:prstGeom prst="rect">
+            <a:avLst/>
+          </a:prstGeom>
+          <a:noFill/>
+        </p:spPr>
+        <p:txBody>
+          <a:bodyPr wrap="square" rtlCol="0">
+            <a:spAutoFit/>
+          </a:bodyPr>
+          <a:lstStyle/>
+          <a:p>
+            <a:r>
+              <a:rPr lang="el-GR" sz="4000" dirty="0">
+                <a:solidFill>
+                  <a:srgbClr val="7030A0"/>
+                </a:solidFill>
+              </a:rPr>
+              <a:t>χ</a:t>
+            </a:r>
+            <a:r>
+              <a:rPr lang="en-US" sz="4000" dirty="0">
+                <a:solidFill>
+                  <a:srgbClr val="7030A0"/>
+                </a:solidFill>
+              </a:rPr>
+              <a:t> ~ N*P*K + moisture + </a:t>
+            </a:r>
+          </a:p>
+          <a:p>
+            <a:r>
+              <a:rPr lang="en-US" sz="4000" dirty="0" err="1">
+                <a:solidFill>
+                  <a:srgbClr val="7030A0"/>
+                </a:solidFill>
+              </a:rPr>
+              <a:t>Nfix</a:t>
+            </a:r>
+            <a:r>
+              <a:rPr lang="en-US" sz="4000" dirty="0">
+                <a:solidFill>
+                  <a:srgbClr val="7030A0"/>
+                </a:solidFill>
+              </a:rPr>
+              <a:t> + C4 + VPD + T + (1|species) + (1|site) + (1|block:site)</a:t>
+            </a:r>
+          </a:p>
+        </p:txBody>
+      </p:sp>
+      <p:sp>
+        <p:nvSpPr>
+          <p:cNvPr id="29" name="TextBox 28">
+            <a:extLst>
+              <a:ext uri="{FF2B5EF4-FFF2-40B4-BE49-F238E27FC236}">
+                <a16:creationId xmlns:a16="http://schemas.microsoft.com/office/drawing/2014/main" id="{641C7200-90D6-3241-B2BA-7A8C39270AC9}"/>
+              </a:ext>
+            </a:extLst>
+          </p:cNvPr>
+          <p:cNvSpPr txBox="1"/>
+          <p:nvPr/>
+        </p:nvSpPr>
+        <p:spPr>
+          <a:xfrm>
+            <a:off x="915048" y="1854874"/>
+            <a:ext cx="2394630" cy="584775"/>
+          </a:xfrm>
+          <a:prstGeom prst="rect">
+            <a:avLst/>
+          </a:prstGeom>
+          <a:noFill/>
+          <a:ln w="76200">
+            <a:solidFill>
+              <a:schemeClr val="tx1"/>
+            </a:solidFill>
+          </a:ln>
+        </p:spPr>
+        <p:txBody>
+          <a:bodyPr wrap="none" rtlCol="0">
+            <a:spAutoFit/>
+          </a:bodyPr>
+          <a:lstStyle/>
+          <a:p>
+            <a:r>
+              <a:rPr lang="en-US" sz="3200" dirty="0"/>
+              <a:t>Soil nutrients</a:t>
+            </a:r>
+          </a:p>
+        </p:txBody>
+      </p:sp>
+      <p:sp>
+        <p:nvSpPr>
+          <p:cNvPr id="30" name="TextBox 29">
+            <a:extLst>
+              <a:ext uri="{FF2B5EF4-FFF2-40B4-BE49-F238E27FC236}">
+                <a16:creationId xmlns:a16="http://schemas.microsoft.com/office/drawing/2014/main" id="{C268E1A7-2C22-A840-9A5C-20B1A61E12F6}"/>
+              </a:ext>
+            </a:extLst>
+          </p:cNvPr>
+          <p:cNvSpPr txBox="1"/>
+          <p:nvPr/>
+        </p:nvSpPr>
+        <p:spPr>
+          <a:xfrm>
+            <a:off x="4391015" y="3136612"/>
+            <a:ext cx="402674" cy="584775"/>
+          </a:xfrm>
+          <a:prstGeom prst="rect">
+            <a:avLst/>
+          </a:prstGeom>
+          <a:noFill/>
+          <a:ln w="76200">
+            <a:solidFill>
+              <a:schemeClr val="tx1"/>
+            </a:solidFill>
+          </a:ln>
+        </p:spPr>
+        <p:txBody>
+          <a:bodyPr wrap="none" rtlCol="0">
+            <a:spAutoFit/>
+          </a:bodyPr>
+          <a:lstStyle/>
+          <a:p>
+            <a:r>
+              <a:rPr lang="el-GR" sz="3200" dirty="0"/>
+              <a:t>β</a:t>
+            </a:r>
+            <a:endParaRPr lang="en-US" sz="3200" dirty="0"/>
+          </a:p>
+        </p:txBody>
+      </p:sp>
+      <p:cxnSp>
+        <p:nvCxnSpPr>
+          <p:cNvPr id="31" name="Straight Arrow Connector 30">
+            <a:extLst>
+              <a:ext uri="{FF2B5EF4-FFF2-40B4-BE49-F238E27FC236}">
+                <a16:creationId xmlns:a16="http://schemas.microsoft.com/office/drawing/2014/main" id="{B4BD1DF6-0A2B-CA49-90C3-0E4E52696E8E}"/>
+              </a:ext>
+            </a:extLst>
+          </p:cNvPr>
+          <p:cNvCxnSpPr>
+            <a:cxnSpLocks/>
+            <a:stCxn id="29" idx="2"/>
+            <a:endCxn id="30" idx="0"/>
+          </p:cNvCxnSpPr>
+          <p:nvPr/>
+        </p:nvCxnSpPr>
+        <p:spPr>
+          <a:xfrm>
+            <a:off x="2112363" y="2439649"/>
+            <a:ext cx="2479989" cy="696963"/>
+          </a:xfrm>
+          <a:prstGeom prst="straightConnector1">
+            <a:avLst/>
+          </a:prstGeom>
+          <a:ln w="76200">
+            <a:solidFill>
+              <a:srgbClr val="FF0000"/>
+            </a:solidFill>
+            <a:tailEnd type="triangle"/>
+          </a:ln>
+        </p:spPr>
+        <p:style>
+          <a:lnRef idx="1">
+            <a:schemeClr val="accent1"/>
+          </a:lnRef>
+          <a:fillRef idx="0">
+            <a:schemeClr val="accent1"/>
+          </a:fillRef>
+          <a:effectRef idx="0">
+            <a:schemeClr val="accent1"/>
+          </a:effectRef>
+          <a:fontRef idx="minor">
+            <a:schemeClr val="tx1"/>
+          </a:fontRef>
+        </p:style>
+      </p:cxnSp>
+      <p:sp>
+        <p:nvSpPr>
+          <p:cNvPr id="32" name="TextBox 31">
+            <a:extLst>
+              <a:ext uri="{FF2B5EF4-FFF2-40B4-BE49-F238E27FC236}">
+                <a16:creationId xmlns:a16="http://schemas.microsoft.com/office/drawing/2014/main" id="{669DC5C3-E471-5548-9395-AB8CD1C789C5}"/>
+              </a:ext>
+            </a:extLst>
+          </p:cNvPr>
+          <p:cNvSpPr txBox="1"/>
+          <p:nvPr/>
+        </p:nvSpPr>
+        <p:spPr>
+          <a:xfrm>
+            <a:off x="1459282" y="4418350"/>
+            <a:ext cx="1834156" cy="584775"/>
+          </a:xfrm>
+          <a:prstGeom prst="rect">
+            <a:avLst/>
+          </a:prstGeom>
+          <a:noFill/>
+          <a:ln w="76200">
+            <a:solidFill>
+              <a:schemeClr val="tx1"/>
+            </a:solidFill>
+          </a:ln>
+        </p:spPr>
+        <p:txBody>
+          <a:bodyPr wrap="none" rtlCol="0">
+            <a:spAutoFit/>
+          </a:bodyPr>
+          <a:lstStyle/>
+          <a:p>
+            <a:r>
+              <a:rPr lang="en-US" sz="3200" dirty="0"/>
+              <a:t>Soil water</a:t>
+            </a:r>
+          </a:p>
+        </p:txBody>
+      </p:sp>
+      <p:cxnSp>
+        <p:nvCxnSpPr>
+          <p:cNvPr id="33" name="Straight Arrow Connector 32">
+            <a:extLst>
+              <a:ext uri="{FF2B5EF4-FFF2-40B4-BE49-F238E27FC236}">
+                <a16:creationId xmlns:a16="http://schemas.microsoft.com/office/drawing/2014/main" id="{DE8A326C-7047-CF41-8ED7-03DD8FD74A92}"/>
+              </a:ext>
+            </a:extLst>
+          </p:cNvPr>
+          <p:cNvCxnSpPr>
+            <a:cxnSpLocks/>
+            <a:stCxn id="32" idx="0"/>
+            <a:endCxn id="30" idx="2"/>
+          </p:cNvCxnSpPr>
+          <p:nvPr/>
+        </p:nvCxnSpPr>
+        <p:spPr>
+          <a:xfrm flipV="1">
+            <a:off x="2376360" y="3721387"/>
+            <a:ext cx="2215992" cy="696963"/>
+          </a:xfrm>
+          <a:prstGeom prst="straightConnector1">
+            <a:avLst/>
+          </a:prstGeom>
+          <a:ln w="76200">
+            <a:solidFill>
+              <a:srgbClr val="0432FF">
+                <a:alpha val="20000"/>
+              </a:srgbClr>
+            </a:solidFill>
+            <a:tailEnd type="triangle"/>
+          </a:ln>
+        </p:spPr>
+        <p:style>
+          <a:lnRef idx="1">
+            <a:schemeClr val="accent1"/>
+          </a:lnRef>
+          <a:fillRef idx="0">
+            <a:schemeClr val="accent1"/>
+          </a:fillRef>
+          <a:effectRef idx="0">
+            <a:schemeClr val="accent1"/>
+          </a:effectRef>
+          <a:fontRef idx="minor">
+            <a:schemeClr val="tx1"/>
+          </a:fontRef>
+        </p:style>
+      </p:cxnSp>
+      <p:sp>
+        <p:nvSpPr>
+          <p:cNvPr id="34" name="TextBox 33">
+            <a:extLst>
+              <a:ext uri="{FF2B5EF4-FFF2-40B4-BE49-F238E27FC236}">
+                <a16:creationId xmlns:a16="http://schemas.microsoft.com/office/drawing/2014/main" id="{51782479-F603-614F-B028-4F10A50C9C57}"/>
+              </a:ext>
+            </a:extLst>
+          </p:cNvPr>
+          <p:cNvSpPr txBox="1"/>
+          <p:nvPr/>
+        </p:nvSpPr>
+        <p:spPr>
+          <a:xfrm>
+            <a:off x="5789667" y="3132864"/>
+            <a:ext cx="359394" cy="584775"/>
+          </a:xfrm>
+          <a:prstGeom prst="rect">
+            <a:avLst/>
+          </a:prstGeom>
+          <a:noFill/>
+          <a:ln w="76200">
+            <a:solidFill>
+              <a:schemeClr val="tx1"/>
+            </a:solidFill>
+          </a:ln>
+        </p:spPr>
+        <p:txBody>
+          <a:bodyPr wrap="none" rtlCol="0">
+            <a:spAutoFit/>
+          </a:bodyPr>
+          <a:lstStyle/>
+          <a:p>
+            <a:r>
+              <a:rPr lang="el-GR" sz="3200" dirty="0"/>
+              <a:t>χ</a:t>
+            </a:r>
+            <a:endParaRPr lang="en-US" sz="3200" dirty="0"/>
+          </a:p>
+        </p:txBody>
+      </p:sp>
+      <p:cxnSp>
+        <p:nvCxnSpPr>
+          <p:cNvPr id="35" name="Straight Arrow Connector 34">
+            <a:extLst>
+              <a:ext uri="{FF2B5EF4-FFF2-40B4-BE49-F238E27FC236}">
+                <a16:creationId xmlns:a16="http://schemas.microsoft.com/office/drawing/2014/main" id="{44FC82DA-58C4-D448-BC46-C8AC8CFE550F}"/>
+              </a:ext>
+            </a:extLst>
+          </p:cNvPr>
+          <p:cNvCxnSpPr>
+            <a:cxnSpLocks/>
+            <a:stCxn id="30" idx="3"/>
+            <a:endCxn id="34" idx="1"/>
+          </p:cNvCxnSpPr>
+          <p:nvPr/>
+        </p:nvCxnSpPr>
+        <p:spPr>
+          <a:xfrm flipV="1">
+            <a:off x="4793689" y="3425252"/>
+            <a:ext cx="995978" cy="3748"/>
+          </a:xfrm>
+          <a:prstGeom prst="straightConnector1">
+            <a:avLst/>
+          </a:prstGeom>
+          <a:ln w="76200">
+            <a:solidFill>
+              <a:srgbClr val="0432FF"/>
+            </a:solidFill>
+            <a:tailEnd type="triangle"/>
+          </a:ln>
+        </p:spPr>
+        <p:style>
+          <a:lnRef idx="1">
+            <a:schemeClr val="accent1"/>
+          </a:lnRef>
+          <a:fillRef idx="0">
+            <a:schemeClr val="accent1"/>
+          </a:fillRef>
+          <a:effectRef idx="0">
+            <a:schemeClr val="accent1"/>
+          </a:effectRef>
+          <a:fontRef idx="minor">
+            <a:schemeClr val="tx1"/>
+          </a:fontRef>
+        </p:style>
+      </p:cxnSp>
+      <p:sp>
+        <p:nvSpPr>
+          <p:cNvPr id="36" name="TextBox 35">
+            <a:extLst>
+              <a:ext uri="{FF2B5EF4-FFF2-40B4-BE49-F238E27FC236}">
+                <a16:creationId xmlns:a16="http://schemas.microsoft.com/office/drawing/2014/main" id="{CD1CA418-18EA-064D-B873-DD0C7CA1856D}"/>
+              </a:ext>
+            </a:extLst>
+          </p:cNvPr>
+          <p:cNvSpPr txBox="1"/>
+          <p:nvPr/>
+        </p:nvSpPr>
+        <p:spPr>
+          <a:xfrm>
+            <a:off x="5011312" y="1854873"/>
+            <a:ext cx="881973" cy="584775"/>
+          </a:xfrm>
+          <a:prstGeom prst="rect">
+            <a:avLst/>
+          </a:prstGeom>
+          <a:noFill/>
+          <a:ln w="76200">
+            <a:solidFill>
+              <a:schemeClr val="tx1"/>
+            </a:solidFill>
+          </a:ln>
+        </p:spPr>
+        <p:txBody>
+          <a:bodyPr wrap="none" rtlCol="0">
+            <a:spAutoFit/>
+          </a:bodyPr>
+          <a:lstStyle/>
+          <a:p>
+            <a:r>
+              <a:rPr lang="en-US" sz="3200" dirty="0"/>
+              <a:t>VPD</a:t>
+            </a:r>
+          </a:p>
+        </p:txBody>
+      </p:sp>
+      <p:sp>
+        <p:nvSpPr>
+          <p:cNvPr id="37" name="TextBox 36">
+            <a:extLst>
+              <a:ext uri="{FF2B5EF4-FFF2-40B4-BE49-F238E27FC236}">
+                <a16:creationId xmlns:a16="http://schemas.microsoft.com/office/drawing/2014/main" id="{B2F0C056-683A-A44F-814D-035AAE3D5CF3}"/>
+              </a:ext>
+            </a:extLst>
+          </p:cNvPr>
+          <p:cNvSpPr txBox="1"/>
+          <p:nvPr/>
+        </p:nvSpPr>
+        <p:spPr>
+          <a:xfrm>
+            <a:off x="6485667" y="1854873"/>
+            <a:ext cx="385042" cy="584775"/>
+          </a:xfrm>
+          <a:prstGeom prst="rect">
+            <a:avLst/>
+          </a:prstGeom>
+          <a:noFill/>
+          <a:ln w="76200">
+            <a:solidFill>
+              <a:schemeClr val="tx1"/>
+            </a:solidFill>
+          </a:ln>
+        </p:spPr>
+        <p:txBody>
+          <a:bodyPr wrap="none" rtlCol="0">
+            <a:spAutoFit/>
+          </a:bodyPr>
+          <a:lstStyle/>
+          <a:p>
+            <a:r>
+              <a:rPr lang="en-US" sz="3200" dirty="0"/>
+              <a:t>T</a:t>
+            </a:r>
+          </a:p>
+        </p:txBody>
+      </p:sp>
+      <p:cxnSp>
+        <p:nvCxnSpPr>
+          <p:cNvPr id="38" name="Straight Arrow Connector 37">
+            <a:extLst>
+              <a:ext uri="{FF2B5EF4-FFF2-40B4-BE49-F238E27FC236}">
+                <a16:creationId xmlns:a16="http://schemas.microsoft.com/office/drawing/2014/main" id="{EEFF5A83-36CA-8D42-9854-090BFD0AC297}"/>
+              </a:ext>
+            </a:extLst>
+          </p:cNvPr>
+          <p:cNvCxnSpPr>
+            <a:cxnSpLocks/>
+            <a:stCxn id="36" idx="2"/>
+            <a:endCxn id="34" idx="0"/>
+          </p:cNvCxnSpPr>
+          <p:nvPr/>
+        </p:nvCxnSpPr>
+        <p:spPr>
+          <a:xfrm>
+            <a:off x="5452299" y="2439648"/>
+            <a:ext cx="517065" cy="693216"/>
+          </a:xfrm>
+          <a:prstGeom prst="straightConnector1">
+            <a:avLst/>
+          </a:prstGeom>
+          <a:ln w="76200">
+            <a:solidFill>
+              <a:srgbClr val="FF0000"/>
+            </a:solidFill>
+            <a:tailEnd type="triangle"/>
+          </a:ln>
+        </p:spPr>
+        <p:style>
+          <a:lnRef idx="1">
+            <a:schemeClr val="accent1"/>
+          </a:lnRef>
+          <a:fillRef idx="0">
+            <a:schemeClr val="accent1"/>
+          </a:fillRef>
+          <a:effectRef idx="0">
+            <a:schemeClr val="accent1"/>
+          </a:effectRef>
+          <a:fontRef idx="minor">
+            <a:schemeClr val="tx1"/>
+          </a:fontRef>
+        </p:style>
+      </p:cxnSp>
+      <p:cxnSp>
+        <p:nvCxnSpPr>
+          <p:cNvPr id="39" name="Straight Arrow Connector 38">
+            <a:extLst>
+              <a:ext uri="{FF2B5EF4-FFF2-40B4-BE49-F238E27FC236}">
+                <a16:creationId xmlns:a16="http://schemas.microsoft.com/office/drawing/2014/main" id="{9DAD6FE4-818C-EB46-98ED-7A886FBA3A2E}"/>
+              </a:ext>
+            </a:extLst>
+          </p:cNvPr>
+          <p:cNvCxnSpPr>
+            <a:cxnSpLocks/>
+            <a:stCxn id="37" idx="2"/>
+            <a:endCxn id="34" idx="0"/>
+          </p:cNvCxnSpPr>
+          <p:nvPr/>
+        </p:nvCxnSpPr>
+        <p:spPr>
+          <a:xfrm flipH="1">
+            <a:off x="5969364" y="2439648"/>
+            <a:ext cx="708824" cy="693216"/>
+          </a:xfrm>
+          <a:prstGeom prst="straightConnector1">
+            <a:avLst/>
+          </a:prstGeom>
+          <a:ln w="76200">
+            <a:solidFill>
+              <a:srgbClr val="0432FF"/>
+            </a:solidFill>
+            <a:tailEnd type="triangle"/>
+          </a:ln>
+        </p:spPr>
+        <p:style>
+          <a:lnRef idx="1">
+            <a:schemeClr val="accent1"/>
+          </a:lnRef>
+          <a:fillRef idx="0">
+            <a:schemeClr val="accent1"/>
+          </a:fillRef>
+          <a:effectRef idx="0">
+            <a:schemeClr val="accent1"/>
+          </a:effectRef>
+          <a:fontRef idx="minor">
+            <a:schemeClr val="tx1"/>
+          </a:fontRef>
+        </p:style>
+      </p:cxnSp>
+      <p:sp>
+        <p:nvSpPr>
+          <p:cNvPr id="40" name="TextBox 39">
+            <a:extLst>
+              <a:ext uri="{FF2B5EF4-FFF2-40B4-BE49-F238E27FC236}">
+                <a16:creationId xmlns:a16="http://schemas.microsoft.com/office/drawing/2014/main" id="{00A98B91-1CBA-1145-B40D-11CC62F343FC}"/>
+              </a:ext>
+            </a:extLst>
+          </p:cNvPr>
+          <p:cNvSpPr txBox="1"/>
+          <p:nvPr/>
+        </p:nvSpPr>
+        <p:spPr>
+          <a:xfrm>
+            <a:off x="2929003" y="430452"/>
+            <a:ext cx="846707" cy="584775"/>
+          </a:xfrm>
+          <a:prstGeom prst="rect">
+            <a:avLst/>
+          </a:prstGeom>
+          <a:noFill/>
+          <a:ln w="76200">
+            <a:solidFill>
+              <a:schemeClr val="tx1"/>
+            </a:solidFill>
+          </a:ln>
+        </p:spPr>
+        <p:txBody>
+          <a:bodyPr wrap="none" rtlCol="0">
+            <a:spAutoFit/>
+          </a:bodyPr>
+          <a:lstStyle/>
+          <a:p>
+            <a:r>
+              <a:rPr lang="en-US" sz="3200" dirty="0" err="1"/>
+              <a:t>Nfix</a:t>
+            </a:r>
+            <a:endParaRPr lang="en-US" sz="3200" dirty="0"/>
+          </a:p>
+        </p:txBody>
+      </p:sp>
+      <p:sp>
+        <p:nvSpPr>
+          <p:cNvPr id="41" name="TextBox 40">
+            <a:extLst>
+              <a:ext uri="{FF2B5EF4-FFF2-40B4-BE49-F238E27FC236}">
+                <a16:creationId xmlns:a16="http://schemas.microsoft.com/office/drawing/2014/main" id="{11BBFF44-054C-9445-B560-39693C86642B}"/>
+              </a:ext>
+            </a:extLst>
+          </p:cNvPr>
+          <p:cNvSpPr txBox="1"/>
+          <p:nvPr/>
+        </p:nvSpPr>
+        <p:spPr>
+          <a:xfrm>
+            <a:off x="4286018" y="411358"/>
+            <a:ext cx="612668" cy="584775"/>
+          </a:xfrm>
+          <a:prstGeom prst="rect">
+            <a:avLst/>
+          </a:prstGeom>
+          <a:noFill/>
+          <a:ln w="76200">
+            <a:solidFill>
+              <a:schemeClr val="tx1"/>
+            </a:solidFill>
+          </a:ln>
+        </p:spPr>
+        <p:txBody>
+          <a:bodyPr wrap="none" rtlCol="0">
+            <a:spAutoFit/>
+          </a:bodyPr>
+          <a:lstStyle/>
+          <a:p>
+            <a:r>
+              <a:rPr lang="en-US" sz="3200" dirty="0"/>
+              <a:t>C4</a:t>
+            </a:r>
+          </a:p>
+        </p:txBody>
+      </p:sp>
+      <p:cxnSp>
+        <p:nvCxnSpPr>
+          <p:cNvPr id="42" name="Straight Arrow Connector 41">
+            <a:extLst>
+              <a:ext uri="{FF2B5EF4-FFF2-40B4-BE49-F238E27FC236}">
+                <a16:creationId xmlns:a16="http://schemas.microsoft.com/office/drawing/2014/main" id="{FB8B9073-CA10-4347-9C0A-8F94B60B4AFE}"/>
+              </a:ext>
+            </a:extLst>
+          </p:cNvPr>
+          <p:cNvCxnSpPr>
+            <a:cxnSpLocks/>
+            <a:stCxn id="40" idx="2"/>
+            <a:endCxn id="30" idx="0"/>
+          </p:cNvCxnSpPr>
+          <p:nvPr/>
+        </p:nvCxnSpPr>
+        <p:spPr>
+          <a:xfrm>
+            <a:off x="3352357" y="1015227"/>
+            <a:ext cx="1239995" cy="2121385"/>
+          </a:xfrm>
+          <a:prstGeom prst="straightConnector1">
+            <a:avLst/>
+          </a:prstGeom>
+          <a:ln w="76200">
+            <a:solidFill>
+              <a:srgbClr val="FF0000">
+                <a:alpha val="20000"/>
+              </a:srgbClr>
+            </a:solidFill>
+            <a:tailEnd type="triangle"/>
+          </a:ln>
+        </p:spPr>
+        <p:style>
+          <a:lnRef idx="1">
+            <a:schemeClr val="accent1"/>
+          </a:lnRef>
+          <a:fillRef idx="0">
+            <a:schemeClr val="accent1"/>
+          </a:fillRef>
+          <a:effectRef idx="0">
+            <a:schemeClr val="accent1"/>
+          </a:effectRef>
+          <a:fontRef idx="minor">
+            <a:schemeClr val="tx1"/>
+          </a:fontRef>
+        </p:style>
+      </p:cxnSp>
+      <p:cxnSp>
+        <p:nvCxnSpPr>
+          <p:cNvPr id="43" name="Straight Arrow Connector 42">
+            <a:extLst>
+              <a:ext uri="{FF2B5EF4-FFF2-40B4-BE49-F238E27FC236}">
+                <a16:creationId xmlns:a16="http://schemas.microsoft.com/office/drawing/2014/main" id="{600F3363-5F7A-4248-8A73-AA4339C47763}"/>
+              </a:ext>
+            </a:extLst>
+          </p:cNvPr>
+          <p:cNvCxnSpPr>
+            <a:cxnSpLocks/>
+            <a:stCxn id="41" idx="2"/>
+            <a:endCxn id="30" idx="0"/>
+          </p:cNvCxnSpPr>
+          <p:nvPr/>
+        </p:nvCxnSpPr>
+        <p:spPr>
+          <a:xfrm>
+            <a:off x="4592352" y="996133"/>
+            <a:ext cx="0" cy="2140479"/>
+          </a:xfrm>
+          <a:prstGeom prst="straightConnector1">
+            <a:avLst/>
+          </a:prstGeom>
+          <a:ln w="76200">
+            <a:solidFill>
+              <a:srgbClr val="FF0000"/>
+            </a:solidFill>
+            <a:tailEnd type="triangle"/>
+          </a:ln>
+        </p:spPr>
+        <p:style>
+          <a:lnRef idx="1">
+            <a:schemeClr val="accent1"/>
+          </a:lnRef>
+          <a:fillRef idx="0">
+            <a:schemeClr val="accent1"/>
+          </a:fillRef>
+          <a:effectRef idx="0">
+            <a:schemeClr val="accent1"/>
+          </a:effectRef>
+          <a:fontRef idx="minor">
+            <a:schemeClr val="tx1"/>
+          </a:fontRef>
+        </p:style>
+      </p:cxnSp>
+      <p:sp>
+        <p:nvSpPr>
+          <p:cNvPr id="44" name="TextBox 43">
+            <a:extLst>
+              <a:ext uri="{FF2B5EF4-FFF2-40B4-BE49-F238E27FC236}">
+                <a16:creationId xmlns:a16="http://schemas.microsoft.com/office/drawing/2014/main" id="{8B0B7A92-C73B-E044-8D33-85ABE8C541C9}"/>
+              </a:ext>
+            </a:extLst>
+          </p:cNvPr>
+          <p:cNvSpPr txBox="1"/>
+          <p:nvPr/>
+        </p:nvSpPr>
+        <p:spPr>
+          <a:xfrm>
+            <a:off x="1744826" y="3132863"/>
+            <a:ext cx="1564852" cy="584775"/>
+          </a:xfrm>
+          <a:prstGeom prst="rect">
+            <a:avLst/>
+          </a:prstGeom>
+          <a:noFill/>
+          <a:ln w="76200">
+            <a:solidFill>
+              <a:schemeClr val="tx1"/>
+            </a:solidFill>
+          </a:ln>
+        </p:spPr>
+        <p:txBody>
+          <a:bodyPr wrap="none" rtlCol="0">
+            <a:spAutoFit/>
+          </a:bodyPr>
+          <a:lstStyle/>
+          <a:p>
+            <a:r>
+              <a:rPr lang="en-US" sz="3200" dirty="0"/>
+              <a:t>Biomass</a:t>
+            </a:r>
+          </a:p>
+        </p:txBody>
+      </p:sp>
+      <p:cxnSp>
+        <p:nvCxnSpPr>
+          <p:cNvPr id="45" name="Straight Arrow Connector 44">
+            <a:extLst>
+              <a:ext uri="{FF2B5EF4-FFF2-40B4-BE49-F238E27FC236}">
+                <a16:creationId xmlns:a16="http://schemas.microsoft.com/office/drawing/2014/main" id="{B46A53BE-FBE2-B248-BBF7-EDE926CB2F0D}"/>
+              </a:ext>
+            </a:extLst>
+          </p:cNvPr>
+          <p:cNvCxnSpPr>
+            <a:cxnSpLocks/>
+            <a:stCxn id="44" idx="0"/>
+            <a:endCxn id="29" idx="2"/>
+          </p:cNvCxnSpPr>
+          <p:nvPr/>
+        </p:nvCxnSpPr>
+        <p:spPr>
+          <a:xfrm flipH="1" flipV="1">
+            <a:off x="2112363" y="2439649"/>
+            <a:ext cx="414889" cy="693214"/>
+          </a:xfrm>
+          <a:prstGeom prst="straightConnector1">
+            <a:avLst/>
+          </a:prstGeom>
+          <a:ln w="76200">
+            <a:solidFill>
+              <a:srgbClr val="FF0000">
+                <a:alpha val="20000"/>
+              </a:srgbClr>
+            </a:solidFill>
+            <a:tailEnd type="triangle"/>
+          </a:ln>
+        </p:spPr>
+        <p:style>
+          <a:lnRef idx="1">
+            <a:schemeClr val="accent1"/>
+          </a:lnRef>
+          <a:fillRef idx="0">
+            <a:schemeClr val="accent1"/>
+          </a:fillRef>
+          <a:effectRef idx="0">
+            <a:schemeClr val="accent1"/>
+          </a:effectRef>
+          <a:fontRef idx="minor">
+            <a:schemeClr val="tx1"/>
+          </a:fontRef>
+        </p:style>
+      </p:cxnSp>
+      <p:cxnSp>
+        <p:nvCxnSpPr>
+          <p:cNvPr id="46" name="Straight Arrow Connector 45">
+            <a:extLst>
+              <a:ext uri="{FF2B5EF4-FFF2-40B4-BE49-F238E27FC236}">
+                <a16:creationId xmlns:a16="http://schemas.microsoft.com/office/drawing/2014/main" id="{F162F47B-D0EB-534D-9B61-96B055087D6B}"/>
+              </a:ext>
+            </a:extLst>
+          </p:cNvPr>
+          <p:cNvCxnSpPr>
+            <a:cxnSpLocks/>
+            <a:stCxn id="44" idx="2"/>
+            <a:endCxn id="32" idx="0"/>
+          </p:cNvCxnSpPr>
+          <p:nvPr/>
+        </p:nvCxnSpPr>
+        <p:spPr>
+          <a:xfrm flipH="1">
+            <a:off x="2376360" y="3717638"/>
+            <a:ext cx="150892" cy="700712"/>
+          </a:xfrm>
+          <a:prstGeom prst="straightConnector1">
+            <a:avLst/>
+          </a:prstGeom>
+          <a:ln w="76200">
+            <a:solidFill>
+              <a:srgbClr val="FF0000">
+                <a:alpha val="20000"/>
+              </a:srgbClr>
+            </a:solidFill>
+            <a:tailEnd type="triangle"/>
+          </a:ln>
+        </p:spPr>
+        <p:style>
+          <a:lnRef idx="1">
+            <a:schemeClr val="accent1"/>
+          </a:lnRef>
+          <a:fillRef idx="0">
+            <a:schemeClr val="accent1"/>
+          </a:fillRef>
+          <a:effectRef idx="0">
+            <a:schemeClr val="accent1"/>
+          </a:effectRef>
+          <a:fontRef idx="minor">
+            <a:schemeClr val="tx1"/>
+          </a:fontRef>
+        </p:style>
+      </p:cxnSp>
+      <p:cxnSp>
+        <p:nvCxnSpPr>
+          <p:cNvPr id="47" name="Straight Arrow Connector 46">
+            <a:extLst>
+              <a:ext uri="{FF2B5EF4-FFF2-40B4-BE49-F238E27FC236}">
+                <a16:creationId xmlns:a16="http://schemas.microsoft.com/office/drawing/2014/main" id="{04DB9520-C184-D347-A659-EC6868EA3132}"/>
+              </a:ext>
+            </a:extLst>
+          </p:cNvPr>
+          <p:cNvCxnSpPr>
+            <a:cxnSpLocks/>
+          </p:cNvCxnSpPr>
+          <p:nvPr/>
+        </p:nvCxnSpPr>
+        <p:spPr>
+          <a:xfrm flipV="1">
+            <a:off x="1459282" y="3721387"/>
+            <a:ext cx="285544" cy="696963"/>
+          </a:xfrm>
+          <a:prstGeom prst="straightConnector1">
+            <a:avLst/>
+          </a:prstGeom>
+          <a:ln w="76200">
+            <a:solidFill>
+              <a:srgbClr val="0432FF">
+                <a:alpha val="20000"/>
+              </a:srgbClr>
+            </a:solidFill>
+            <a:tailEnd type="triangle"/>
+          </a:ln>
+        </p:spPr>
+        <p:style>
+          <a:lnRef idx="1">
+            <a:schemeClr val="accent1"/>
+          </a:lnRef>
+          <a:fillRef idx="0">
+            <a:schemeClr val="accent1"/>
+          </a:fillRef>
+          <a:effectRef idx="0">
+            <a:schemeClr val="accent1"/>
+          </a:effectRef>
+          <a:fontRef idx="minor">
+            <a:schemeClr val="tx1"/>
+          </a:fontRef>
+        </p:style>
+      </p:cxnSp>
+      <p:cxnSp>
+        <p:nvCxnSpPr>
+          <p:cNvPr id="48" name="Straight Arrow Connector 47">
+            <a:extLst>
+              <a:ext uri="{FF2B5EF4-FFF2-40B4-BE49-F238E27FC236}">
+                <a16:creationId xmlns:a16="http://schemas.microsoft.com/office/drawing/2014/main" id="{52BAF1D4-8771-9E43-8BA6-2E32BF77FE1C}"/>
+              </a:ext>
+            </a:extLst>
+          </p:cNvPr>
+          <p:cNvCxnSpPr>
+            <a:cxnSpLocks/>
+          </p:cNvCxnSpPr>
+          <p:nvPr/>
+        </p:nvCxnSpPr>
+        <p:spPr>
+          <a:xfrm>
+            <a:off x="915048" y="2439648"/>
+            <a:ext cx="829778" cy="689466"/>
+          </a:xfrm>
+          <a:prstGeom prst="straightConnector1">
+            <a:avLst/>
+          </a:prstGeom>
+          <a:ln w="76200">
+            <a:solidFill>
+              <a:srgbClr val="0432FF">
+                <a:alpha val="20000"/>
+              </a:srgbClr>
+            </a:solidFill>
+            <a:tailEnd type="triangle"/>
+          </a:ln>
+        </p:spPr>
+        <p:style>
+          <a:lnRef idx="1">
+            <a:schemeClr val="accent1"/>
+          </a:lnRef>
+          <a:fillRef idx="0">
+            <a:schemeClr val="accent1"/>
+          </a:fillRef>
+          <a:effectRef idx="0">
+            <a:schemeClr val="accent1"/>
+          </a:effectRef>
+          <a:fontRef idx="minor">
+            <a:schemeClr val="tx1"/>
+          </a:fontRef>
+        </p:style>
+      </p:cxnSp>
+    </p:spTree>
+    <p:extLst>
+      <p:ext uri="{BB962C8B-B14F-4D97-AF65-F5344CB8AC3E}">
+        <p14:creationId xmlns:p14="http://schemas.microsoft.com/office/powerpoint/2010/main" val="3338943010"/>
+      </p:ext>
+    </p:extLst>
+  </p:cSld>
+  <p:clrMapOvr>
+    <a:masterClrMapping/>
+  </p:clrMapOvr>
+</p:sld>
+</file>
+
+<file path=ppt/slides/slide24.xml><?xml version="1.0" encoding="utf-8"?>
+<p:sld xmlns:a="http://schemas.openxmlformats.org/drawingml/2006/main" xmlns:r="http://schemas.openxmlformats.org/officeDocument/2006/relationships" xmlns:p="http://schemas.openxmlformats.org/presentationml/2006/main">
+  <p:cSld>
+    <p:spTree>
+      <p:nvGrpSpPr>
+        <p:cNvPr id="1" name=""/>
+        <p:cNvGrpSpPr/>
+        <p:nvPr/>
+      </p:nvGrpSpPr>
+      <p:grpSpPr>
+        <a:xfrm>
+          <a:off x="0" y="0"/>
+          <a:ext cx="0" cy="0"/>
+          <a:chOff x="0" y="0"/>
+          <a:chExt cx="0" cy="0"/>
+        </a:xfrm>
+      </p:grpSpPr>
+      <p:sp>
+        <p:nvSpPr>
+          <p:cNvPr id="14" name="TextBox 13">
+            <a:extLst>
+              <a:ext uri="{FF2B5EF4-FFF2-40B4-BE49-F238E27FC236}">
+                <a16:creationId xmlns:a16="http://schemas.microsoft.com/office/drawing/2014/main" id="{E26FA297-1A19-FE43-890A-79FB96D913DA}"/>
+              </a:ext>
+            </a:extLst>
+          </p:cNvPr>
+          <p:cNvSpPr txBox="1"/>
+          <p:nvPr/>
+        </p:nvSpPr>
+        <p:spPr>
+          <a:xfrm>
+            <a:off x="7704948" y="1798820"/>
+            <a:ext cx="4122286" cy="3785652"/>
+          </a:xfrm>
+          <a:prstGeom prst="rect">
+            <a:avLst/>
+          </a:prstGeom>
+          <a:noFill/>
+        </p:spPr>
+        <p:txBody>
+          <a:bodyPr wrap="square" rtlCol="0">
+            <a:spAutoFit/>
+          </a:bodyPr>
+          <a:lstStyle/>
+          <a:p>
+            <a:r>
+              <a:rPr lang="el-GR" sz="4000" dirty="0">
+                <a:solidFill>
+                  <a:srgbClr val="7030A0"/>
+                </a:solidFill>
+              </a:rPr>
+              <a:t>χ</a:t>
+            </a:r>
+            <a:r>
+              <a:rPr lang="en-US" sz="4000" dirty="0">
+                <a:solidFill>
+                  <a:srgbClr val="7030A0"/>
+                </a:solidFill>
+              </a:rPr>
+              <a:t> ~ N*P*K + moisture + </a:t>
+            </a:r>
+          </a:p>
+          <a:p>
+            <a:r>
+              <a:rPr lang="en-US" sz="4000" dirty="0" err="1">
+                <a:solidFill>
+                  <a:srgbClr val="7030A0"/>
+                </a:solidFill>
+              </a:rPr>
+              <a:t>Nfix</a:t>
+            </a:r>
+            <a:r>
+              <a:rPr lang="en-US" sz="4000" dirty="0">
+                <a:solidFill>
+                  <a:srgbClr val="7030A0"/>
+                </a:solidFill>
+              </a:rPr>
+              <a:t> + C4 + VPD + T + (1|species) + (1|site) + (1|block:site)</a:t>
+            </a:r>
+          </a:p>
+        </p:txBody>
+      </p:sp>
+      <p:sp>
+        <p:nvSpPr>
+          <p:cNvPr id="29" name="TextBox 28">
+            <a:extLst>
+              <a:ext uri="{FF2B5EF4-FFF2-40B4-BE49-F238E27FC236}">
+                <a16:creationId xmlns:a16="http://schemas.microsoft.com/office/drawing/2014/main" id="{641C7200-90D6-3241-B2BA-7A8C39270AC9}"/>
+              </a:ext>
+            </a:extLst>
+          </p:cNvPr>
+          <p:cNvSpPr txBox="1"/>
+          <p:nvPr/>
+        </p:nvSpPr>
+        <p:spPr>
+          <a:xfrm>
+            <a:off x="915048" y="1854874"/>
+            <a:ext cx="2394630" cy="584775"/>
+          </a:xfrm>
+          <a:prstGeom prst="rect">
+            <a:avLst/>
+          </a:prstGeom>
+          <a:noFill/>
+          <a:ln w="76200">
+            <a:solidFill>
+              <a:schemeClr val="tx1"/>
+            </a:solidFill>
+          </a:ln>
+        </p:spPr>
+        <p:txBody>
+          <a:bodyPr wrap="none" rtlCol="0">
+            <a:spAutoFit/>
+          </a:bodyPr>
+          <a:lstStyle/>
+          <a:p>
+            <a:r>
+              <a:rPr lang="en-US" sz="3200" dirty="0"/>
+              <a:t>Soil nutrients</a:t>
+            </a:r>
+          </a:p>
+        </p:txBody>
+      </p:sp>
+      <p:sp>
+        <p:nvSpPr>
+          <p:cNvPr id="30" name="TextBox 29">
+            <a:extLst>
+              <a:ext uri="{FF2B5EF4-FFF2-40B4-BE49-F238E27FC236}">
+                <a16:creationId xmlns:a16="http://schemas.microsoft.com/office/drawing/2014/main" id="{C268E1A7-2C22-A840-9A5C-20B1A61E12F6}"/>
+              </a:ext>
+            </a:extLst>
+          </p:cNvPr>
+          <p:cNvSpPr txBox="1"/>
+          <p:nvPr/>
+        </p:nvSpPr>
+        <p:spPr>
+          <a:xfrm>
+            <a:off x="4391015" y="3136612"/>
+            <a:ext cx="402674" cy="584775"/>
+          </a:xfrm>
+          <a:prstGeom prst="rect">
+            <a:avLst/>
+          </a:prstGeom>
+          <a:noFill/>
+          <a:ln w="76200">
+            <a:solidFill>
+              <a:schemeClr val="tx1"/>
+            </a:solidFill>
+          </a:ln>
+        </p:spPr>
+        <p:txBody>
+          <a:bodyPr wrap="none" rtlCol="0">
+            <a:spAutoFit/>
+          </a:bodyPr>
+          <a:lstStyle/>
+          <a:p>
+            <a:r>
+              <a:rPr lang="el-GR" sz="3200" dirty="0"/>
+              <a:t>β</a:t>
+            </a:r>
+            <a:endParaRPr lang="en-US" sz="3200" dirty="0"/>
+          </a:p>
+        </p:txBody>
+      </p:sp>
+      <p:cxnSp>
+        <p:nvCxnSpPr>
+          <p:cNvPr id="31" name="Straight Arrow Connector 30">
+            <a:extLst>
+              <a:ext uri="{FF2B5EF4-FFF2-40B4-BE49-F238E27FC236}">
+                <a16:creationId xmlns:a16="http://schemas.microsoft.com/office/drawing/2014/main" id="{B4BD1DF6-0A2B-CA49-90C3-0E4E52696E8E}"/>
+              </a:ext>
+            </a:extLst>
+          </p:cNvPr>
+          <p:cNvCxnSpPr>
+            <a:cxnSpLocks/>
+            <a:stCxn id="29" idx="2"/>
+            <a:endCxn id="30" idx="0"/>
+          </p:cNvCxnSpPr>
+          <p:nvPr/>
+        </p:nvCxnSpPr>
+        <p:spPr>
+          <a:xfrm>
+            <a:off x="2112363" y="2439649"/>
+            <a:ext cx="2479989" cy="696963"/>
+          </a:xfrm>
+          <a:prstGeom prst="straightConnector1">
+            <a:avLst/>
+          </a:prstGeom>
+          <a:ln w="76200">
+            <a:solidFill>
+              <a:srgbClr val="FF0000"/>
+            </a:solidFill>
+            <a:tailEnd type="triangle"/>
+          </a:ln>
+        </p:spPr>
+        <p:style>
+          <a:lnRef idx="1">
+            <a:schemeClr val="accent1"/>
+          </a:lnRef>
+          <a:fillRef idx="0">
+            <a:schemeClr val="accent1"/>
+          </a:fillRef>
+          <a:effectRef idx="0">
+            <a:schemeClr val="accent1"/>
+          </a:effectRef>
+          <a:fontRef idx="minor">
+            <a:schemeClr val="tx1"/>
+          </a:fontRef>
+        </p:style>
+      </p:cxnSp>
+      <p:sp>
+        <p:nvSpPr>
+          <p:cNvPr id="32" name="TextBox 31">
+            <a:extLst>
+              <a:ext uri="{FF2B5EF4-FFF2-40B4-BE49-F238E27FC236}">
+                <a16:creationId xmlns:a16="http://schemas.microsoft.com/office/drawing/2014/main" id="{669DC5C3-E471-5548-9395-AB8CD1C789C5}"/>
+              </a:ext>
+            </a:extLst>
+          </p:cNvPr>
+          <p:cNvSpPr txBox="1"/>
+          <p:nvPr/>
+        </p:nvSpPr>
+        <p:spPr>
+          <a:xfrm>
+            <a:off x="1459282" y="4418350"/>
+            <a:ext cx="1834156" cy="584775"/>
+          </a:xfrm>
+          <a:prstGeom prst="rect">
+            <a:avLst/>
+          </a:prstGeom>
+          <a:noFill/>
+          <a:ln w="76200">
+            <a:solidFill>
+              <a:schemeClr val="tx1"/>
+            </a:solidFill>
+          </a:ln>
+        </p:spPr>
+        <p:txBody>
+          <a:bodyPr wrap="none" rtlCol="0">
+            <a:spAutoFit/>
+          </a:bodyPr>
+          <a:lstStyle/>
+          <a:p>
+            <a:r>
+              <a:rPr lang="en-US" sz="3200" dirty="0"/>
+              <a:t>Soil water</a:t>
+            </a:r>
+          </a:p>
+        </p:txBody>
+      </p:sp>
+      <p:cxnSp>
+        <p:nvCxnSpPr>
+          <p:cNvPr id="33" name="Straight Arrow Connector 32">
+            <a:extLst>
+              <a:ext uri="{FF2B5EF4-FFF2-40B4-BE49-F238E27FC236}">
+                <a16:creationId xmlns:a16="http://schemas.microsoft.com/office/drawing/2014/main" id="{DE8A326C-7047-CF41-8ED7-03DD8FD74A92}"/>
+              </a:ext>
+            </a:extLst>
+          </p:cNvPr>
+          <p:cNvCxnSpPr>
+            <a:cxnSpLocks/>
+            <a:stCxn id="32" idx="0"/>
+            <a:endCxn id="30" idx="2"/>
+          </p:cNvCxnSpPr>
+          <p:nvPr/>
+        </p:nvCxnSpPr>
+        <p:spPr>
+          <a:xfrm flipV="1">
+            <a:off x="2376360" y="3721387"/>
+            <a:ext cx="2215992" cy="696963"/>
+          </a:xfrm>
+          <a:prstGeom prst="straightConnector1">
+            <a:avLst/>
+          </a:prstGeom>
+          <a:ln w="76200">
+            <a:solidFill>
+              <a:srgbClr val="0432FF">
+                <a:alpha val="20000"/>
+              </a:srgbClr>
+            </a:solidFill>
+            <a:tailEnd type="triangle"/>
+          </a:ln>
+        </p:spPr>
+        <p:style>
+          <a:lnRef idx="1">
+            <a:schemeClr val="accent1"/>
+          </a:lnRef>
+          <a:fillRef idx="0">
+            <a:schemeClr val="accent1"/>
+          </a:fillRef>
+          <a:effectRef idx="0">
+            <a:schemeClr val="accent1"/>
+          </a:effectRef>
+          <a:fontRef idx="minor">
+            <a:schemeClr val="tx1"/>
+          </a:fontRef>
+        </p:style>
+      </p:cxnSp>
+      <p:sp>
+        <p:nvSpPr>
+          <p:cNvPr id="34" name="TextBox 33">
+            <a:extLst>
+              <a:ext uri="{FF2B5EF4-FFF2-40B4-BE49-F238E27FC236}">
+                <a16:creationId xmlns:a16="http://schemas.microsoft.com/office/drawing/2014/main" id="{51782479-F603-614F-B028-4F10A50C9C57}"/>
+              </a:ext>
+            </a:extLst>
+          </p:cNvPr>
+          <p:cNvSpPr txBox="1"/>
+          <p:nvPr/>
+        </p:nvSpPr>
+        <p:spPr>
+          <a:xfrm>
+            <a:off x="5789667" y="3132864"/>
+            <a:ext cx="359394" cy="584775"/>
+          </a:xfrm>
+          <a:prstGeom prst="rect">
+            <a:avLst/>
+          </a:prstGeom>
+          <a:noFill/>
+          <a:ln w="76200">
+            <a:solidFill>
+              <a:schemeClr val="tx1"/>
+            </a:solidFill>
+          </a:ln>
+        </p:spPr>
+        <p:txBody>
+          <a:bodyPr wrap="none" rtlCol="0">
+            <a:spAutoFit/>
+          </a:bodyPr>
+          <a:lstStyle/>
+          <a:p>
+            <a:r>
+              <a:rPr lang="el-GR" sz="3200" dirty="0"/>
+              <a:t>χ</a:t>
+            </a:r>
+            <a:endParaRPr lang="en-US" sz="3200" dirty="0"/>
+          </a:p>
+        </p:txBody>
+      </p:sp>
+      <p:cxnSp>
+        <p:nvCxnSpPr>
+          <p:cNvPr id="35" name="Straight Arrow Connector 34">
+            <a:extLst>
+              <a:ext uri="{FF2B5EF4-FFF2-40B4-BE49-F238E27FC236}">
+                <a16:creationId xmlns:a16="http://schemas.microsoft.com/office/drawing/2014/main" id="{44FC82DA-58C4-D448-BC46-C8AC8CFE550F}"/>
+              </a:ext>
+            </a:extLst>
+          </p:cNvPr>
+          <p:cNvCxnSpPr>
+            <a:cxnSpLocks/>
+            <a:stCxn id="30" idx="3"/>
+            <a:endCxn id="34" idx="1"/>
+          </p:cNvCxnSpPr>
+          <p:nvPr/>
+        </p:nvCxnSpPr>
+        <p:spPr>
+          <a:xfrm flipV="1">
+            <a:off x="4793689" y="3425252"/>
+            <a:ext cx="995978" cy="3748"/>
+          </a:xfrm>
+          <a:prstGeom prst="straightConnector1">
+            <a:avLst/>
+          </a:prstGeom>
+          <a:ln w="76200">
+            <a:solidFill>
+              <a:srgbClr val="0432FF"/>
+            </a:solidFill>
+            <a:tailEnd type="triangle"/>
+          </a:ln>
+        </p:spPr>
+        <p:style>
+          <a:lnRef idx="1">
+            <a:schemeClr val="accent1"/>
+          </a:lnRef>
+          <a:fillRef idx="0">
+            <a:schemeClr val="accent1"/>
+          </a:fillRef>
+          <a:effectRef idx="0">
+            <a:schemeClr val="accent1"/>
+          </a:effectRef>
+          <a:fontRef idx="minor">
+            <a:schemeClr val="tx1"/>
+          </a:fontRef>
+        </p:style>
+      </p:cxnSp>
+      <p:sp>
+        <p:nvSpPr>
+          <p:cNvPr id="36" name="TextBox 35">
+            <a:extLst>
+              <a:ext uri="{FF2B5EF4-FFF2-40B4-BE49-F238E27FC236}">
+                <a16:creationId xmlns:a16="http://schemas.microsoft.com/office/drawing/2014/main" id="{CD1CA418-18EA-064D-B873-DD0C7CA1856D}"/>
+              </a:ext>
+            </a:extLst>
+          </p:cNvPr>
+          <p:cNvSpPr txBox="1"/>
+          <p:nvPr/>
+        </p:nvSpPr>
+        <p:spPr>
+          <a:xfrm>
+            <a:off x="5011312" y="1854873"/>
+            <a:ext cx="881973" cy="584775"/>
+          </a:xfrm>
+          <a:prstGeom prst="rect">
+            <a:avLst/>
+          </a:prstGeom>
+          <a:noFill/>
+          <a:ln w="76200">
+            <a:solidFill>
+              <a:schemeClr val="tx1"/>
+            </a:solidFill>
+          </a:ln>
+        </p:spPr>
+        <p:txBody>
+          <a:bodyPr wrap="none" rtlCol="0">
+            <a:spAutoFit/>
+          </a:bodyPr>
+          <a:lstStyle/>
+          <a:p>
+            <a:r>
+              <a:rPr lang="en-US" sz="3200" dirty="0"/>
+              <a:t>VPD</a:t>
+            </a:r>
+          </a:p>
+        </p:txBody>
+      </p:sp>
+      <p:sp>
+        <p:nvSpPr>
+          <p:cNvPr id="37" name="TextBox 36">
+            <a:extLst>
+              <a:ext uri="{FF2B5EF4-FFF2-40B4-BE49-F238E27FC236}">
+                <a16:creationId xmlns:a16="http://schemas.microsoft.com/office/drawing/2014/main" id="{B2F0C056-683A-A44F-814D-035AAE3D5CF3}"/>
+              </a:ext>
+            </a:extLst>
+          </p:cNvPr>
+          <p:cNvSpPr txBox="1"/>
+          <p:nvPr/>
+        </p:nvSpPr>
+        <p:spPr>
+          <a:xfrm>
+            <a:off x="6485667" y="1854873"/>
+            <a:ext cx="385042" cy="584775"/>
+          </a:xfrm>
+          <a:prstGeom prst="rect">
+            <a:avLst/>
+          </a:prstGeom>
+          <a:noFill/>
+          <a:ln w="76200">
+            <a:solidFill>
+              <a:schemeClr val="tx1"/>
+            </a:solidFill>
+          </a:ln>
+        </p:spPr>
+        <p:txBody>
+          <a:bodyPr wrap="none" rtlCol="0">
+            <a:spAutoFit/>
+          </a:bodyPr>
+          <a:lstStyle/>
+          <a:p>
+            <a:r>
+              <a:rPr lang="en-US" sz="3200" dirty="0"/>
+              <a:t>T</a:t>
+            </a:r>
+          </a:p>
+        </p:txBody>
+      </p:sp>
+      <p:cxnSp>
+        <p:nvCxnSpPr>
+          <p:cNvPr id="38" name="Straight Arrow Connector 37">
+            <a:extLst>
+              <a:ext uri="{FF2B5EF4-FFF2-40B4-BE49-F238E27FC236}">
+                <a16:creationId xmlns:a16="http://schemas.microsoft.com/office/drawing/2014/main" id="{EEFF5A83-36CA-8D42-9854-090BFD0AC297}"/>
+              </a:ext>
+            </a:extLst>
+          </p:cNvPr>
+          <p:cNvCxnSpPr>
+            <a:cxnSpLocks/>
+            <a:stCxn id="36" idx="2"/>
+            <a:endCxn id="34" idx="0"/>
+          </p:cNvCxnSpPr>
+          <p:nvPr/>
+        </p:nvCxnSpPr>
+        <p:spPr>
+          <a:xfrm>
+            <a:off x="5452299" y="2439648"/>
+            <a:ext cx="517065" cy="693216"/>
+          </a:xfrm>
+          <a:prstGeom prst="straightConnector1">
+            <a:avLst/>
+          </a:prstGeom>
+          <a:ln w="76200">
+            <a:solidFill>
+              <a:srgbClr val="FF0000"/>
+            </a:solidFill>
+            <a:tailEnd type="triangle"/>
+          </a:ln>
+        </p:spPr>
+        <p:style>
+          <a:lnRef idx="1">
+            <a:schemeClr val="accent1"/>
+          </a:lnRef>
+          <a:fillRef idx="0">
+            <a:schemeClr val="accent1"/>
+          </a:fillRef>
+          <a:effectRef idx="0">
+            <a:schemeClr val="accent1"/>
+          </a:effectRef>
+          <a:fontRef idx="minor">
+            <a:schemeClr val="tx1"/>
+          </a:fontRef>
+        </p:style>
+      </p:cxnSp>
+      <p:cxnSp>
+        <p:nvCxnSpPr>
+          <p:cNvPr id="39" name="Straight Arrow Connector 38">
+            <a:extLst>
+              <a:ext uri="{FF2B5EF4-FFF2-40B4-BE49-F238E27FC236}">
+                <a16:creationId xmlns:a16="http://schemas.microsoft.com/office/drawing/2014/main" id="{9DAD6FE4-818C-EB46-98ED-7A886FBA3A2E}"/>
+              </a:ext>
+            </a:extLst>
+          </p:cNvPr>
+          <p:cNvCxnSpPr>
+            <a:cxnSpLocks/>
+            <a:stCxn id="37" idx="2"/>
+            <a:endCxn id="34" idx="0"/>
+          </p:cNvCxnSpPr>
+          <p:nvPr/>
+        </p:nvCxnSpPr>
+        <p:spPr>
+          <a:xfrm flipH="1">
+            <a:off x="5969364" y="2439648"/>
+            <a:ext cx="708824" cy="693216"/>
+          </a:xfrm>
+          <a:prstGeom prst="straightConnector1">
+            <a:avLst/>
+          </a:prstGeom>
+          <a:ln w="76200">
+            <a:solidFill>
+              <a:srgbClr val="0432FF"/>
+            </a:solidFill>
+            <a:tailEnd type="triangle"/>
+          </a:ln>
+        </p:spPr>
+        <p:style>
+          <a:lnRef idx="1">
+            <a:schemeClr val="accent1"/>
+          </a:lnRef>
+          <a:fillRef idx="0">
+            <a:schemeClr val="accent1"/>
+          </a:fillRef>
+          <a:effectRef idx="0">
+            <a:schemeClr val="accent1"/>
+          </a:effectRef>
+          <a:fontRef idx="minor">
+            <a:schemeClr val="tx1"/>
+          </a:fontRef>
+        </p:style>
+      </p:cxnSp>
+      <p:sp>
+        <p:nvSpPr>
+          <p:cNvPr id="40" name="TextBox 39">
+            <a:extLst>
+              <a:ext uri="{FF2B5EF4-FFF2-40B4-BE49-F238E27FC236}">
+                <a16:creationId xmlns:a16="http://schemas.microsoft.com/office/drawing/2014/main" id="{00A98B91-1CBA-1145-B40D-11CC62F343FC}"/>
+              </a:ext>
+            </a:extLst>
+          </p:cNvPr>
+          <p:cNvSpPr txBox="1"/>
+          <p:nvPr/>
+        </p:nvSpPr>
+        <p:spPr>
+          <a:xfrm>
+            <a:off x="2929003" y="430452"/>
+            <a:ext cx="846707" cy="584775"/>
+          </a:xfrm>
+          <a:prstGeom prst="rect">
+            <a:avLst/>
+          </a:prstGeom>
+          <a:noFill/>
+          <a:ln w="76200">
+            <a:solidFill>
+              <a:schemeClr val="tx1"/>
+            </a:solidFill>
+          </a:ln>
+        </p:spPr>
+        <p:txBody>
+          <a:bodyPr wrap="none" rtlCol="0">
+            <a:spAutoFit/>
+          </a:bodyPr>
+          <a:lstStyle/>
+          <a:p>
+            <a:r>
+              <a:rPr lang="en-US" sz="3200" dirty="0" err="1"/>
+              <a:t>Nfix</a:t>
+            </a:r>
+            <a:endParaRPr lang="en-US" sz="3200" dirty="0"/>
+          </a:p>
+        </p:txBody>
+      </p:sp>
+      <p:sp>
+        <p:nvSpPr>
+          <p:cNvPr id="41" name="TextBox 40">
+            <a:extLst>
+              <a:ext uri="{FF2B5EF4-FFF2-40B4-BE49-F238E27FC236}">
+                <a16:creationId xmlns:a16="http://schemas.microsoft.com/office/drawing/2014/main" id="{11BBFF44-054C-9445-B560-39693C86642B}"/>
+              </a:ext>
+            </a:extLst>
+          </p:cNvPr>
+          <p:cNvSpPr txBox="1"/>
+          <p:nvPr/>
+        </p:nvSpPr>
+        <p:spPr>
+          <a:xfrm>
+            <a:off x="4286018" y="411358"/>
+            <a:ext cx="612668" cy="584775"/>
+          </a:xfrm>
+          <a:prstGeom prst="rect">
+            <a:avLst/>
+          </a:prstGeom>
+          <a:noFill/>
+          <a:ln w="76200">
+            <a:solidFill>
+              <a:schemeClr val="tx1"/>
+            </a:solidFill>
+          </a:ln>
+        </p:spPr>
+        <p:txBody>
+          <a:bodyPr wrap="none" rtlCol="0">
+            <a:spAutoFit/>
+          </a:bodyPr>
+          <a:lstStyle/>
+          <a:p>
+            <a:r>
+              <a:rPr lang="en-US" sz="3200" dirty="0"/>
+              <a:t>C4</a:t>
+            </a:r>
+          </a:p>
+        </p:txBody>
+      </p:sp>
+      <p:cxnSp>
+        <p:nvCxnSpPr>
+          <p:cNvPr id="42" name="Straight Arrow Connector 41">
+            <a:extLst>
+              <a:ext uri="{FF2B5EF4-FFF2-40B4-BE49-F238E27FC236}">
+                <a16:creationId xmlns:a16="http://schemas.microsoft.com/office/drawing/2014/main" id="{FB8B9073-CA10-4347-9C0A-8F94B60B4AFE}"/>
+              </a:ext>
+            </a:extLst>
+          </p:cNvPr>
+          <p:cNvCxnSpPr>
+            <a:cxnSpLocks/>
+            <a:stCxn id="40" idx="2"/>
+            <a:endCxn id="30" idx="0"/>
+          </p:cNvCxnSpPr>
+          <p:nvPr/>
+        </p:nvCxnSpPr>
+        <p:spPr>
+          <a:xfrm>
+            <a:off x="3352357" y="1015227"/>
+            <a:ext cx="1239995" cy="2121385"/>
+          </a:xfrm>
+          <a:prstGeom prst="straightConnector1">
+            <a:avLst/>
+          </a:prstGeom>
+          <a:ln w="76200">
+            <a:solidFill>
+              <a:srgbClr val="FF0000">
+                <a:alpha val="20000"/>
+              </a:srgbClr>
+            </a:solidFill>
+            <a:tailEnd type="triangle"/>
+          </a:ln>
+        </p:spPr>
+        <p:style>
+          <a:lnRef idx="1">
+            <a:schemeClr val="accent1"/>
+          </a:lnRef>
+          <a:fillRef idx="0">
+            <a:schemeClr val="accent1"/>
+          </a:fillRef>
+          <a:effectRef idx="0">
+            <a:schemeClr val="accent1"/>
+          </a:effectRef>
+          <a:fontRef idx="minor">
+            <a:schemeClr val="tx1"/>
+          </a:fontRef>
+        </p:style>
+      </p:cxnSp>
+      <p:cxnSp>
+        <p:nvCxnSpPr>
+          <p:cNvPr id="43" name="Straight Arrow Connector 42">
+            <a:extLst>
+              <a:ext uri="{FF2B5EF4-FFF2-40B4-BE49-F238E27FC236}">
+                <a16:creationId xmlns:a16="http://schemas.microsoft.com/office/drawing/2014/main" id="{600F3363-5F7A-4248-8A73-AA4339C47763}"/>
+              </a:ext>
+            </a:extLst>
+          </p:cNvPr>
+          <p:cNvCxnSpPr>
+            <a:cxnSpLocks/>
+            <a:stCxn id="41" idx="2"/>
+            <a:endCxn id="30" idx="0"/>
+          </p:cNvCxnSpPr>
+          <p:nvPr/>
+        </p:nvCxnSpPr>
+        <p:spPr>
+          <a:xfrm>
+            <a:off x="4592352" y="996133"/>
+            <a:ext cx="0" cy="2140479"/>
+          </a:xfrm>
+          <a:prstGeom prst="straightConnector1">
+            <a:avLst/>
+          </a:prstGeom>
+          <a:ln w="76200">
+            <a:solidFill>
+              <a:srgbClr val="FF0000"/>
+            </a:solidFill>
+            <a:tailEnd type="triangle"/>
+          </a:ln>
+        </p:spPr>
+        <p:style>
+          <a:lnRef idx="1">
+            <a:schemeClr val="accent1"/>
+          </a:lnRef>
+          <a:fillRef idx="0">
+            <a:schemeClr val="accent1"/>
+          </a:fillRef>
+          <a:effectRef idx="0">
+            <a:schemeClr val="accent1"/>
+          </a:effectRef>
+          <a:fontRef idx="minor">
+            <a:schemeClr val="tx1"/>
+          </a:fontRef>
+        </p:style>
+      </p:cxnSp>
+      <p:sp>
+        <p:nvSpPr>
+          <p:cNvPr id="44" name="TextBox 43">
+            <a:extLst>
+              <a:ext uri="{FF2B5EF4-FFF2-40B4-BE49-F238E27FC236}">
+                <a16:creationId xmlns:a16="http://schemas.microsoft.com/office/drawing/2014/main" id="{8B0B7A92-C73B-E044-8D33-85ABE8C541C9}"/>
+              </a:ext>
+            </a:extLst>
+          </p:cNvPr>
+          <p:cNvSpPr txBox="1"/>
+          <p:nvPr/>
+        </p:nvSpPr>
+        <p:spPr>
+          <a:xfrm>
+            <a:off x="1744826" y="3132863"/>
+            <a:ext cx="1564852" cy="584775"/>
+          </a:xfrm>
+          <a:prstGeom prst="rect">
+            <a:avLst/>
+          </a:prstGeom>
+          <a:noFill/>
+          <a:ln w="76200">
+            <a:solidFill>
+              <a:schemeClr val="tx1"/>
+            </a:solidFill>
+          </a:ln>
+        </p:spPr>
+        <p:txBody>
+          <a:bodyPr wrap="none" rtlCol="0">
+            <a:spAutoFit/>
+          </a:bodyPr>
+          <a:lstStyle/>
+          <a:p>
+            <a:r>
+              <a:rPr lang="en-US" sz="3200" dirty="0"/>
+              <a:t>Biomass</a:t>
+            </a:r>
+          </a:p>
+        </p:txBody>
+      </p:sp>
+      <p:cxnSp>
+        <p:nvCxnSpPr>
+          <p:cNvPr id="45" name="Straight Arrow Connector 44">
+            <a:extLst>
+              <a:ext uri="{FF2B5EF4-FFF2-40B4-BE49-F238E27FC236}">
+                <a16:creationId xmlns:a16="http://schemas.microsoft.com/office/drawing/2014/main" id="{B46A53BE-FBE2-B248-BBF7-EDE926CB2F0D}"/>
+              </a:ext>
+            </a:extLst>
+          </p:cNvPr>
+          <p:cNvCxnSpPr>
+            <a:cxnSpLocks/>
+            <a:stCxn id="44" idx="0"/>
+            <a:endCxn id="29" idx="2"/>
+          </p:cNvCxnSpPr>
+          <p:nvPr/>
+        </p:nvCxnSpPr>
+        <p:spPr>
+          <a:xfrm flipH="1" flipV="1">
+            <a:off x="2112363" y="2439649"/>
+            <a:ext cx="414889" cy="693214"/>
+          </a:xfrm>
+          <a:prstGeom prst="straightConnector1">
+            <a:avLst/>
+          </a:prstGeom>
+          <a:ln w="76200">
+            <a:solidFill>
+              <a:srgbClr val="FF0000">
+                <a:alpha val="20000"/>
+              </a:srgbClr>
+            </a:solidFill>
+            <a:tailEnd type="triangle"/>
+          </a:ln>
+        </p:spPr>
+        <p:style>
+          <a:lnRef idx="1">
+            <a:schemeClr val="accent1"/>
+          </a:lnRef>
+          <a:fillRef idx="0">
+            <a:schemeClr val="accent1"/>
+          </a:fillRef>
+          <a:effectRef idx="0">
+            <a:schemeClr val="accent1"/>
+          </a:effectRef>
+          <a:fontRef idx="minor">
+            <a:schemeClr val="tx1"/>
+          </a:fontRef>
+        </p:style>
+      </p:cxnSp>
+      <p:cxnSp>
+        <p:nvCxnSpPr>
+          <p:cNvPr id="46" name="Straight Arrow Connector 45">
+            <a:extLst>
+              <a:ext uri="{FF2B5EF4-FFF2-40B4-BE49-F238E27FC236}">
+                <a16:creationId xmlns:a16="http://schemas.microsoft.com/office/drawing/2014/main" id="{F162F47B-D0EB-534D-9B61-96B055087D6B}"/>
+              </a:ext>
+            </a:extLst>
+          </p:cNvPr>
+          <p:cNvCxnSpPr>
+            <a:cxnSpLocks/>
+            <a:stCxn id="44" idx="2"/>
+            <a:endCxn id="32" idx="0"/>
+          </p:cNvCxnSpPr>
+          <p:nvPr/>
+        </p:nvCxnSpPr>
+        <p:spPr>
+          <a:xfrm flipH="1">
+            <a:off x="2376360" y="3717638"/>
+            <a:ext cx="150892" cy="700712"/>
+          </a:xfrm>
+          <a:prstGeom prst="straightConnector1">
+            <a:avLst/>
+          </a:prstGeom>
+          <a:ln w="76200">
+            <a:solidFill>
+              <a:srgbClr val="FF0000">
+                <a:alpha val="20000"/>
+              </a:srgbClr>
+            </a:solidFill>
+            <a:tailEnd type="triangle"/>
+          </a:ln>
+        </p:spPr>
+        <p:style>
+          <a:lnRef idx="1">
+            <a:schemeClr val="accent1"/>
+          </a:lnRef>
+          <a:fillRef idx="0">
+            <a:schemeClr val="accent1"/>
+          </a:fillRef>
+          <a:effectRef idx="0">
+            <a:schemeClr val="accent1"/>
+          </a:effectRef>
+          <a:fontRef idx="minor">
+            <a:schemeClr val="tx1"/>
+          </a:fontRef>
+        </p:style>
+      </p:cxnSp>
+      <p:cxnSp>
+        <p:nvCxnSpPr>
+          <p:cNvPr id="47" name="Straight Arrow Connector 46">
+            <a:extLst>
+              <a:ext uri="{FF2B5EF4-FFF2-40B4-BE49-F238E27FC236}">
+                <a16:creationId xmlns:a16="http://schemas.microsoft.com/office/drawing/2014/main" id="{04DB9520-C184-D347-A659-EC6868EA3132}"/>
+              </a:ext>
+            </a:extLst>
+          </p:cNvPr>
+          <p:cNvCxnSpPr>
+            <a:cxnSpLocks/>
+          </p:cNvCxnSpPr>
+          <p:nvPr/>
+        </p:nvCxnSpPr>
+        <p:spPr>
+          <a:xfrm flipV="1">
+            <a:off x="1459282" y="3721387"/>
+            <a:ext cx="285544" cy="696963"/>
+          </a:xfrm>
+          <a:prstGeom prst="straightConnector1">
+            <a:avLst/>
+          </a:prstGeom>
+          <a:ln w="76200">
+            <a:solidFill>
+              <a:srgbClr val="0432FF">
+                <a:alpha val="20000"/>
+              </a:srgbClr>
+            </a:solidFill>
+            <a:tailEnd type="triangle"/>
+          </a:ln>
+        </p:spPr>
+        <p:style>
+          <a:lnRef idx="1">
+            <a:schemeClr val="accent1"/>
+          </a:lnRef>
+          <a:fillRef idx="0">
+            <a:schemeClr val="accent1"/>
+          </a:fillRef>
+          <a:effectRef idx="0">
+            <a:schemeClr val="accent1"/>
+          </a:effectRef>
+          <a:fontRef idx="minor">
+            <a:schemeClr val="tx1"/>
+          </a:fontRef>
+        </p:style>
+      </p:cxnSp>
+      <p:cxnSp>
+        <p:nvCxnSpPr>
+          <p:cNvPr id="48" name="Straight Arrow Connector 47">
+            <a:extLst>
+              <a:ext uri="{FF2B5EF4-FFF2-40B4-BE49-F238E27FC236}">
+                <a16:creationId xmlns:a16="http://schemas.microsoft.com/office/drawing/2014/main" id="{52BAF1D4-8771-9E43-8BA6-2E32BF77FE1C}"/>
+              </a:ext>
+            </a:extLst>
+          </p:cNvPr>
+          <p:cNvCxnSpPr>
+            <a:cxnSpLocks/>
+          </p:cNvCxnSpPr>
+          <p:nvPr/>
+        </p:nvCxnSpPr>
+        <p:spPr>
+          <a:xfrm>
+            <a:off x="915048" y="2439648"/>
+            <a:ext cx="829778" cy="689466"/>
+          </a:xfrm>
+          <a:prstGeom prst="straightConnector1">
+            <a:avLst/>
+          </a:prstGeom>
+          <a:ln w="76200">
+            <a:solidFill>
+              <a:srgbClr val="0432FF">
+                <a:alpha val="20000"/>
+              </a:srgbClr>
+            </a:solidFill>
+            <a:tailEnd type="triangle"/>
+          </a:ln>
+        </p:spPr>
+        <p:style>
+          <a:lnRef idx="1">
+            <a:schemeClr val="accent1"/>
+          </a:lnRef>
+          <a:fillRef idx="0">
+            <a:schemeClr val="accent1"/>
+          </a:fillRef>
+          <a:effectRef idx="0">
+            <a:schemeClr val="accent1"/>
+          </a:effectRef>
+          <a:fontRef idx="minor">
+            <a:schemeClr val="tx1"/>
+          </a:fontRef>
+        </p:style>
+      </p:cxnSp>
+      <p:pic>
+        <p:nvPicPr>
+          <p:cNvPr id="2" name="Picture 1">
+            <a:extLst>
+              <a:ext uri="{FF2B5EF4-FFF2-40B4-BE49-F238E27FC236}">
+                <a16:creationId xmlns:a16="http://schemas.microsoft.com/office/drawing/2014/main" id="{8A03F73C-1F33-0841-AB28-4C67BDE523D5}"/>
+              </a:ext>
+            </a:extLst>
+          </p:cNvPr>
+          <p:cNvPicPr>
+            <a:picLocks noChangeAspect="1"/>
+          </p:cNvPicPr>
+          <p:nvPr/>
+        </p:nvPicPr>
+        <p:blipFill>
+          <a:blip r:embed="rId2"/>
+          <a:stretch>
+            <a:fillRect/>
+          </a:stretch>
+        </p:blipFill>
+        <p:spPr>
+          <a:xfrm>
+            <a:off x="7125368" y="1873770"/>
+            <a:ext cx="5042166" cy="3612629"/>
+          </a:xfrm>
+          <a:prstGeom prst="rect">
+            <a:avLst/>
+          </a:prstGeom>
+        </p:spPr>
+      </p:pic>
+      <p:sp>
+        <p:nvSpPr>
+          <p:cNvPr id="3" name="TextBox 2">
+            <a:extLst>
+              <a:ext uri="{FF2B5EF4-FFF2-40B4-BE49-F238E27FC236}">
+                <a16:creationId xmlns:a16="http://schemas.microsoft.com/office/drawing/2014/main" id="{E8A05F27-1E52-5542-A2C7-E522DA035A5F}"/>
+              </a:ext>
+            </a:extLst>
+          </p:cNvPr>
+          <p:cNvSpPr txBox="1"/>
+          <p:nvPr/>
+        </p:nvSpPr>
+        <p:spPr>
+          <a:xfrm>
+            <a:off x="1466575" y="5699691"/>
+            <a:ext cx="8381012" cy="954107"/>
+          </a:xfrm>
+          <a:prstGeom prst="rect">
+            <a:avLst/>
+          </a:prstGeom>
+          <a:noFill/>
+        </p:spPr>
+        <p:txBody>
+          <a:bodyPr wrap="none" rtlCol="0">
+            <a:spAutoFit/>
+          </a:bodyPr>
+          <a:lstStyle/>
+          <a:p>
+            <a:r>
+              <a:rPr lang="en-US" sz="2800" dirty="0">
+                <a:solidFill>
+                  <a:srgbClr val="7030A0"/>
+                </a:solidFill>
+              </a:rPr>
+              <a:t>Soil nut. and C4 as expected (-)</a:t>
+            </a:r>
+          </a:p>
+          <a:p>
+            <a:r>
+              <a:rPr lang="en-US" sz="2800" dirty="0">
+                <a:solidFill>
+                  <a:srgbClr val="7030A0"/>
+                </a:solidFill>
+              </a:rPr>
+              <a:t>Positive moisture effect, but strong correlation with VPD</a:t>
+            </a:r>
+          </a:p>
+        </p:txBody>
+      </p:sp>
+    </p:spTree>
+    <p:extLst>
+      <p:ext uri="{BB962C8B-B14F-4D97-AF65-F5344CB8AC3E}">
+        <p14:creationId xmlns:p14="http://schemas.microsoft.com/office/powerpoint/2010/main" val="2583451162"/>
+      </p:ext>
+    </p:extLst>
+  </p:cSld>
+  <p:clrMapOvr>
+    <a:masterClrMapping/>
+  </p:clrMapOvr>
+</p:sld>
+</file>
+
+<file path=ppt/slides/slide25.xml><?xml version="1.0" encoding="utf-8"?>
+<p:sld xmlns:a="http://schemas.openxmlformats.org/drawingml/2006/main" xmlns:r="http://schemas.openxmlformats.org/officeDocument/2006/relationships" xmlns:p="http://schemas.openxmlformats.org/presentationml/2006/main">
+  <p:cSld>
+    <p:spTree>
+      <p:nvGrpSpPr>
+        <p:cNvPr id="1" name=""/>
+        <p:cNvGrpSpPr/>
+        <p:nvPr/>
+      </p:nvGrpSpPr>
+      <p:grpSpPr>
+        <a:xfrm>
+          <a:off x="0" y="0"/>
+          <a:ext cx="0" cy="0"/>
+          <a:chOff x="0" y="0"/>
+          <a:chExt cx="0" cy="0"/>
+        </a:xfrm>
+      </p:grpSpPr>
+      <p:sp>
+        <p:nvSpPr>
+          <p:cNvPr id="2" name="Title 1">
+            <a:extLst>
+              <a:ext uri="{FF2B5EF4-FFF2-40B4-BE49-F238E27FC236}">
+                <a16:creationId xmlns:a16="http://schemas.microsoft.com/office/drawing/2014/main" id="{DE4837C5-9DAE-8741-9948-C98DAE32E5E4}"/>
+              </a:ext>
+            </a:extLst>
+          </p:cNvPr>
+          <p:cNvSpPr>
+            <a:spLocks noGrp="1"/>
+          </p:cNvSpPr>
+          <p:nvPr>
+            <p:ph type="title"/>
+          </p:nvPr>
+        </p:nvSpPr>
+        <p:spPr/>
+        <p:txBody>
+          <a:bodyPr/>
+          <a:lstStyle/>
+          <a:p>
+            <a:r>
+              <a:rPr lang="en-US" dirty="0"/>
+              <a:t>Some alternative </a:t>
+            </a:r>
+            <a:r>
+              <a:rPr lang="el-GR" dirty="0"/>
+              <a:t>χ</a:t>
+            </a:r>
+            <a:r>
+              <a:rPr lang="en-US" dirty="0"/>
+              <a:t> estimation approaches</a:t>
+            </a:r>
+          </a:p>
+        </p:txBody>
+      </p:sp>
+      <p:sp>
+        <p:nvSpPr>
+          <p:cNvPr id="3" name="Content Placeholder 2">
+            <a:extLst>
+              <a:ext uri="{FF2B5EF4-FFF2-40B4-BE49-F238E27FC236}">
+                <a16:creationId xmlns:a16="http://schemas.microsoft.com/office/drawing/2014/main" id="{76ECCFE8-8653-3B44-B40E-02A82FE8A9AE}"/>
+              </a:ext>
+            </a:extLst>
+          </p:cNvPr>
+          <p:cNvSpPr>
+            <a:spLocks noGrp="1"/>
+          </p:cNvSpPr>
+          <p:nvPr>
+            <p:ph idx="1"/>
+          </p:nvPr>
+        </p:nvSpPr>
+        <p:spPr/>
+        <p:txBody>
+          <a:bodyPr/>
+          <a:lstStyle/>
+          <a:p>
+            <a:r>
+              <a:rPr lang="en-US" dirty="0"/>
+              <a:t>Least cost model</a:t>
+            </a:r>
+          </a:p>
+          <a:p>
+            <a:pPr lvl="1"/>
+            <a:r>
+              <a:rPr lang="en-US" dirty="0"/>
+              <a:t>C3: Prentice et al., 2014</a:t>
+            </a:r>
+          </a:p>
+          <a:p>
+            <a:pPr lvl="2"/>
+            <a:r>
+              <a:rPr lang="el-GR" dirty="0"/>
+              <a:t>β</a:t>
+            </a:r>
+            <a:r>
+              <a:rPr lang="en-US" dirty="0"/>
+              <a:t> from low and high N</a:t>
+            </a:r>
+          </a:p>
+          <a:p>
+            <a:pPr lvl="1"/>
+            <a:r>
+              <a:rPr lang="en-US" dirty="0"/>
+              <a:t>C4: Scott and Smith, 2022</a:t>
+            </a:r>
+          </a:p>
+          <a:p>
+            <a:pPr lvl="2"/>
+            <a:r>
+              <a:rPr lang="el-GR" dirty="0"/>
+              <a:t>β</a:t>
+            </a:r>
+            <a:r>
+              <a:rPr lang="en-US" dirty="0"/>
+              <a:t> from low and high N</a:t>
+            </a:r>
+          </a:p>
+          <a:p>
+            <a:r>
+              <a:rPr lang="en-US" dirty="0"/>
+              <a:t>Structural equation model (path analysis)</a:t>
+            </a:r>
+          </a:p>
+        </p:txBody>
+      </p:sp>
+    </p:spTree>
+    <p:extLst>
+      <p:ext uri="{BB962C8B-B14F-4D97-AF65-F5344CB8AC3E}">
+        <p14:creationId xmlns:p14="http://schemas.microsoft.com/office/powerpoint/2010/main" val="3660093134"/>
+      </p:ext>
+    </p:extLst>
+  </p:cSld>
+  <p:clrMapOvr>
+    <a:masterClrMapping/>
+  </p:clrMapOvr>
+</p:sld>
+</file>
+
+<file path=ppt/slides/slide26.xml><?xml version="1.0" encoding="utf-8"?>
+<p:sld xmlns:a="http://schemas.openxmlformats.org/drawingml/2006/main" xmlns:r="http://schemas.openxmlformats.org/officeDocument/2006/relationships" xmlns:p="http://schemas.openxmlformats.org/presentationml/2006/main">
+  <p:cSld>
+    <p:spTree>
+      <p:nvGrpSpPr>
+        <p:cNvPr id="1" name=""/>
+        <p:cNvGrpSpPr/>
+        <p:nvPr/>
+      </p:nvGrpSpPr>
+      <p:grpSpPr>
+        <a:xfrm>
+          <a:off x="0" y="0"/>
+          <a:ext cx="0" cy="0"/>
+          <a:chOff x="0" y="0"/>
+          <a:chExt cx="0" cy="0"/>
+        </a:xfrm>
+      </p:grpSpPr>
+      <p:sp>
+        <p:nvSpPr>
+          <p:cNvPr id="2" name="Title 1">
+            <a:extLst>
+              <a:ext uri="{FF2B5EF4-FFF2-40B4-BE49-F238E27FC236}">
+                <a16:creationId xmlns:a16="http://schemas.microsoft.com/office/drawing/2014/main" id="{B7AADB60-52ED-FE4F-93D9-C3A1D75ABB40}"/>
+              </a:ext>
+            </a:extLst>
+          </p:cNvPr>
+          <p:cNvSpPr>
+            <a:spLocks noGrp="1"/>
+          </p:cNvSpPr>
+          <p:nvPr>
+            <p:ph type="title"/>
+          </p:nvPr>
+        </p:nvSpPr>
+        <p:spPr/>
+        <p:txBody>
+          <a:bodyPr/>
+          <a:lstStyle/>
+          <a:p>
+            <a:r>
+              <a:rPr lang="en-US" dirty="0"/>
+              <a:t>Least cost </a:t>
+            </a:r>
+            <a:r>
+              <a:rPr lang="el-GR" dirty="0"/>
+              <a:t>χ</a:t>
+            </a:r>
+            <a:endParaRPr lang="en-US" dirty="0"/>
+          </a:p>
+        </p:txBody>
+      </p:sp>
+      <p:sp>
+        <p:nvSpPr>
+          <p:cNvPr id="4" name="TextBox 3">
+            <a:extLst>
+              <a:ext uri="{FF2B5EF4-FFF2-40B4-BE49-F238E27FC236}">
+                <a16:creationId xmlns:a16="http://schemas.microsoft.com/office/drawing/2014/main" id="{1DED0613-AEF0-F043-894C-02FC755BF24C}"/>
+              </a:ext>
+            </a:extLst>
+          </p:cNvPr>
+          <p:cNvSpPr txBox="1"/>
+          <p:nvPr/>
+        </p:nvSpPr>
+        <p:spPr>
+          <a:xfrm>
+            <a:off x="7225259" y="2518348"/>
+            <a:ext cx="4796851" cy="1477328"/>
+          </a:xfrm>
+          <a:prstGeom prst="rect">
+            <a:avLst/>
+          </a:prstGeom>
+          <a:noFill/>
+        </p:spPr>
+        <p:txBody>
+          <a:bodyPr wrap="square" rtlCol="0">
+            <a:spAutoFit/>
+          </a:bodyPr>
+          <a:lstStyle/>
+          <a:p>
+            <a:r>
+              <a:rPr lang="en-US" dirty="0"/>
+              <a:t>R2 = 0.2</a:t>
+            </a:r>
+          </a:p>
+          <a:p>
+            <a:r>
+              <a:rPr lang="en-US" dirty="0"/>
+              <a:t>slope = 0.68 (approach 1 if forced through origin)</a:t>
+            </a:r>
+          </a:p>
+          <a:p>
+            <a:endParaRPr lang="en-US" dirty="0"/>
+          </a:p>
+          <a:p>
+            <a:r>
+              <a:rPr lang="en-US" dirty="0"/>
+              <a:t>Obvious C3/C4 differences</a:t>
+            </a:r>
+          </a:p>
+          <a:p>
+            <a:endParaRPr lang="en-US" dirty="0"/>
+          </a:p>
+        </p:txBody>
+      </p:sp>
+      <p:pic>
+        <p:nvPicPr>
+          <p:cNvPr id="5" name="Picture 4">
+            <a:extLst>
+              <a:ext uri="{FF2B5EF4-FFF2-40B4-BE49-F238E27FC236}">
+                <a16:creationId xmlns:a16="http://schemas.microsoft.com/office/drawing/2014/main" id="{7A4354DE-5793-B845-973B-06FC32118ED5}"/>
+              </a:ext>
+            </a:extLst>
+          </p:cNvPr>
+          <p:cNvPicPr>
+            <a:picLocks noChangeAspect="1"/>
+          </p:cNvPicPr>
+          <p:nvPr/>
+        </p:nvPicPr>
+        <p:blipFill>
+          <a:blip r:embed="rId2"/>
+          <a:stretch>
+            <a:fillRect/>
+          </a:stretch>
+        </p:blipFill>
+        <p:spPr>
+          <a:xfrm>
+            <a:off x="389743" y="1842313"/>
+            <a:ext cx="6700605" cy="4910115"/>
+          </a:xfrm>
+          <a:prstGeom prst="rect">
+            <a:avLst/>
+          </a:prstGeom>
+        </p:spPr>
+      </p:pic>
+    </p:spTree>
+    <p:extLst>
+      <p:ext uri="{BB962C8B-B14F-4D97-AF65-F5344CB8AC3E}">
+        <p14:creationId xmlns:p14="http://schemas.microsoft.com/office/powerpoint/2010/main" val="1867405568"/>
+      </p:ext>
+    </p:extLst>
+  </p:cSld>
+  <p:clrMapOvr>
+    <a:masterClrMapping/>
+  </p:clrMapOvr>
+</p:sld>
+</file>
+
+<file path=ppt/slides/slide27.xml><?xml version="1.0" encoding="utf-8"?>
+<p:sld xmlns:a="http://schemas.openxmlformats.org/drawingml/2006/main" xmlns:r="http://schemas.openxmlformats.org/officeDocument/2006/relationships" xmlns:p="http://schemas.openxmlformats.org/presentationml/2006/main">
+  <p:cSld>
+    <p:spTree>
+      <p:nvGrpSpPr>
+        <p:cNvPr id="1" name=""/>
+        <p:cNvGrpSpPr/>
+        <p:nvPr/>
+      </p:nvGrpSpPr>
+      <p:grpSpPr>
+        <a:xfrm>
+          <a:off x="0" y="0"/>
+          <a:ext cx="0" cy="0"/>
+          <a:chOff x="0" y="0"/>
+          <a:chExt cx="0" cy="0"/>
+        </a:xfrm>
+      </p:grpSpPr>
+      <p:sp>
+        <p:nvSpPr>
+          <p:cNvPr id="2" name="Title 1">
+            <a:extLst>
+              <a:ext uri="{FF2B5EF4-FFF2-40B4-BE49-F238E27FC236}">
+                <a16:creationId xmlns:a16="http://schemas.microsoft.com/office/drawing/2014/main" id="{5291DE20-DA14-E14A-94CA-AD609CB5C98F}"/>
+              </a:ext>
+            </a:extLst>
+          </p:cNvPr>
+          <p:cNvSpPr>
+            <a:spLocks noGrp="1"/>
+          </p:cNvSpPr>
+          <p:nvPr>
+            <p:ph type="title"/>
+          </p:nvPr>
+        </p:nvSpPr>
+        <p:spPr/>
+        <p:txBody>
+          <a:bodyPr/>
+          <a:lstStyle/>
+          <a:p>
+            <a:r>
+              <a:rPr lang="en-US" dirty="0"/>
+              <a:t>SEM</a:t>
+            </a:r>
+          </a:p>
+        </p:txBody>
+      </p:sp>
+      <p:sp>
+        <p:nvSpPr>
+          <p:cNvPr id="18" name="TextBox 17">
+            <a:extLst>
+              <a:ext uri="{FF2B5EF4-FFF2-40B4-BE49-F238E27FC236}">
+                <a16:creationId xmlns:a16="http://schemas.microsoft.com/office/drawing/2014/main" id="{E15299CD-CDE8-8140-9EE0-182D5ABCBDDB}"/>
+              </a:ext>
+            </a:extLst>
+          </p:cNvPr>
+          <p:cNvSpPr txBox="1"/>
+          <p:nvPr/>
+        </p:nvSpPr>
+        <p:spPr>
+          <a:xfrm>
+            <a:off x="915048" y="3069075"/>
+            <a:ext cx="2394630" cy="584775"/>
+          </a:xfrm>
+          <a:prstGeom prst="rect">
+            <a:avLst/>
+          </a:prstGeom>
+          <a:noFill/>
+          <a:ln w="76200">
+            <a:solidFill>
+              <a:schemeClr val="tx1"/>
+            </a:solidFill>
+          </a:ln>
+        </p:spPr>
+        <p:txBody>
+          <a:bodyPr wrap="none" rtlCol="0">
+            <a:spAutoFit/>
+          </a:bodyPr>
+          <a:lstStyle/>
+          <a:p>
+            <a:r>
+              <a:rPr lang="en-US" sz="3200" dirty="0"/>
+              <a:t>Soil nutrients</a:t>
+            </a:r>
+          </a:p>
+        </p:txBody>
+      </p:sp>
+      <p:sp>
+        <p:nvSpPr>
+          <p:cNvPr id="19" name="TextBox 18">
+            <a:extLst>
+              <a:ext uri="{FF2B5EF4-FFF2-40B4-BE49-F238E27FC236}">
+                <a16:creationId xmlns:a16="http://schemas.microsoft.com/office/drawing/2014/main" id="{8471FCF4-E5AC-504A-A4BE-FBD49CA23BB6}"/>
+              </a:ext>
+            </a:extLst>
+          </p:cNvPr>
+          <p:cNvSpPr txBox="1"/>
+          <p:nvPr/>
+        </p:nvSpPr>
+        <p:spPr>
+          <a:xfrm>
+            <a:off x="4391015" y="4350813"/>
+            <a:ext cx="402674" cy="584775"/>
+          </a:xfrm>
+          <a:prstGeom prst="rect">
+            <a:avLst/>
+          </a:prstGeom>
+          <a:noFill/>
+          <a:ln w="76200">
+            <a:solidFill>
+              <a:schemeClr val="tx1"/>
+            </a:solidFill>
+          </a:ln>
+        </p:spPr>
+        <p:txBody>
+          <a:bodyPr wrap="none" rtlCol="0">
+            <a:spAutoFit/>
+          </a:bodyPr>
+          <a:lstStyle/>
+          <a:p>
+            <a:r>
+              <a:rPr lang="el-GR" sz="3200" dirty="0"/>
+              <a:t>β</a:t>
+            </a:r>
+            <a:endParaRPr lang="en-US" sz="3200" dirty="0"/>
+          </a:p>
+        </p:txBody>
+      </p:sp>
+      <p:cxnSp>
+        <p:nvCxnSpPr>
+          <p:cNvPr id="20" name="Straight Arrow Connector 19">
+            <a:extLst>
+              <a:ext uri="{FF2B5EF4-FFF2-40B4-BE49-F238E27FC236}">
+                <a16:creationId xmlns:a16="http://schemas.microsoft.com/office/drawing/2014/main" id="{C8FCB27C-E87A-4342-82D6-E340CA2D95EC}"/>
+              </a:ext>
+            </a:extLst>
+          </p:cNvPr>
+          <p:cNvCxnSpPr>
+            <a:cxnSpLocks/>
+            <a:stCxn id="18" idx="2"/>
+            <a:endCxn id="19" idx="0"/>
+          </p:cNvCxnSpPr>
+          <p:nvPr/>
+        </p:nvCxnSpPr>
+        <p:spPr>
+          <a:xfrm>
+            <a:off x="2112363" y="3653850"/>
+            <a:ext cx="2479989" cy="696963"/>
+          </a:xfrm>
+          <a:prstGeom prst="straightConnector1">
+            <a:avLst/>
+          </a:prstGeom>
+          <a:ln w="76200">
+            <a:solidFill>
+              <a:srgbClr val="FF0000"/>
+            </a:solidFill>
+            <a:tailEnd type="triangle"/>
+          </a:ln>
+        </p:spPr>
+        <p:style>
+          <a:lnRef idx="1">
+            <a:schemeClr val="accent1"/>
+          </a:lnRef>
+          <a:fillRef idx="0">
+            <a:schemeClr val="accent1"/>
+          </a:fillRef>
+          <a:effectRef idx="0">
+            <a:schemeClr val="accent1"/>
+          </a:effectRef>
+          <a:fontRef idx="minor">
+            <a:schemeClr val="tx1"/>
+          </a:fontRef>
+        </p:style>
+      </p:cxnSp>
+      <p:sp>
+        <p:nvSpPr>
+          <p:cNvPr id="21" name="TextBox 20">
+            <a:extLst>
+              <a:ext uri="{FF2B5EF4-FFF2-40B4-BE49-F238E27FC236}">
+                <a16:creationId xmlns:a16="http://schemas.microsoft.com/office/drawing/2014/main" id="{35FBF8CD-4FC6-CC48-91AD-72B0A89EF974}"/>
+              </a:ext>
+            </a:extLst>
+          </p:cNvPr>
+          <p:cNvSpPr txBox="1"/>
+          <p:nvPr/>
+        </p:nvSpPr>
+        <p:spPr>
+          <a:xfrm>
+            <a:off x="1459282" y="5632551"/>
+            <a:ext cx="1834156" cy="584775"/>
+          </a:xfrm>
+          <a:prstGeom prst="rect">
+            <a:avLst/>
+          </a:prstGeom>
+          <a:noFill/>
+          <a:ln w="76200">
+            <a:solidFill>
+              <a:schemeClr val="tx1"/>
+            </a:solidFill>
+          </a:ln>
+        </p:spPr>
+        <p:txBody>
+          <a:bodyPr wrap="none" rtlCol="0">
+            <a:spAutoFit/>
+          </a:bodyPr>
+          <a:lstStyle/>
+          <a:p>
+            <a:r>
+              <a:rPr lang="en-US" sz="3200" dirty="0"/>
+              <a:t>Soil water</a:t>
+            </a:r>
+          </a:p>
+        </p:txBody>
+      </p:sp>
+      <p:cxnSp>
+        <p:nvCxnSpPr>
+          <p:cNvPr id="22" name="Straight Arrow Connector 21">
+            <a:extLst>
+              <a:ext uri="{FF2B5EF4-FFF2-40B4-BE49-F238E27FC236}">
+                <a16:creationId xmlns:a16="http://schemas.microsoft.com/office/drawing/2014/main" id="{CA3E2D7D-E111-5642-AFA9-06C88AD4751E}"/>
+              </a:ext>
+            </a:extLst>
+          </p:cNvPr>
+          <p:cNvCxnSpPr>
+            <a:cxnSpLocks/>
+            <a:stCxn id="21" idx="0"/>
+            <a:endCxn id="19" idx="2"/>
+          </p:cNvCxnSpPr>
+          <p:nvPr/>
+        </p:nvCxnSpPr>
+        <p:spPr>
+          <a:xfrm flipV="1">
+            <a:off x="2376360" y="4935588"/>
+            <a:ext cx="2215992" cy="696963"/>
+          </a:xfrm>
+          <a:prstGeom prst="straightConnector1">
+            <a:avLst/>
+          </a:prstGeom>
+          <a:ln w="76200">
+            <a:solidFill>
+              <a:srgbClr val="0432FF"/>
+            </a:solidFill>
+            <a:tailEnd type="triangle"/>
+          </a:ln>
+        </p:spPr>
+        <p:style>
+          <a:lnRef idx="1">
+            <a:schemeClr val="accent1"/>
+          </a:lnRef>
+          <a:fillRef idx="0">
+            <a:schemeClr val="accent1"/>
+          </a:fillRef>
+          <a:effectRef idx="0">
+            <a:schemeClr val="accent1"/>
+          </a:effectRef>
+          <a:fontRef idx="minor">
+            <a:schemeClr val="tx1"/>
+          </a:fontRef>
+        </p:style>
+      </p:cxnSp>
+      <p:sp>
+        <p:nvSpPr>
+          <p:cNvPr id="23" name="TextBox 22">
+            <a:extLst>
+              <a:ext uri="{FF2B5EF4-FFF2-40B4-BE49-F238E27FC236}">
+                <a16:creationId xmlns:a16="http://schemas.microsoft.com/office/drawing/2014/main" id="{98E4FAD6-2B7B-9D41-9398-92FFAA37B30C}"/>
+              </a:ext>
+            </a:extLst>
+          </p:cNvPr>
+          <p:cNvSpPr txBox="1"/>
+          <p:nvPr/>
+        </p:nvSpPr>
+        <p:spPr>
+          <a:xfrm>
+            <a:off x="5789667" y="4347065"/>
+            <a:ext cx="359394" cy="584775"/>
+          </a:xfrm>
+          <a:prstGeom prst="rect">
+            <a:avLst/>
+          </a:prstGeom>
+          <a:noFill/>
+          <a:ln w="76200">
+            <a:solidFill>
+              <a:schemeClr val="tx1"/>
+            </a:solidFill>
+          </a:ln>
+        </p:spPr>
+        <p:txBody>
+          <a:bodyPr wrap="none" rtlCol="0">
+            <a:spAutoFit/>
+          </a:bodyPr>
+          <a:lstStyle/>
+          <a:p>
+            <a:r>
+              <a:rPr lang="el-GR" sz="3200" dirty="0"/>
+              <a:t>χ</a:t>
+            </a:r>
+            <a:endParaRPr lang="en-US" sz="3200" dirty="0"/>
+          </a:p>
+        </p:txBody>
+      </p:sp>
+      <p:cxnSp>
+        <p:nvCxnSpPr>
+          <p:cNvPr id="24" name="Straight Arrow Connector 23">
+            <a:extLst>
+              <a:ext uri="{FF2B5EF4-FFF2-40B4-BE49-F238E27FC236}">
+                <a16:creationId xmlns:a16="http://schemas.microsoft.com/office/drawing/2014/main" id="{C77A81EF-39AA-A749-BC64-0D95B2B30BAE}"/>
+              </a:ext>
+            </a:extLst>
+          </p:cNvPr>
+          <p:cNvCxnSpPr>
+            <a:cxnSpLocks/>
+            <a:stCxn id="19" idx="3"/>
+            <a:endCxn id="23" idx="1"/>
+          </p:cNvCxnSpPr>
+          <p:nvPr/>
+        </p:nvCxnSpPr>
+        <p:spPr>
+          <a:xfrm flipV="1">
+            <a:off x="4793689" y="4639453"/>
+            <a:ext cx="995978" cy="3748"/>
+          </a:xfrm>
+          <a:prstGeom prst="straightConnector1">
+            <a:avLst/>
+          </a:prstGeom>
+          <a:ln w="76200">
+            <a:solidFill>
+              <a:srgbClr val="0432FF"/>
+            </a:solidFill>
+            <a:tailEnd type="triangle"/>
+          </a:ln>
+        </p:spPr>
+        <p:style>
+          <a:lnRef idx="1">
+            <a:schemeClr val="accent1"/>
+          </a:lnRef>
+          <a:fillRef idx="0">
+            <a:schemeClr val="accent1"/>
+          </a:fillRef>
+          <a:effectRef idx="0">
+            <a:schemeClr val="accent1"/>
+          </a:effectRef>
+          <a:fontRef idx="minor">
+            <a:schemeClr val="tx1"/>
+          </a:fontRef>
+        </p:style>
+      </p:cxnSp>
+      <p:sp>
+        <p:nvSpPr>
+          <p:cNvPr id="25" name="TextBox 24">
+            <a:extLst>
+              <a:ext uri="{FF2B5EF4-FFF2-40B4-BE49-F238E27FC236}">
+                <a16:creationId xmlns:a16="http://schemas.microsoft.com/office/drawing/2014/main" id="{B1F6759F-AACD-7C49-AB51-C1D7600FD6AA}"/>
+              </a:ext>
+            </a:extLst>
+          </p:cNvPr>
+          <p:cNvSpPr txBox="1"/>
+          <p:nvPr/>
+        </p:nvSpPr>
+        <p:spPr>
+          <a:xfrm>
+            <a:off x="5011312" y="3069074"/>
+            <a:ext cx="881973" cy="584775"/>
+          </a:xfrm>
+          <a:prstGeom prst="rect">
+            <a:avLst/>
+          </a:prstGeom>
+          <a:noFill/>
+          <a:ln w="76200">
+            <a:solidFill>
+              <a:schemeClr val="tx1"/>
+            </a:solidFill>
+          </a:ln>
+        </p:spPr>
+        <p:txBody>
+          <a:bodyPr wrap="none" rtlCol="0">
+            <a:spAutoFit/>
+          </a:bodyPr>
+          <a:lstStyle/>
+          <a:p>
+            <a:r>
+              <a:rPr lang="en-US" sz="3200" dirty="0"/>
+              <a:t>VPD</a:t>
+            </a:r>
+          </a:p>
+        </p:txBody>
+      </p:sp>
+      <p:sp>
+        <p:nvSpPr>
+          <p:cNvPr id="26" name="TextBox 25">
+            <a:extLst>
+              <a:ext uri="{FF2B5EF4-FFF2-40B4-BE49-F238E27FC236}">
+                <a16:creationId xmlns:a16="http://schemas.microsoft.com/office/drawing/2014/main" id="{AEBBF83C-E510-334B-89BF-AE3E084900E1}"/>
+              </a:ext>
+            </a:extLst>
+          </p:cNvPr>
+          <p:cNvSpPr txBox="1"/>
+          <p:nvPr/>
+        </p:nvSpPr>
+        <p:spPr>
+          <a:xfrm>
+            <a:off x="6485667" y="3069074"/>
+            <a:ext cx="385042" cy="584775"/>
+          </a:xfrm>
+          <a:prstGeom prst="rect">
+            <a:avLst/>
+          </a:prstGeom>
+          <a:noFill/>
+          <a:ln w="76200">
+            <a:solidFill>
+              <a:schemeClr val="tx1"/>
+            </a:solidFill>
+          </a:ln>
+        </p:spPr>
+        <p:txBody>
+          <a:bodyPr wrap="none" rtlCol="0">
+            <a:spAutoFit/>
+          </a:bodyPr>
+          <a:lstStyle/>
+          <a:p>
+            <a:r>
+              <a:rPr lang="en-US" sz="3200" dirty="0"/>
+              <a:t>T</a:t>
+            </a:r>
+          </a:p>
+        </p:txBody>
+      </p:sp>
+      <p:cxnSp>
+        <p:nvCxnSpPr>
+          <p:cNvPr id="27" name="Straight Arrow Connector 26">
+            <a:extLst>
+              <a:ext uri="{FF2B5EF4-FFF2-40B4-BE49-F238E27FC236}">
+                <a16:creationId xmlns:a16="http://schemas.microsoft.com/office/drawing/2014/main" id="{ED93F873-88FB-B44D-828F-AE7F04ACF994}"/>
+              </a:ext>
+            </a:extLst>
+          </p:cNvPr>
+          <p:cNvCxnSpPr>
+            <a:cxnSpLocks/>
+            <a:stCxn id="25" idx="2"/>
+            <a:endCxn id="23" idx="0"/>
+          </p:cNvCxnSpPr>
+          <p:nvPr/>
+        </p:nvCxnSpPr>
+        <p:spPr>
+          <a:xfrm>
+            <a:off x="5452299" y="3653849"/>
+            <a:ext cx="517065" cy="693216"/>
+          </a:xfrm>
+          <a:prstGeom prst="straightConnector1">
+            <a:avLst/>
+          </a:prstGeom>
+          <a:ln w="76200">
+            <a:solidFill>
+              <a:srgbClr val="FF0000"/>
+            </a:solidFill>
+            <a:tailEnd type="triangle"/>
+          </a:ln>
+        </p:spPr>
+        <p:style>
+          <a:lnRef idx="1">
+            <a:schemeClr val="accent1"/>
+          </a:lnRef>
+          <a:fillRef idx="0">
+            <a:schemeClr val="accent1"/>
+          </a:fillRef>
+          <a:effectRef idx="0">
+            <a:schemeClr val="accent1"/>
+          </a:effectRef>
+          <a:fontRef idx="minor">
+            <a:schemeClr val="tx1"/>
+          </a:fontRef>
+        </p:style>
+      </p:cxnSp>
+      <p:cxnSp>
+        <p:nvCxnSpPr>
+          <p:cNvPr id="28" name="Straight Arrow Connector 27">
+            <a:extLst>
+              <a:ext uri="{FF2B5EF4-FFF2-40B4-BE49-F238E27FC236}">
+                <a16:creationId xmlns:a16="http://schemas.microsoft.com/office/drawing/2014/main" id="{4C3940A9-406C-8942-8F98-14FB7F7E690A}"/>
+              </a:ext>
+            </a:extLst>
+          </p:cNvPr>
+          <p:cNvCxnSpPr>
+            <a:cxnSpLocks/>
+            <a:stCxn id="26" idx="2"/>
+            <a:endCxn id="23" idx="0"/>
+          </p:cNvCxnSpPr>
+          <p:nvPr/>
+        </p:nvCxnSpPr>
+        <p:spPr>
+          <a:xfrm flipH="1">
+            <a:off x="5969364" y="3653849"/>
+            <a:ext cx="708824" cy="693216"/>
+          </a:xfrm>
+          <a:prstGeom prst="straightConnector1">
+            <a:avLst/>
+          </a:prstGeom>
+          <a:ln w="76200">
+            <a:solidFill>
+              <a:srgbClr val="0432FF"/>
+            </a:solidFill>
+            <a:tailEnd type="triangle"/>
+          </a:ln>
+        </p:spPr>
+        <p:style>
+          <a:lnRef idx="1">
+            <a:schemeClr val="accent1"/>
+          </a:lnRef>
+          <a:fillRef idx="0">
+            <a:schemeClr val="accent1"/>
+          </a:fillRef>
+          <a:effectRef idx="0">
+            <a:schemeClr val="accent1"/>
+          </a:effectRef>
+          <a:fontRef idx="minor">
+            <a:schemeClr val="tx1"/>
+          </a:fontRef>
+        </p:style>
+      </p:cxnSp>
+      <p:sp>
+        <p:nvSpPr>
+          <p:cNvPr id="29" name="TextBox 28">
+            <a:extLst>
+              <a:ext uri="{FF2B5EF4-FFF2-40B4-BE49-F238E27FC236}">
+                <a16:creationId xmlns:a16="http://schemas.microsoft.com/office/drawing/2014/main" id="{9F3546B2-E218-FE48-8B86-6D236C72032D}"/>
+              </a:ext>
+            </a:extLst>
+          </p:cNvPr>
+          <p:cNvSpPr txBox="1"/>
+          <p:nvPr/>
+        </p:nvSpPr>
+        <p:spPr>
+          <a:xfrm>
+            <a:off x="2929003" y="1644653"/>
+            <a:ext cx="846707" cy="584775"/>
+          </a:xfrm>
+          <a:prstGeom prst="rect">
+            <a:avLst/>
+          </a:prstGeom>
+          <a:noFill/>
+          <a:ln w="76200">
+            <a:solidFill>
+              <a:schemeClr val="tx1"/>
+            </a:solidFill>
+          </a:ln>
+        </p:spPr>
+        <p:txBody>
+          <a:bodyPr wrap="none" rtlCol="0">
+            <a:spAutoFit/>
+          </a:bodyPr>
+          <a:lstStyle/>
+          <a:p>
+            <a:r>
+              <a:rPr lang="en-US" sz="3200" dirty="0" err="1"/>
+              <a:t>Nfix</a:t>
+            </a:r>
+            <a:endParaRPr lang="en-US" sz="3200" dirty="0"/>
+          </a:p>
+        </p:txBody>
+      </p:sp>
+      <p:sp>
+        <p:nvSpPr>
+          <p:cNvPr id="30" name="TextBox 29">
+            <a:extLst>
+              <a:ext uri="{FF2B5EF4-FFF2-40B4-BE49-F238E27FC236}">
+                <a16:creationId xmlns:a16="http://schemas.microsoft.com/office/drawing/2014/main" id="{F83F6207-A10A-BC45-9871-75DF37B40988}"/>
+              </a:ext>
+            </a:extLst>
+          </p:cNvPr>
+          <p:cNvSpPr txBox="1"/>
+          <p:nvPr/>
+        </p:nvSpPr>
+        <p:spPr>
+          <a:xfrm>
+            <a:off x="4286018" y="1625559"/>
+            <a:ext cx="612668" cy="584775"/>
+          </a:xfrm>
+          <a:prstGeom prst="rect">
+            <a:avLst/>
+          </a:prstGeom>
+          <a:noFill/>
+          <a:ln w="76200">
+            <a:solidFill>
+              <a:schemeClr val="tx1"/>
+            </a:solidFill>
+          </a:ln>
+        </p:spPr>
+        <p:txBody>
+          <a:bodyPr wrap="none" rtlCol="0">
+            <a:spAutoFit/>
+          </a:bodyPr>
+          <a:lstStyle/>
+          <a:p>
+            <a:r>
+              <a:rPr lang="en-US" sz="3200" dirty="0"/>
+              <a:t>C4</a:t>
+            </a:r>
+          </a:p>
+        </p:txBody>
+      </p:sp>
+      <p:cxnSp>
+        <p:nvCxnSpPr>
+          <p:cNvPr id="31" name="Straight Arrow Connector 30">
+            <a:extLst>
+              <a:ext uri="{FF2B5EF4-FFF2-40B4-BE49-F238E27FC236}">
+                <a16:creationId xmlns:a16="http://schemas.microsoft.com/office/drawing/2014/main" id="{F596B820-CD58-4C43-8EB7-C758FB7EDEF1}"/>
+              </a:ext>
+            </a:extLst>
+          </p:cNvPr>
+          <p:cNvCxnSpPr>
+            <a:cxnSpLocks/>
+            <a:stCxn id="29" idx="2"/>
+            <a:endCxn id="19" idx="0"/>
+          </p:cNvCxnSpPr>
+          <p:nvPr/>
+        </p:nvCxnSpPr>
+        <p:spPr>
+          <a:xfrm>
+            <a:off x="3352357" y="2229428"/>
+            <a:ext cx="1239995" cy="2121385"/>
+          </a:xfrm>
+          <a:prstGeom prst="straightConnector1">
+            <a:avLst/>
+          </a:prstGeom>
+          <a:ln w="76200">
+            <a:solidFill>
+              <a:srgbClr val="FF0000"/>
+            </a:solidFill>
+            <a:tailEnd type="triangle"/>
+          </a:ln>
+        </p:spPr>
+        <p:style>
+          <a:lnRef idx="1">
+            <a:schemeClr val="accent1"/>
+          </a:lnRef>
+          <a:fillRef idx="0">
+            <a:schemeClr val="accent1"/>
+          </a:fillRef>
+          <a:effectRef idx="0">
+            <a:schemeClr val="accent1"/>
+          </a:effectRef>
+          <a:fontRef idx="minor">
+            <a:schemeClr val="tx1"/>
+          </a:fontRef>
+        </p:style>
+      </p:cxnSp>
+      <p:cxnSp>
+        <p:nvCxnSpPr>
+          <p:cNvPr id="32" name="Straight Arrow Connector 31">
+            <a:extLst>
+              <a:ext uri="{FF2B5EF4-FFF2-40B4-BE49-F238E27FC236}">
+                <a16:creationId xmlns:a16="http://schemas.microsoft.com/office/drawing/2014/main" id="{94FDC8ED-ECB1-C54A-9A2F-EBAEB474F490}"/>
+              </a:ext>
+            </a:extLst>
+          </p:cNvPr>
+          <p:cNvCxnSpPr>
+            <a:cxnSpLocks/>
+            <a:stCxn id="30" idx="2"/>
+            <a:endCxn id="19" idx="0"/>
+          </p:cNvCxnSpPr>
+          <p:nvPr/>
+        </p:nvCxnSpPr>
+        <p:spPr>
+          <a:xfrm>
+            <a:off x="4592352" y="2210334"/>
+            <a:ext cx="0" cy="2140479"/>
+          </a:xfrm>
+          <a:prstGeom prst="straightConnector1">
+            <a:avLst/>
+          </a:prstGeom>
+          <a:ln w="76200">
+            <a:solidFill>
+              <a:srgbClr val="FF0000"/>
+            </a:solidFill>
+            <a:tailEnd type="triangle"/>
+          </a:ln>
+        </p:spPr>
+        <p:style>
+          <a:lnRef idx="1">
+            <a:schemeClr val="accent1"/>
+          </a:lnRef>
+          <a:fillRef idx="0">
+            <a:schemeClr val="accent1"/>
+          </a:fillRef>
+          <a:effectRef idx="0">
+            <a:schemeClr val="accent1"/>
+          </a:effectRef>
+          <a:fontRef idx="minor">
+            <a:schemeClr val="tx1"/>
+          </a:fontRef>
+        </p:style>
+      </p:cxnSp>
+    </p:spTree>
+    <p:extLst>
+      <p:ext uri="{BB962C8B-B14F-4D97-AF65-F5344CB8AC3E}">
+        <p14:creationId xmlns:p14="http://schemas.microsoft.com/office/powerpoint/2010/main" val="861954883"/>
+      </p:ext>
+    </p:extLst>
+  </p:cSld>
+  <p:clrMapOvr>
+    <a:masterClrMapping/>
+  </p:clrMapOvr>
+</p:sld>
+</file>
+
+<file path=ppt/slides/slide28.xml><?xml version="1.0" encoding="utf-8"?>
+<p:sld xmlns:a="http://schemas.openxmlformats.org/drawingml/2006/main" xmlns:r="http://schemas.openxmlformats.org/officeDocument/2006/relationships" xmlns:p="http://schemas.openxmlformats.org/presentationml/2006/main">
+  <p:cSld>
+    <p:spTree>
+      <p:nvGrpSpPr>
+        <p:cNvPr id="1" name=""/>
+        <p:cNvGrpSpPr/>
+        <p:nvPr/>
+      </p:nvGrpSpPr>
+      <p:grpSpPr>
+        <a:xfrm>
+          <a:off x="0" y="0"/>
+          <a:ext cx="0" cy="0"/>
+          <a:chOff x="0" y="0"/>
+          <a:chExt cx="0" cy="0"/>
+        </a:xfrm>
+      </p:grpSpPr>
+      <p:sp>
+        <p:nvSpPr>
+          <p:cNvPr id="2" name="Title 1">
+            <a:extLst>
+              <a:ext uri="{FF2B5EF4-FFF2-40B4-BE49-F238E27FC236}">
+                <a16:creationId xmlns:a16="http://schemas.microsoft.com/office/drawing/2014/main" id="{5291DE20-DA14-E14A-94CA-AD609CB5C98F}"/>
+              </a:ext>
+            </a:extLst>
+          </p:cNvPr>
+          <p:cNvSpPr>
+            <a:spLocks noGrp="1"/>
+          </p:cNvSpPr>
+          <p:nvPr>
+            <p:ph type="title"/>
+          </p:nvPr>
+        </p:nvSpPr>
+        <p:spPr/>
+        <p:txBody>
+          <a:bodyPr/>
+          <a:lstStyle/>
+          <a:p>
+            <a:r>
+              <a:rPr lang="en-US" dirty="0"/>
+              <a:t>SEM</a:t>
+            </a:r>
+          </a:p>
+        </p:txBody>
+      </p:sp>
+      <p:pic>
+        <p:nvPicPr>
+          <p:cNvPr id="3" name="Picture 2">
+            <a:extLst>
+              <a:ext uri="{FF2B5EF4-FFF2-40B4-BE49-F238E27FC236}">
+                <a16:creationId xmlns:a16="http://schemas.microsoft.com/office/drawing/2014/main" id="{B5D14547-A66A-4B42-8581-AE440305AA49}"/>
+              </a:ext>
+            </a:extLst>
+          </p:cNvPr>
+          <p:cNvPicPr>
+            <a:picLocks noChangeAspect="1"/>
+          </p:cNvPicPr>
+          <p:nvPr/>
+        </p:nvPicPr>
+        <p:blipFill>
+          <a:blip r:embed="rId2"/>
+          <a:stretch>
+            <a:fillRect/>
+          </a:stretch>
+        </p:blipFill>
+        <p:spPr>
+          <a:xfrm>
+            <a:off x="7463090" y="2342709"/>
+            <a:ext cx="4728909" cy="3388009"/>
+          </a:xfrm>
+          <a:prstGeom prst="rect">
+            <a:avLst/>
+          </a:prstGeom>
+        </p:spPr>
+      </p:pic>
+      <p:sp>
+        <p:nvSpPr>
+          <p:cNvPr id="18" name="TextBox 17">
+            <a:extLst>
+              <a:ext uri="{FF2B5EF4-FFF2-40B4-BE49-F238E27FC236}">
+                <a16:creationId xmlns:a16="http://schemas.microsoft.com/office/drawing/2014/main" id="{E15299CD-CDE8-8140-9EE0-182D5ABCBDDB}"/>
+              </a:ext>
+            </a:extLst>
+          </p:cNvPr>
+          <p:cNvSpPr txBox="1"/>
+          <p:nvPr/>
+        </p:nvSpPr>
+        <p:spPr>
+          <a:xfrm>
+            <a:off x="915048" y="3069075"/>
+            <a:ext cx="2394630" cy="584775"/>
+          </a:xfrm>
+          <a:prstGeom prst="rect">
+            <a:avLst/>
+          </a:prstGeom>
+          <a:noFill/>
+          <a:ln w="76200">
+            <a:solidFill>
+              <a:schemeClr val="tx1"/>
+            </a:solidFill>
+          </a:ln>
+        </p:spPr>
+        <p:txBody>
+          <a:bodyPr wrap="none" rtlCol="0">
+            <a:spAutoFit/>
+          </a:bodyPr>
+          <a:lstStyle/>
+          <a:p>
+            <a:r>
+              <a:rPr lang="en-US" sz="3200" dirty="0"/>
+              <a:t>Soil nutrients</a:t>
+            </a:r>
+          </a:p>
+        </p:txBody>
+      </p:sp>
+      <p:sp>
+        <p:nvSpPr>
+          <p:cNvPr id="19" name="TextBox 18">
+            <a:extLst>
+              <a:ext uri="{FF2B5EF4-FFF2-40B4-BE49-F238E27FC236}">
+                <a16:creationId xmlns:a16="http://schemas.microsoft.com/office/drawing/2014/main" id="{8471FCF4-E5AC-504A-A4BE-FBD49CA23BB6}"/>
+              </a:ext>
+            </a:extLst>
+          </p:cNvPr>
+          <p:cNvSpPr txBox="1"/>
+          <p:nvPr/>
+        </p:nvSpPr>
+        <p:spPr>
+          <a:xfrm>
+            <a:off x="4391015" y="4350813"/>
+            <a:ext cx="402674" cy="584775"/>
+          </a:xfrm>
+          <a:prstGeom prst="rect">
+            <a:avLst/>
+          </a:prstGeom>
+          <a:noFill/>
+          <a:ln w="76200">
+            <a:solidFill>
+              <a:schemeClr val="tx1"/>
+            </a:solidFill>
+          </a:ln>
+        </p:spPr>
+        <p:txBody>
+          <a:bodyPr wrap="none" rtlCol="0">
+            <a:spAutoFit/>
+          </a:bodyPr>
+          <a:lstStyle/>
+          <a:p>
+            <a:r>
+              <a:rPr lang="el-GR" sz="3200" dirty="0"/>
+              <a:t>β</a:t>
+            </a:r>
+            <a:endParaRPr lang="en-US" sz="3200" dirty="0"/>
+          </a:p>
+        </p:txBody>
+      </p:sp>
+      <p:cxnSp>
+        <p:nvCxnSpPr>
+          <p:cNvPr id="20" name="Straight Arrow Connector 19">
+            <a:extLst>
+              <a:ext uri="{FF2B5EF4-FFF2-40B4-BE49-F238E27FC236}">
+                <a16:creationId xmlns:a16="http://schemas.microsoft.com/office/drawing/2014/main" id="{C8FCB27C-E87A-4342-82D6-E340CA2D95EC}"/>
+              </a:ext>
+            </a:extLst>
+          </p:cNvPr>
+          <p:cNvCxnSpPr>
+            <a:cxnSpLocks/>
+            <a:stCxn id="18" idx="2"/>
+            <a:endCxn id="19" idx="0"/>
+          </p:cNvCxnSpPr>
+          <p:nvPr/>
+        </p:nvCxnSpPr>
+        <p:spPr>
+          <a:xfrm>
+            <a:off x="2112363" y="3653850"/>
+            <a:ext cx="2479989" cy="696963"/>
+          </a:xfrm>
+          <a:prstGeom prst="straightConnector1">
+            <a:avLst/>
+          </a:prstGeom>
+          <a:ln w="76200">
+            <a:solidFill>
+              <a:srgbClr val="FF0000"/>
+            </a:solidFill>
+            <a:tailEnd type="triangle"/>
+          </a:ln>
+        </p:spPr>
+        <p:style>
+          <a:lnRef idx="1">
+            <a:schemeClr val="accent1"/>
+          </a:lnRef>
+          <a:fillRef idx="0">
+            <a:schemeClr val="accent1"/>
+          </a:fillRef>
+          <a:effectRef idx="0">
+            <a:schemeClr val="accent1"/>
+          </a:effectRef>
+          <a:fontRef idx="minor">
+            <a:schemeClr val="tx1"/>
+          </a:fontRef>
+        </p:style>
+      </p:cxnSp>
+      <p:sp>
+        <p:nvSpPr>
+          <p:cNvPr id="21" name="TextBox 20">
+            <a:extLst>
+              <a:ext uri="{FF2B5EF4-FFF2-40B4-BE49-F238E27FC236}">
+                <a16:creationId xmlns:a16="http://schemas.microsoft.com/office/drawing/2014/main" id="{35FBF8CD-4FC6-CC48-91AD-72B0A89EF974}"/>
+              </a:ext>
+            </a:extLst>
+          </p:cNvPr>
+          <p:cNvSpPr txBox="1"/>
+          <p:nvPr/>
+        </p:nvSpPr>
+        <p:spPr>
+          <a:xfrm>
+            <a:off x="1459282" y="5632551"/>
+            <a:ext cx="1834156" cy="584775"/>
+          </a:xfrm>
+          <a:prstGeom prst="rect">
+            <a:avLst/>
+          </a:prstGeom>
+          <a:noFill/>
+          <a:ln w="76200">
+            <a:solidFill>
+              <a:schemeClr val="tx1"/>
+            </a:solidFill>
+          </a:ln>
+        </p:spPr>
+        <p:txBody>
+          <a:bodyPr wrap="none" rtlCol="0">
+            <a:spAutoFit/>
+          </a:bodyPr>
+          <a:lstStyle/>
+          <a:p>
+            <a:r>
+              <a:rPr lang="en-US" sz="3200" dirty="0"/>
+              <a:t>Soil water</a:t>
+            </a:r>
+          </a:p>
+        </p:txBody>
+      </p:sp>
+      <p:cxnSp>
+        <p:nvCxnSpPr>
+          <p:cNvPr id="22" name="Straight Arrow Connector 21">
+            <a:extLst>
+              <a:ext uri="{FF2B5EF4-FFF2-40B4-BE49-F238E27FC236}">
+                <a16:creationId xmlns:a16="http://schemas.microsoft.com/office/drawing/2014/main" id="{CA3E2D7D-E111-5642-AFA9-06C88AD4751E}"/>
+              </a:ext>
+            </a:extLst>
+          </p:cNvPr>
+          <p:cNvCxnSpPr>
+            <a:cxnSpLocks/>
+            <a:stCxn id="21" idx="0"/>
+            <a:endCxn id="19" idx="2"/>
+          </p:cNvCxnSpPr>
+          <p:nvPr/>
+        </p:nvCxnSpPr>
+        <p:spPr>
+          <a:xfrm flipV="1">
+            <a:off x="2376360" y="4935588"/>
+            <a:ext cx="2215992" cy="696963"/>
+          </a:xfrm>
+          <a:prstGeom prst="straightConnector1">
+            <a:avLst/>
+          </a:prstGeom>
+          <a:ln w="76200">
+            <a:solidFill>
+              <a:srgbClr val="FF0000"/>
+            </a:solidFill>
+            <a:tailEnd type="triangle"/>
+          </a:ln>
+        </p:spPr>
+        <p:style>
+          <a:lnRef idx="1">
+            <a:schemeClr val="accent1"/>
+          </a:lnRef>
+          <a:fillRef idx="0">
+            <a:schemeClr val="accent1"/>
+          </a:fillRef>
+          <a:effectRef idx="0">
+            <a:schemeClr val="accent1"/>
+          </a:effectRef>
+          <a:fontRef idx="minor">
+            <a:schemeClr val="tx1"/>
+          </a:fontRef>
+        </p:style>
+      </p:cxnSp>
+      <p:sp>
+        <p:nvSpPr>
+          <p:cNvPr id="23" name="TextBox 22">
+            <a:extLst>
+              <a:ext uri="{FF2B5EF4-FFF2-40B4-BE49-F238E27FC236}">
+                <a16:creationId xmlns:a16="http://schemas.microsoft.com/office/drawing/2014/main" id="{98E4FAD6-2B7B-9D41-9398-92FFAA37B30C}"/>
+              </a:ext>
+            </a:extLst>
+          </p:cNvPr>
+          <p:cNvSpPr txBox="1"/>
+          <p:nvPr/>
+        </p:nvSpPr>
+        <p:spPr>
+          <a:xfrm>
+            <a:off x="5789667" y="4347065"/>
+            <a:ext cx="359394" cy="584775"/>
+          </a:xfrm>
+          <a:prstGeom prst="rect">
+            <a:avLst/>
+          </a:prstGeom>
+          <a:noFill/>
+          <a:ln w="76200">
+            <a:solidFill>
+              <a:schemeClr val="tx1"/>
+            </a:solidFill>
+          </a:ln>
+        </p:spPr>
+        <p:txBody>
+          <a:bodyPr wrap="none" rtlCol="0">
+            <a:spAutoFit/>
+          </a:bodyPr>
+          <a:lstStyle/>
+          <a:p>
+            <a:r>
+              <a:rPr lang="el-GR" sz="3200" dirty="0"/>
+              <a:t>χ</a:t>
+            </a:r>
+            <a:endParaRPr lang="en-US" sz="3200" dirty="0"/>
+          </a:p>
+        </p:txBody>
+      </p:sp>
+      <p:cxnSp>
+        <p:nvCxnSpPr>
+          <p:cNvPr id="24" name="Straight Arrow Connector 23">
+            <a:extLst>
+              <a:ext uri="{FF2B5EF4-FFF2-40B4-BE49-F238E27FC236}">
+                <a16:creationId xmlns:a16="http://schemas.microsoft.com/office/drawing/2014/main" id="{C77A81EF-39AA-A749-BC64-0D95B2B30BAE}"/>
+              </a:ext>
+            </a:extLst>
+          </p:cNvPr>
+          <p:cNvCxnSpPr>
+            <a:cxnSpLocks/>
+            <a:stCxn id="19" idx="3"/>
+            <a:endCxn id="23" idx="1"/>
+          </p:cNvCxnSpPr>
+          <p:nvPr/>
+        </p:nvCxnSpPr>
+        <p:spPr>
+          <a:xfrm flipV="1">
+            <a:off x="4793689" y="4639453"/>
+            <a:ext cx="995978" cy="3748"/>
+          </a:xfrm>
+          <a:prstGeom prst="straightConnector1">
+            <a:avLst/>
+          </a:prstGeom>
+          <a:ln w="76200">
+            <a:solidFill>
+              <a:srgbClr val="0432FF"/>
+            </a:solidFill>
+            <a:tailEnd type="triangle"/>
+          </a:ln>
+        </p:spPr>
+        <p:style>
+          <a:lnRef idx="1">
+            <a:schemeClr val="accent1"/>
+          </a:lnRef>
+          <a:fillRef idx="0">
+            <a:schemeClr val="accent1"/>
+          </a:fillRef>
+          <a:effectRef idx="0">
+            <a:schemeClr val="accent1"/>
+          </a:effectRef>
+          <a:fontRef idx="minor">
+            <a:schemeClr val="tx1"/>
+          </a:fontRef>
+        </p:style>
+      </p:cxnSp>
+      <p:sp>
+        <p:nvSpPr>
+          <p:cNvPr id="25" name="TextBox 24">
+            <a:extLst>
+              <a:ext uri="{FF2B5EF4-FFF2-40B4-BE49-F238E27FC236}">
+                <a16:creationId xmlns:a16="http://schemas.microsoft.com/office/drawing/2014/main" id="{B1F6759F-AACD-7C49-AB51-C1D7600FD6AA}"/>
+              </a:ext>
+            </a:extLst>
+          </p:cNvPr>
+          <p:cNvSpPr txBox="1"/>
+          <p:nvPr/>
+        </p:nvSpPr>
+        <p:spPr>
+          <a:xfrm>
+            <a:off x="5011312" y="3069074"/>
+            <a:ext cx="881973" cy="584775"/>
+          </a:xfrm>
+          <a:prstGeom prst="rect">
+            <a:avLst/>
+          </a:prstGeom>
+          <a:noFill/>
+          <a:ln w="76200">
+            <a:solidFill>
+              <a:schemeClr val="tx1"/>
+            </a:solidFill>
+          </a:ln>
+        </p:spPr>
+        <p:txBody>
+          <a:bodyPr wrap="none" rtlCol="0">
+            <a:spAutoFit/>
+          </a:bodyPr>
+          <a:lstStyle/>
+          <a:p>
+            <a:r>
+              <a:rPr lang="en-US" sz="3200" dirty="0"/>
+              <a:t>VPD</a:t>
+            </a:r>
+          </a:p>
+        </p:txBody>
+      </p:sp>
+      <p:sp>
+        <p:nvSpPr>
+          <p:cNvPr id="26" name="TextBox 25">
+            <a:extLst>
+              <a:ext uri="{FF2B5EF4-FFF2-40B4-BE49-F238E27FC236}">
+                <a16:creationId xmlns:a16="http://schemas.microsoft.com/office/drawing/2014/main" id="{AEBBF83C-E510-334B-89BF-AE3E084900E1}"/>
+              </a:ext>
+            </a:extLst>
+          </p:cNvPr>
+          <p:cNvSpPr txBox="1"/>
+          <p:nvPr/>
+        </p:nvSpPr>
+        <p:spPr>
+          <a:xfrm>
+            <a:off x="6485667" y="3069074"/>
+            <a:ext cx="385042" cy="584775"/>
+          </a:xfrm>
+          <a:prstGeom prst="rect">
+            <a:avLst/>
+          </a:prstGeom>
+          <a:noFill/>
+          <a:ln w="76200">
+            <a:solidFill>
+              <a:schemeClr val="tx1"/>
+            </a:solidFill>
+          </a:ln>
+        </p:spPr>
+        <p:txBody>
+          <a:bodyPr wrap="none" rtlCol="0">
+            <a:spAutoFit/>
+          </a:bodyPr>
+          <a:lstStyle/>
+          <a:p>
+            <a:r>
+              <a:rPr lang="en-US" sz="3200" dirty="0"/>
+              <a:t>T</a:t>
+            </a:r>
+          </a:p>
+        </p:txBody>
+      </p:sp>
+      <p:cxnSp>
+        <p:nvCxnSpPr>
+          <p:cNvPr id="27" name="Straight Arrow Connector 26">
+            <a:extLst>
+              <a:ext uri="{FF2B5EF4-FFF2-40B4-BE49-F238E27FC236}">
+                <a16:creationId xmlns:a16="http://schemas.microsoft.com/office/drawing/2014/main" id="{ED93F873-88FB-B44D-828F-AE7F04ACF994}"/>
+              </a:ext>
+            </a:extLst>
+          </p:cNvPr>
+          <p:cNvCxnSpPr>
+            <a:cxnSpLocks/>
+            <a:stCxn id="25" idx="2"/>
+            <a:endCxn id="23" idx="0"/>
+          </p:cNvCxnSpPr>
+          <p:nvPr/>
+        </p:nvCxnSpPr>
+        <p:spPr>
+          <a:xfrm>
+            <a:off x="5452299" y="3653849"/>
+            <a:ext cx="517065" cy="693216"/>
+          </a:xfrm>
+          <a:prstGeom prst="straightConnector1">
+            <a:avLst/>
+          </a:prstGeom>
+          <a:ln w="76200">
+            <a:solidFill>
+              <a:srgbClr val="FF0000"/>
+            </a:solidFill>
+            <a:tailEnd type="triangle"/>
+          </a:ln>
+        </p:spPr>
+        <p:style>
+          <a:lnRef idx="1">
+            <a:schemeClr val="accent1"/>
+          </a:lnRef>
+          <a:fillRef idx="0">
+            <a:schemeClr val="accent1"/>
+          </a:fillRef>
+          <a:effectRef idx="0">
+            <a:schemeClr val="accent1"/>
+          </a:effectRef>
+          <a:fontRef idx="minor">
+            <a:schemeClr val="tx1"/>
+          </a:fontRef>
+        </p:style>
+      </p:cxnSp>
+      <p:cxnSp>
+        <p:nvCxnSpPr>
+          <p:cNvPr id="28" name="Straight Arrow Connector 27">
+            <a:extLst>
+              <a:ext uri="{FF2B5EF4-FFF2-40B4-BE49-F238E27FC236}">
+                <a16:creationId xmlns:a16="http://schemas.microsoft.com/office/drawing/2014/main" id="{4C3940A9-406C-8942-8F98-14FB7F7E690A}"/>
+              </a:ext>
+            </a:extLst>
+          </p:cNvPr>
+          <p:cNvCxnSpPr>
+            <a:cxnSpLocks/>
+            <a:stCxn id="26" idx="2"/>
+            <a:endCxn id="23" idx="0"/>
+          </p:cNvCxnSpPr>
+          <p:nvPr/>
+        </p:nvCxnSpPr>
+        <p:spPr>
+          <a:xfrm flipH="1">
+            <a:off x="5969364" y="3653849"/>
+            <a:ext cx="708824" cy="693216"/>
+          </a:xfrm>
+          <a:prstGeom prst="straightConnector1">
+            <a:avLst/>
+          </a:prstGeom>
+          <a:ln w="76200">
+            <a:solidFill>
+              <a:srgbClr val="0432FF"/>
+            </a:solidFill>
+            <a:tailEnd type="triangle"/>
+          </a:ln>
+        </p:spPr>
+        <p:style>
+          <a:lnRef idx="1">
+            <a:schemeClr val="accent1"/>
+          </a:lnRef>
+          <a:fillRef idx="0">
+            <a:schemeClr val="accent1"/>
+          </a:fillRef>
+          <a:effectRef idx="0">
+            <a:schemeClr val="accent1"/>
+          </a:effectRef>
+          <a:fontRef idx="minor">
+            <a:schemeClr val="tx1"/>
+          </a:fontRef>
+        </p:style>
+      </p:cxnSp>
+      <p:sp>
+        <p:nvSpPr>
+          <p:cNvPr id="29" name="TextBox 28">
+            <a:extLst>
+              <a:ext uri="{FF2B5EF4-FFF2-40B4-BE49-F238E27FC236}">
+                <a16:creationId xmlns:a16="http://schemas.microsoft.com/office/drawing/2014/main" id="{9F3546B2-E218-FE48-8B86-6D236C72032D}"/>
+              </a:ext>
+            </a:extLst>
+          </p:cNvPr>
+          <p:cNvSpPr txBox="1"/>
+          <p:nvPr/>
+        </p:nvSpPr>
+        <p:spPr>
+          <a:xfrm>
+            <a:off x="2929003" y="1644653"/>
+            <a:ext cx="846707" cy="584775"/>
+          </a:xfrm>
+          <a:prstGeom prst="rect">
+            <a:avLst/>
+          </a:prstGeom>
+          <a:noFill/>
+          <a:ln w="76200">
+            <a:solidFill>
+              <a:schemeClr val="tx1"/>
+            </a:solidFill>
+          </a:ln>
+        </p:spPr>
+        <p:txBody>
+          <a:bodyPr wrap="none" rtlCol="0">
+            <a:spAutoFit/>
+          </a:bodyPr>
+          <a:lstStyle/>
+          <a:p>
+            <a:r>
+              <a:rPr lang="en-US" sz="3200" dirty="0" err="1"/>
+              <a:t>Nfix</a:t>
+            </a:r>
+            <a:endParaRPr lang="en-US" sz="3200" dirty="0"/>
+          </a:p>
+        </p:txBody>
+      </p:sp>
+      <p:sp>
+        <p:nvSpPr>
+          <p:cNvPr id="30" name="TextBox 29">
+            <a:extLst>
+              <a:ext uri="{FF2B5EF4-FFF2-40B4-BE49-F238E27FC236}">
+                <a16:creationId xmlns:a16="http://schemas.microsoft.com/office/drawing/2014/main" id="{F83F6207-A10A-BC45-9871-75DF37B40988}"/>
+              </a:ext>
+            </a:extLst>
+          </p:cNvPr>
+          <p:cNvSpPr txBox="1"/>
+          <p:nvPr/>
+        </p:nvSpPr>
+        <p:spPr>
+          <a:xfrm>
+            <a:off x="4286018" y="1625559"/>
+            <a:ext cx="612668" cy="584775"/>
+          </a:xfrm>
+          <a:prstGeom prst="rect">
+            <a:avLst/>
+          </a:prstGeom>
+          <a:noFill/>
+          <a:ln w="76200">
+            <a:solidFill>
+              <a:schemeClr val="tx1"/>
+            </a:solidFill>
+          </a:ln>
+        </p:spPr>
+        <p:txBody>
+          <a:bodyPr wrap="none" rtlCol="0">
+            <a:spAutoFit/>
+          </a:bodyPr>
+          <a:lstStyle/>
+          <a:p>
+            <a:r>
+              <a:rPr lang="en-US" sz="3200" dirty="0"/>
+              <a:t>C4</a:t>
+            </a:r>
+          </a:p>
+        </p:txBody>
+      </p:sp>
+      <p:cxnSp>
+        <p:nvCxnSpPr>
+          <p:cNvPr id="31" name="Straight Arrow Connector 30">
+            <a:extLst>
+              <a:ext uri="{FF2B5EF4-FFF2-40B4-BE49-F238E27FC236}">
+                <a16:creationId xmlns:a16="http://schemas.microsoft.com/office/drawing/2014/main" id="{F596B820-CD58-4C43-8EB7-C758FB7EDEF1}"/>
+              </a:ext>
+            </a:extLst>
+          </p:cNvPr>
+          <p:cNvCxnSpPr>
+            <a:cxnSpLocks/>
+            <a:stCxn id="29" idx="2"/>
+            <a:endCxn id="19" idx="0"/>
+          </p:cNvCxnSpPr>
+          <p:nvPr/>
+        </p:nvCxnSpPr>
+        <p:spPr>
+          <a:xfrm>
+            <a:off x="3352357" y="2229428"/>
+            <a:ext cx="1239995" cy="2121385"/>
+          </a:xfrm>
+          <a:prstGeom prst="straightConnector1">
+            <a:avLst/>
+          </a:prstGeom>
+          <a:ln w="76200">
+            <a:solidFill>
+              <a:srgbClr val="FF0000">
+                <a:alpha val="20000"/>
+              </a:srgbClr>
+            </a:solidFill>
+            <a:tailEnd type="triangle"/>
+          </a:ln>
+        </p:spPr>
+        <p:style>
+          <a:lnRef idx="1">
+            <a:schemeClr val="accent1"/>
+          </a:lnRef>
+          <a:fillRef idx="0">
+            <a:schemeClr val="accent1"/>
+          </a:fillRef>
+          <a:effectRef idx="0">
+            <a:schemeClr val="accent1"/>
+          </a:effectRef>
+          <a:fontRef idx="minor">
+            <a:schemeClr val="tx1"/>
+          </a:fontRef>
+        </p:style>
+      </p:cxnSp>
+      <p:cxnSp>
+        <p:nvCxnSpPr>
+          <p:cNvPr id="32" name="Straight Arrow Connector 31">
+            <a:extLst>
+              <a:ext uri="{FF2B5EF4-FFF2-40B4-BE49-F238E27FC236}">
+                <a16:creationId xmlns:a16="http://schemas.microsoft.com/office/drawing/2014/main" id="{94FDC8ED-ECB1-C54A-9A2F-EBAEB474F490}"/>
+              </a:ext>
+            </a:extLst>
+          </p:cNvPr>
+          <p:cNvCxnSpPr>
+            <a:cxnSpLocks/>
+            <a:stCxn id="30" idx="2"/>
+            <a:endCxn id="19" idx="0"/>
+          </p:cNvCxnSpPr>
+          <p:nvPr/>
+        </p:nvCxnSpPr>
+        <p:spPr>
+          <a:xfrm>
+            <a:off x="4592352" y="2210334"/>
+            <a:ext cx="0" cy="2140479"/>
+          </a:xfrm>
+          <a:prstGeom prst="straightConnector1">
+            <a:avLst/>
+          </a:prstGeom>
+          <a:ln w="76200">
+            <a:solidFill>
+              <a:srgbClr val="FF0000">
+                <a:alpha val="20000"/>
+              </a:srgbClr>
+            </a:solidFill>
+            <a:tailEnd type="triangle"/>
+          </a:ln>
+        </p:spPr>
+        <p:style>
+          <a:lnRef idx="1">
+            <a:schemeClr val="accent1"/>
+          </a:lnRef>
+          <a:fillRef idx="0">
+            <a:schemeClr val="accent1"/>
+          </a:fillRef>
+          <a:effectRef idx="0">
+            <a:schemeClr val="accent1"/>
+          </a:effectRef>
+          <a:fontRef idx="minor">
+            <a:schemeClr val="tx1"/>
+          </a:fontRef>
+        </p:style>
+      </p:cxnSp>
+    </p:spTree>
+    <p:extLst>
+      <p:ext uri="{BB962C8B-B14F-4D97-AF65-F5344CB8AC3E}">
+        <p14:creationId xmlns:p14="http://schemas.microsoft.com/office/powerpoint/2010/main" val="1167634988"/>
       </p:ext>
     </p:extLst>
   </p:cSld>
